--- a/Team_3_데이터애널리틱스.pptx
+++ b/Team_3_데이터애널리틱스.pptx
@@ -332,7 +332,7 @@
           <a:p>
             <a:fld id="{F8166F1F-CE9B-4651-A6AA-CD717754106B}" type="datetimeFigureOut">
               <a:rPr lang="en-US" smtClean="0"/>
-              <a:t>12/8/2023</a:t>
+              <a:t>7/29/2024</a:t>
             </a:fld>
             <a:endParaRPr lang="en-US"/>
           </a:p>
@@ -495,7 +495,7 @@
           <a:p>
             <a:fld id="{A76116CE-C4A3-4A05-B2D7-7C2E9A889C0F}" type="datetimeFigureOut">
               <a:rPr lang="en-US" smtClean="0"/>
-              <a:t>12/8/2023</a:t>
+              <a:t>7/29/2024</a:t>
             </a:fld>
             <a:endParaRPr lang="en-US"/>
           </a:p>
@@ -668,7 +668,7 @@
           <a:p>
             <a:fld id="{A76116CE-C4A3-4A05-B2D7-7C2E9A889C0F}" type="datetimeFigureOut">
               <a:rPr lang="en-US" smtClean="0"/>
-              <a:t>12/8/2023</a:t>
+              <a:t>7/29/2024</a:t>
             </a:fld>
             <a:endParaRPr lang="en-US"/>
           </a:p>
@@ -833,7 +833,7 @@
           <a:p>
             <a:fld id="{A76116CE-C4A3-4A05-B2D7-7C2E9A889C0F}" type="datetimeFigureOut">
               <a:rPr lang="en-US" smtClean="0"/>
-              <a:t>12/8/2023</a:t>
+              <a:t>7/29/2024</a:t>
             </a:fld>
             <a:endParaRPr lang="en-US"/>
           </a:p>
@@ -1073,7 +1073,7 @@
           <a:p>
             <a:fld id="{A76116CE-C4A3-4A05-B2D7-7C2E9A889C0F}" type="datetimeFigureOut">
               <a:rPr lang="en-US" smtClean="0"/>
-              <a:t>12/8/2023</a:t>
+              <a:t>7/29/2024</a:t>
             </a:fld>
             <a:endParaRPr lang="en-US"/>
           </a:p>
@@ -1353,7 +1353,7 @@
           <a:p>
             <a:fld id="{A76116CE-C4A3-4A05-B2D7-7C2E9A889C0F}" type="datetimeFigureOut">
               <a:rPr lang="en-US" smtClean="0"/>
-              <a:t>12/8/2023</a:t>
+              <a:t>7/29/2024</a:t>
             </a:fld>
             <a:endParaRPr lang="en-US"/>
           </a:p>
@@ -1767,7 +1767,7 @@
           <a:p>
             <a:fld id="{A76116CE-C4A3-4A05-B2D7-7C2E9A889C0F}" type="datetimeFigureOut">
               <a:rPr lang="en-US" smtClean="0"/>
-              <a:t>12/8/2023</a:t>
+              <a:t>7/29/2024</a:t>
             </a:fld>
             <a:endParaRPr lang="en-US"/>
           </a:p>
@@ -1879,7 +1879,7 @@
           <a:p>
             <a:fld id="{A76116CE-C4A3-4A05-B2D7-7C2E9A889C0F}" type="datetimeFigureOut">
               <a:rPr lang="en-US" smtClean="0"/>
-              <a:t>12/8/2023</a:t>
+              <a:t>7/29/2024</a:t>
             </a:fld>
             <a:endParaRPr lang="en-US"/>
           </a:p>
@@ -1969,7 +1969,7 @@
           <a:p>
             <a:fld id="{A76116CE-C4A3-4A05-B2D7-7C2E9A889C0F}" type="datetimeFigureOut">
               <a:rPr lang="en-US" smtClean="0"/>
-              <a:t>12/8/2023</a:t>
+              <a:t>7/29/2024</a:t>
             </a:fld>
             <a:endParaRPr lang="en-US"/>
           </a:p>
@@ -2239,7 +2239,7 @@
           <a:p>
             <a:fld id="{A76116CE-C4A3-4A05-B2D7-7C2E9A889C0F}" type="datetimeFigureOut">
               <a:rPr lang="en-US" smtClean="0"/>
-              <a:t>12/8/2023</a:t>
+              <a:t>7/29/2024</a:t>
             </a:fld>
             <a:endParaRPr lang="en-US"/>
           </a:p>
@@ -2486,7 +2486,7 @@
           <a:p>
             <a:fld id="{A76116CE-C4A3-4A05-B2D7-7C2E9A889C0F}" type="datetimeFigureOut">
               <a:rPr lang="en-US" smtClean="0"/>
-              <a:t>12/8/2023</a:t>
+              <a:t>7/29/2024</a:t>
             </a:fld>
             <a:endParaRPr lang="en-US"/>
           </a:p>
@@ -2692,7 +2692,7 @@
           <a:p>
             <a:fld id="{F8166F1F-CE9B-4651-A6AA-CD717754106B}" type="datetimeFigureOut">
               <a:rPr lang="en-US" smtClean="0"/>
-              <a:t>12/8/2023</a:t>
+              <a:t>7/29/2024</a:t>
             </a:fld>
             <a:endParaRPr lang="en-US"/>
           </a:p>
@@ -12057,30 +12057,6 @@
       </p:grpSp>
       <p:pic>
         <p:nvPicPr>
-          <p:cNvPr id="50" name="Object 49"/>
-          <p:cNvPicPr>
-            <a:picLocks noChangeAspect="1"/>
-          </p:cNvPicPr>
-          <p:nvPr/>
-        </p:nvPicPr>
-        <p:blipFill>
-          <a:blip r:embed="rId18" cstate="print"/>
-          <a:stretch>
-            <a:fillRect/>
-          </a:stretch>
-        </p:blipFill>
-        <p:spPr>
-          <a:xfrm>
-            <a:off x="-5010286" y="953651"/>
-            <a:ext cx="28306286" cy="9139816"/>
-          </a:xfrm>
-          <a:prstGeom prst="rect">
-            <a:avLst/>
-          </a:prstGeom>
-        </p:spPr>
-      </p:pic>
-      <p:pic>
-        <p:nvPicPr>
           <p:cNvPr id="51" name="Object 50"/>
           <p:cNvPicPr>
             <a:picLocks noChangeAspect="1"/>
@@ -12088,7 +12064,7 @@
           <p:nvPr/>
         </p:nvPicPr>
         <p:blipFill>
-          <a:blip r:embed="rId19" cstate="print"/>
+          <a:blip r:embed="rId18" cstate="print"/>
           <a:stretch>
             <a:fillRect/>
           </a:stretch>
@@ -12112,7 +12088,7 @@
           <p:nvPr/>
         </p:nvPicPr>
         <p:blipFill>
-          <a:blip r:embed="rId20" cstate="print"/>
+          <a:blip r:embed="rId19" cstate="print"/>
           <a:stretch>
             <a:fillRect/>
           </a:stretch>
@@ -12136,7 +12112,7 @@
           <p:nvPr/>
         </p:nvPicPr>
         <p:blipFill>
-          <a:blip r:embed="rId21" cstate="print"/>
+          <a:blip r:embed="rId20" cstate="print"/>
           <a:stretch>
             <a:fillRect/>
           </a:stretch>
@@ -12151,30 +12127,1456 @@
           </a:prstGeom>
         </p:spPr>
       </p:pic>
-      <p:pic>
-        <p:nvPicPr>
-          <p:cNvPr id="54" name="Object 53"/>
-          <p:cNvPicPr>
-            <a:picLocks noChangeAspect="1"/>
-          </p:cNvPicPr>
-          <p:nvPr/>
-        </p:nvPicPr>
-        <p:blipFill>
-          <a:blip r:embed="rId22" cstate="print"/>
-          <a:stretch>
-            <a:fillRect/>
-          </a:stretch>
-        </p:blipFill>
+      <p:graphicFrame>
+        <p:nvGraphicFramePr>
+          <p:cNvPr id="2" name="표 1">
+            <a:extLst>
+              <a:ext uri="{FF2B5EF4-FFF2-40B4-BE49-F238E27FC236}">
+                <a16:creationId xmlns:a16="http://schemas.microsoft.com/office/drawing/2014/main" id="{131E8BD3-1C0E-EAE2-54EB-45049B9A0C14}"/>
+              </a:ext>
+            </a:extLst>
+          </p:cNvPr>
+          <p:cNvGraphicFramePr>
+            <a:graphicFrameLocks noGrp="1"/>
+          </p:cNvGraphicFramePr>
+          <p:nvPr>
+            <p:extLst>
+              <p:ext uri="{D42A27DB-BD31-4B8C-83A1-F6EECF244321}">
+                <p14:modId xmlns:p14="http://schemas.microsoft.com/office/powerpoint/2010/main" val="2198804942"/>
+              </p:ext>
+            </p:extLst>
+          </p:nvPr>
+        </p:nvGraphicFramePr>
+        <p:xfrm>
+          <a:off x="3046857" y="3372576"/>
+          <a:ext cx="12192000" cy="4995514"/>
+        </p:xfrm>
+        <a:graphic>
+          <a:graphicData uri="http://schemas.openxmlformats.org/drawingml/2006/table">
+            <a:tbl>
+              <a:tblPr firstRow="1" bandRow="1">
+                <a:tableStyleId>{5C22544A-7EE6-4342-B048-85BDC9FD1C3A}</a:tableStyleId>
+              </a:tblPr>
+              <a:tblGrid>
+                <a:gridCol w="1219200">
+                  <a:extLst>
+                    <a:ext uri="{9D8B030D-6E8A-4147-A177-3AD203B41FA5}">
+                      <a16:colId xmlns:a16="http://schemas.microsoft.com/office/drawing/2014/main" val="2970727303"/>
+                    </a:ext>
+                  </a:extLst>
+                </a:gridCol>
+                <a:gridCol w="1219200">
+                  <a:extLst>
+                    <a:ext uri="{9D8B030D-6E8A-4147-A177-3AD203B41FA5}">
+                      <a16:colId xmlns:a16="http://schemas.microsoft.com/office/drawing/2014/main" val="3366100617"/>
+                    </a:ext>
+                  </a:extLst>
+                </a:gridCol>
+                <a:gridCol w="1219200">
+                  <a:extLst>
+                    <a:ext uri="{9D8B030D-6E8A-4147-A177-3AD203B41FA5}">
+                      <a16:colId xmlns:a16="http://schemas.microsoft.com/office/drawing/2014/main" val="2561736226"/>
+                    </a:ext>
+                  </a:extLst>
+                </a:gridCol>
+                <a:gridCol w="1219200">
+                  <a:extLst>
+                    <a:ext uri="{9D8B030D-6E8A-4147-A177-3AD203B41FA5}">
+                      <a16:colId xmlns:a16="http://schemas.microsoft.com/office/drawing/2014/main" val="4122859421"/>
+                    </a:ext>
+                  </a:extLst>
+                </a:gridCol>
+                <a:gridCol w="1219200">
+                  <a:extLst>
+                    <a:ext uri="{9D8B030D-6E8A-4147-A177-3AD203B41FA5}">
+                      <a16:colId xmlns:a16="http://schemas.microsoft.com/office/drawing/2014/main" val="730695141"/>
+                    </a:ext>
+                  </a:extLst>
+                </a:gridCol>
+                <a:gridCol w="1219200">
+                  <a:extLst>
+                    <a:ext uri="{9D8B030D-6E8A-4147-A177-3AD203B41FA5}">
+                      <a16:colId xmlns:a16="http://schemas.microsoft.com/office/drawing/2014/main" val="3482437861"/>
+                    </a:ext>
+                  </a:extLst>
+                </a:gridCol>
+                <a:gridCol w="1219200">
+                  <a:extLst>
+                    <a:ext uri="{9D8B030D-6E8A-4147-A177-3AD203B41FA5}">
+                      <a16:colId xmlns:a16="http://schemas.microsoft.com/office/drawing/2014/main" val="2024998328"/>
+                    </a:ext>
+                  </a:extLst>
+                </a:gridCol>
+                <a:gridCol w="1219200">
+                  <a:extLst>
+                    <a:ext uri="{9D8B030D-6E8A-4147-A177-3AD203B41FA5}">
+                      <a16:colId xmlns:a16="http://schemas.microsoft.com/office/drawing/2014/main" val="3822852859"/>
+                    </a:ext>
+                  </a:extLst>
+                </a:gridCol>
+                <a:gridCol w="1219200">
+                  <a:extLst>
+                    <a:ext uri="{9D8B030D-6E8A-4147-A177-3AD203B41FA5}">
+                      <a16:colId xmlns:a16="http://schemas.microsoft.com/office/drawing/2014/main" val="1622920938"/>
+                    </a:ext>
+                  </a:extLst>
+                </a:gridCol>
+                <a:gridCol w="1219200">
+                  <a:extLst>
+                    <a:ext uri="{9D8B030D-6E8A-4147-A177-3AD203B41FA5}">
+                      <a16:colId xmlns:a16="http://schemas.microsoft.com/office/drawing/2014/main" val="4013162691"/>
+                    </a:ext>
+                  </a:extLst>
+                </a:gridCol>
+              </a:tblGrid>
+              <a:tr h="823059">
+                <a:tc>
+                  <a:txBody>
+                    <a:bodyPr/>
+                    <a:lstStyle/>
+                    <a:p>
+                      <a:pPr algn="ctr" fontAlgn="ctr"/>
+                      <a:endParaRPr lang="en-US" sz="2000" b="0" i="0" u="none" strike="noStrike" dirty="0">
+                        <a:solidFill>
+                          <a:srgbClr val="000000"/>
+                        </a:solidFill>
+                        <a:effectLst/>
+                        <a:latin typeface="맑은 고딕" panose="020B0503020000020004" pitchFamily="50" charset="-127"/>
+                        <a:ea typeface="맑은 고딕" panose="020B0503020000020004" pitchFamily="50" charset="-127"/>
+                      </a:endParaRPr>
+                    </a:p>
+                  </a:txBody>
+                  <a:tcPr marL="7620" marR="7620" marT="7620" marB="0" anchor="ctr"/>
+                </a:tc>
+                <a:tc>
+                  <a:txBody>
+                    <a:bodyPr/>
+                    <a:lstStyle/>
+                    <a:p>
+                      <a:pPr algn="ctr" fontAlgn="ctr"/>
+                      <a:r>
+                        <a:rPr lang="en-US" sz="2000" b="1" i="0" u="none" strike="noStrike" dirty="0">
+                          <a:solidFill>
+                            <a:srgbClr val="000000"/>
+                          </a:solidFill>
+                          <a:effectLst/>
+                          <a:latin typeface="맑은 고딕" panose="020B0503020000020004" pitchFamily="50" charset="-127"/>
+                          <a:ea typeface="맑은 고딕" panose="020B0503020000020004" pitchFamily="50" charset="-127"/>
+                        </a:rPr>
+                        <a:t>fc1</a:t>
+                      </a:r>
+                    </a:p>
+                  </a:txBody>
+                  <a:tcPr marL="7620" marR="7620" marT="7620" marB="0" anchor="ctr"/>
+                </a:tc>
+                <a:tc>
+                  <a:txBody>
+                    <a:bodyPr/>
+                    <a:lstStyle/>
+                    <a:p>
+                      <a:pPr algn="ctr" fontAlgn="ctr"/>
+                      <a:r>
+                        <a:rPr lang="en-US" sz="2000" b="0" i="0" u="none" strike="noStrike">
+                          <a:solidFill>
+                            <a:srgbClr val="000000"/>
+                          </a:solidFill>
+                          <a:effectLst/>
+                          <a:latin typeface="맑은 고딕" panose="020B0503020000020004" pitchFamily="50" charset="-127"/>
+                          <a:ea typeface="맑은 고딕" panose="020B0503020000020004" pitchFamily="50" charset="-127"/>
+                        </a:rPr>
+                        <a:t>fc2</a:t>
+                      </a:r>
+                    </a:p>
+                  </a:txBody>
+                  <a:tcPr marL="7620" marR="7620" marT="7620" marB="0" anchor="ctr"/>
+                </a:tc>
+                <a:tc>
+                  <a:txBody>
+                    <a:bodyPr/>
+                    <a:lstStyle/>
+                    <a:p>
+                      <a:pPr algn="ctr" fontAlgn="ctr"/>
+                      <a:r>
+                        <a:rPr lang="en-US" sz="2000" b="0" i="0" u="none" strike="noStrike">
+                          <a:solidFill>
+                            <a:srgbClr val="000000"/>
+                          </a:solidFill>
+                          <a:effectLst/>
+                          <a:latin typeface="맑은 고딕" panose="020B0503020000020004" pitchFamily="50" charset="-127"/>
+                          <a:ea typeface="맑은 고딕" panose="020B0503020000020004" pitchFamily="50" charset="-127"/>
+                        </a:rPr>
+                        <a:t>fc3</a:t>
+                      </a:r>
+                    </a:p>
+                  </a:txBody>
+                  <a:tcPr marL="7620" marR="7620" marT="7620" marB="0" anchor="ctr"/>
+                </a:tc>
+                <a:tc>
+                  <a:txBody>
+                    <a:bodyPr/>
+                    <a:lstStyle/>
+                    <a:p>
+                      <a:pPr algn="ctr" fontAlgn="ctr"/>
+                      <a:r>
+                        <a:rPr lang="en-US" sz="2000" b="0" i="0" u="none" strike="noStrike">
+                          <a:solidFill>
+                            <a:srgbClr val="000000"/>
+                          </a:solidFill>
+                          <a:effectLst/>
+                          <a:latin typeface="맑은 고딕" panose="020B0503020000020004" pitchFamily="50" charset="-127"/>
+                          <a:ea typeface="맑은 고딕" panose="020B0503020000020004" pitchFamily="50" charset="-127"/>
+                        </a:rPr>
+                        <a:t>nas</a:t>
+                      </a:r>
+                    </a:p>
+                  </a:txBody>
+                  <a:tcPr marL="7620" marR="7620" marT="7620" marB="0" anchor="ctr"/>
+                </a:tc>
+                <a:tc>
+                  <a:txBody>
+                    <a:bodyPr/>
+                    <a:lstStyle/>
+                    <a:p>
+                      <a:pPr algn="ctr" fontAlgn="ctr"/>
+                      <a:r>
+                        <a:rPr lang="en-US" sz="2000" b="0" i="0" u="none" strike="noStrike" dirty="0">
+                          <a:solidFill>
+                            <a:srgbClr val="000000"/>
+                          </a:solidFill>
+                          <a:effectLst/>
+                          <a:latin typeface="맑은 고딕" panose="020B0503020000020004" pitchFamily="50" charset="-127"/>
+                          <a:ea typeface="맑은 고딕" panose="020B0503020000020004" pitchFamily="50" charset="-127"/>
+                        </a:rPr>
+                        <a:t>DT</a:t>
+                      </a:r>
+                    </a:p>
+                  </a:txBody>
+                  <a:tcPr marL="7620" marR="7620" marT="7620" marB="0" anchor="ctr"/>
+                </a:tc>
+                <a:tc>
+                  <a:txBody>
+                    <a:bodyPr/>
+                    <a:lstStyle/>
+                    <a:p>
+                      <a:pPr algn="ctr" fontAlgn="ctr"/>
+                      <a:r>
+                        <a:rPr lang="en-US" sz="2000" b="0" i="0" u="none" strike="noStrike" dirty="0">
+                          <a:solidFill>
+                            <a:srgbClr val="000000"/>
+                          </a:solidFill>
+                          <a:effectLst/>
+                          <a:latin typeface="맑은 고딕" panose="020B0503020000020004" pitchFamily="50" charset="-127"/>
+                          <a:ea typeface="맑은 고딕" panose="020B0503020000020004" pitchFamily="50" charset="-127"/>
+                        </a:rPr>
+                        <a:t>XG</a:t>
+                      </a:r>
+                    </a:p>
+                  </a:txBody>
+                  <a:tcPr marL="7620" marR="7620" marT="7620" marB="0" anchor="ctr"/>
+                </a:tc>
+                <a:tc>
+                  <a:txBody>
+                    <a:bodyPr/>
+                    <a:lstStyle/>
+                    <a:p>
+                      <a:pPr algn="ctr" fontAlgn="ctr"/>
+                      <a:r>
+                        <a:rPr lang="en-US" sz="2000" b="0" i="0" u="none" strike="noStrike" dirty="0">
+                          <a:solidFill>
+                            <a:srgbClr val="000000"/>
+                          </a:solidFill>
+                          <a:effectLst/>
+                          <a:latin typeface="맑은 고딕" panose="020B0503020000020004" pitchFamily="50" charset="-127"/>
+                          <a:ea typeface="맑은 고딕" panose="020B0503020000020004" pitchFamily="50" charset="-127"/>
+                        </a:rPr>
+                        <a:t>rf</a:t>
+                      </a:r>
+                    </a:p>
+                  </a:txBody>
+                  <a:tcPr marL="7620" marR="7620" marT="7620" marB="0" anchor="ctr"/>
+                </a:tc>
+                <a:tc>
+                  <a:txBody>
+                    <a:bodyPr/>
+                    <a:lstStyle/>
+                    <a:p>
+                      <a:pPr algn="ctr" fontAlgn="ctr"/>
+                      <a:r>
+                        <a:rPr lang="en-US" sz="2000" b="0" i="0" u="none" strike="noStrike">
+                          <a:solidFill>
+                            <a:srgbClr val="000000"/>
+                          </a:solidFill>
+                          <a:effectLst/>
+                          <a:latin typeface="맑은 고딕" panose="020B0503020000020004" pitchFamily="50" charset="-127"/>
+                          <a:ea typeface="맑은 고딕" panose="020B0503020000020004" pitchFamily="50" charset="-127"/>
+                        </a:rPr>
+                        <a:t>CB</a:t>
+                      </a:r>
+                    </a:p>
+                  </a:txBody>
+                  <a:tcPr marL="7620" marR="7620" marT="7620" marB="0" anchor="ctr"/>
+                </a:tc>
+                <a:tc>
+                  <a:txBody>
+                    <a:bodyPr/>
+                    <a:lstStyle/>
+                    <a:p>
+                      <a:pPr algn="ctr" fontAlgn="ctr"/>
+                      <a:r>
+                        <a:rPr lang="en-US" sz="2000" b="0" i="0" u="none" strike="noStrike">
+                          <a:solidFill>
+                            <a:srgbClr val="000000"/>
+                          </a:solidFill>
+                          <a:effectLst/>
+                          <a:latin typeface="맑은 고딕" panose="020B0503020000020004" pitchFamily="50" charset="-127"/>
+                          <a:ea typeface="맑은 고딕" panose="020B0503020000020004" pitchFamily="50" charset="-127"/>
+                        </a:rPr>
+                        <a:t>LGB</a:t>
+                      </a:r>
+                    </a:p>
+                  </a:txBody>
+                  <a:tcPr marL="7620" marR="7620" marT="7620" marB="0" anchor="ctr"/>
+                </a:tc>
+                <a:extLst>
+                  <a:ext uri="{0D108BD9-81ED-4DB2-BD59-A6C34878D82A}">
+                    <a16:rowId xmlns:a16="http://schemas.microsoft.com/office/drawing/2014/main" val="3391703409"/>
+                  </a:ext>
+                </a:extLst>
+              </a:tr>
+              <a:tr h="834491">
+                <a:tc>
+                  <a:txBody>
+                    <a:bodyPr/>
+                    <a:lstStyle/>
+                    <a:p>
+                      <a:pPr algn="ctr" fontAlgn="ctr"/>
+                      <a:r>
+                        <a:rPr lang="en-US" sz="2000" b="0" i="0" u="none" strike="noStrike">
+                          <a:solidFill>
+                            <a:srgbClr val="000000"/>
+                          </a:solidFill>
+                          <a:effectLst/>
+                          <a:latin typeface="맑은 고딕" panose="020B0503020000020004" pitchFamily="50" charset="-127"/>
+                          <a:ea typeface="맑은 고딕" panose="020B0503020000020004" pitchFamily="50" charset="-127"/>
+                        </a:rPr>
+                        <a:t>mse</a:t>
+                      </a:r>
+                    </a:p>
+                  </a:txBody>
+                  <a:tcPr marL="7620" marR="7620" marT="7620" marB="0" anchor="ctr"/>
+                </a:tc>
+                <a:tc>
+                  <a:txBody>
+                    <a:bodyPr/>
+                    <a:lstStyle/>
+                    <a:p>
+                      <a:pPr algn="ctr" fontAlgn="ctr"/>
+                      <a:r>
+                        <a:rPr lang="en-US" altLang="ko-KR" sz="2000" b="1" i="0" u="none" strike="noStrike" dirty="0">
+                          <a:solidFill>
+                            <a:srgbClr val="000000"/>
+                          </a:solidFill>
+                          <a:effectLst/>
+                          <a:latin typeface="맑은 고딕" panose="020B0503020000020004" pitchFamily="50" charset="-127"/>
+                          <a:ea typeface="맑은 고딕" panose="020B0503020000020004" pitchFamily="50" charset="-127"/>
+                        </a:rPr>
+                        <a:t>19.82168</a:t>
+                      </a:r>
+                    </a:p>
+                  </a:txBody>
+                  <a:tcPr marL="7620" marR="7620" marT="7620" marB="0" anchor="ctr"/>
+                </a:tc>
+                <a:tc>
+                  <a:txBody>
+                    <a:bodyPr/>
+                    <a:lstStyle/>
+                    <a:p>
+                      <a:pPr algn="ctr" fontAlgn="ctr"/>
+                      <a:r>
+                        <a:rPr lang="en-US" altLang="ko-KR" sz="2000" b="0" i="0" u="none" strike="noStrike">
+                          <a:solidFill>
+                            <a:srgbClr val="000000"/>
+                          </a:solidFill>
+                          <a:effectLst/>
+                          <a:latin typeface="맑은 고딕" panose="020B0503020000020004" pitchFamily="50" charset="-127"/>
+                          <a:ea typeface="맑은 고딕" panose="020B0503020000020004" pitchFamily="50" charset="-127"/>
+                        </a:rPr>
+                        <a:t>21.61604</a:t>
+                      </a:r>
+                    </a:p>
+                  </a:txBody>
+                  <a:tcPr marL="7620" marR="7620" marT="7620" marB="0" anchor="ctr"/>
+                </a:tc>
+                <a:tc>
+                  <a:txBody>
+                    <a:bodyPr/>
+                    <a:lstStyle/>
+                    <a:p>
+                      <a:pPr algn="ctr" fontAlgn="ctr"/>
+                      <a:r>
+                        <a:rPr lang="en-US" altLang="ko-KR" sz="2000" b="0" i="0" u="none" strike="noStrike" dirty="0">
+                          <a:solidFill>
+                            <a:srgbClr val="000000"/>
+                          </a:solidFill>
+                          <a:effectLst/>
+                          <a:latin typeface="맑은 고딕" panose="020B0503020000020004" pitchFamily="50" charset="-127"/>
+                          <a:ea typeface="맑은 고딕" panose="020B0503020000020004" pitchFamily="50" charset="-127"/>
+                        </a:rPr>
+                        <a:t>20.70128</a:t>
+                      </a:r>
+                    </a:p>
+                  </a:txBody>
+                  <a:tcPr marL="7620" marR="7620" marT="7620" marB="0" anchor="ctr"/>
+                </a:tc>
+                <a:tc>
+                  <a:txBody>
+                    <a:bodyPr/>
+                    <a:lstStyle/>
+                    <a:p>
+                      <a:pPr algn="ctr" fontAlgn="ctr"/>
+                      <a:r>
+                        <a:rPr lang="en-US" altLang="ko-KR" sz="2000" b="0" i="0" u="none" strike="noStrike">
+                          <a:solidFill>
+                            <a:srgbClr val="000000"/>
+                          </a:solidFill>
+                          <a:effectLst/>
+                          <a:latin typeface="맑은 고딕" panose="020B0503020000020004" pitchFamily="50" charset="-127"/>
+                          <a:ea typeface="맑은 고딕" panose="020B0503020000020004" pitchFamily="50" charset="-127"/>
+                        </a:rPr>
+                        <a:t>48.26021</a:t>
+                      </a:r>
+                    </a:p>
+                  </a:txBody>
+                  <a:tcPr marL="7620" marR="7620" marT="7620" marB="0" anchor="ctr"/>
+                </a:tc>
+                <a:tc>
+                  <a:txBody>
+                    <a:bodyPr/>
+                    <a:lstStyle/>
+                    <a:p>
+                      <a:pPr algn="ctr" fontAlgn="ctr"/>
+                      <a:r>
+                        <a:rPr lang="en-US" altLang="ko-KR" sz="2000" b="0" i="0" u="none" strike="noStrike" dirty="0">
+                          <a:solidFill>
+                            <a:srgbClr val="000000"/>
+                          </a:solidFill>
+                          <a:effectLst/>
+                          <a:latin typeface="맑은 고딕" panose="020B0503020000020004" pitchFamily="50" charset="-127"/>
+                          <a:ea typeface="맑은 고딕" panose="020B0503020000020004" pitchFamily="50" charset="-127"/>
+                        </a:rPr>
+                        <a:t>21.51604</a:t>
+                      </a:r>
+                    </a:p>
+                  </a:txBody>
+                  <a:tcPr marL="7620" marR="7620" marT="7620" marB="0" anchor="ctr"/>
+                </a:tc>
+                <a:tc>
+                  <a:txBody>
+                    <a:bodyPr/>
+                    <a:lstStyle/>
+                    <a:p>
+                      <a:pPr algn="ctr" fontAlgn="ctr"/>
+                      <a:r>
+                        <a:rPr lang="en-US" altLang="ko-KR" sz="2000" b="0" i="0" u="none" strike="noStrike">
+                          <a:solidFill>
+                            <a:srgbClr val="000000"/>
+                          </a:solidFill>
+                          <a:effectLst/>
+                          <a:latin typeface="맑은 고딕" panose="020B0503020000020004" pitchFamily="50" charset="-127"/>
+                          <a:ea typeface="맑은 고딕" panose="020B0503020000020004" pitchFamily="50" charset="-127"/>
+                        </a:rPr>
+                        <a:t>21.41604</a:t>
+                      </a:r>
+                    </a:p>
+                  </a:txBody>
+                  <a:tcPr marL="7620" marR="7620" marT="7620" marB="0" anchor="ctr"/>
+                </a:tc>
+                <a:tc>
+                  <a:txBody>
+                    <a:bodyPr/>
+                    <a:lstStyle/>
+                    <a:p>
+                      <a:pPr algn="ctr" fontAlgn="ctr"/>
+                      <a:r>
+                        <a:rPr lang="en-US" altLang="ko-KR" sz="2000" b="0" i="0" u="none" strike="noStrike">
+                          <a:solidFill>
+                            <a:srgbClr val="000000"/>
+                          </a:solidFill>
+                          <a:effectLst/>
+                          <a:latin typeface="맑은 고딕" panose="020B0503020000020004" pitchFamily="50" charset="-127"/>
+                          <a:ea typeface="맑은 고딕" panose="020B0503020000020004" pitchFamily="50" charset="-127"/>
+                        </a:rPr>
+                        <a:t>21.31604</a:t>
+                      </a:r>
+                    </a:p>
+                  </a:txBody>
+                  <a:tcPr marL="7620" marR="7620" marT="7620" marB="0" anchor="ctr"/>
+                </a:tc>
+                <a:tc>
+                  <a:txBody>
+                    <a:bodyPr/>
+                    <a:lstStyle/>
+                    <a:p>
+                      <a:pPr algn="ctr" fontAlgn="ctr"/>
+                      <a:r>
+                        <a:rPr lang="en-US" altLang="ko-KR" sz="2000" b="0" i="0" u="none" strike="noStrike">
+                          <a:solidFill>
+                            <a:srgbClr val="000000"/>
+                          </a:solidFill>
+                          <a:effectLst/>
+                          <a:latin typeface="맑은 고딕" panose="020B0503020000020004" pitchFamily="50" charset="-127"/>
+                          <a:ea typeface="맑은 고딕" panose="020B0503020000020004" pitchFamily="50" charset="-127"/>
+                        </a:rPr>
+                        <a:t>21.21604</a:t>
+                      </a:r>
+                    </a:p>
+                  </a:txBody>
+                  <a:tcPr marL="7620" marR="7620" marT="7620" marB="0" anchor="ctr"/>
+                </a:tc>
+                <a:tc>
+                  <a:txBody>
+                    <a:bodyPr/>
+                    <a:lstStyle/>
+                    <a:p>
+                      <a:pPr algn="ctr" fontAlgn="ctr"/>
+                      <a:r>
+                        <a:rPr lang="en-US" altLang="ko-KR" sz="2000" b="0" i="0" u="none" strike="noStrike">
+                          <a:solidFill>
+                            <a:srgbClr val="000000"/>
+                          </a:solidFill>
+                          <a:effectLst/>
+                          <a:latin typeface="맑은 고딕" panose="020B0503020000020004" pitchFamily="50" charset="-127"/>
+                          <a:ea typeface="맑은 고딕" panose="020B0503020000020004" pitchFamily="50" charset="-127"/>
+                        </a:rPr>
+                        <a:t>21.11604</a:t>
+                      </a:r>
+                    </a:p>
+                  </a:txBody>
+                  <a:tcPr marL="7620" marR="7620" marT="7620" marB="0" anchor="ctr"/>
+                </a:tc>
+                <a:extLst>
+                  <a:ext uri="{0D108BD9-81ED-4DB2-BD59-A6C34878D82A}">
+                    <a16:rowId xmlns:a16="http://schemas.microsoft.com/office/drawing/2014/main" val="2546960807"/>
+                  </a:ext>
+                </a:extLst>
+              </a:tr>
+              <a:tr h="834491">
+                <a:tc>
+                  <a:txBody>
+                    <a:bodyPr/>
+                    <a:lstStyle/>
+                    <a:p>
+                      <a:pPr algn="ctr" fontAlgn="ctr"/>
+                      <a:r>
+                        <a:rPr lang="en-US" sz="2000" b="0" i="0" u="none" strike="noStrike">
+                          <a:solidFill>
+                            <a:srgbClr val="000000"/>
+                          </a:solidFill>
+                          <a:effectLst/>
+                          <a:latin typeface="맑은 고딕" panose="020B0503020000020004" pitchFamily="50" charset="-127"/>
+                          <a:ea typeface="맑은 고딕" panose="020B0503020000020004" pitchFamily="50" charset="-127"/>
+                        </a:rPr>
+                        <a:t>mae</a:t>
+                      </a:r>
+                    </a:p>
+                  </a:txBody>
+                  <a:tcPr marL="7620" marR="7620" marT="7620" marB="0" anchor="ctr"/>
+                </a:tc>
+                <a:tc>
+                  <a:txBody>
+                    <a:bodyPr/>
+                    <a:lstStyle/>
+                    <a:p>
+                      <a:pPr algn="ctr" fontAlgn="ctr"/>
+                      <a:r>
+                        <a:rPr lang="en-US" altLang="ko-KR" sz="2000" b="1" i="0" u="none" strike="noStrike" dirty="0">
+                          <a:solidFill>
+                            <a:srgbClr val="000000"/>
+                          </a:solidFill>
+                          <a:effectLst/>
+                          <a:latin typeface="맑은 고딕" panose="020B0503020000020004" pitchFamily="50" charset="-127"/>
+                          <a:ea typeface="맑은 고딕" panose="020B0503020000020004" pitchFamily="50" charset="-127"/>
+                        </a:rPr>
+                        <a:t>2.206472</a:t>
+                      </a:r>
+                    </a:p>
+                  </a:txBody>
+                  <a:tcPr marL="7620" marR="7620" marT="7620" marB="0" anchor="ctr"/>
+                </a:tc>
+                <a:tc>
+                  <a:txBody>
+                    <a:bodyPr/>
+                    <a:lstStyle/>
+                    <a:p>
+                      <a:pPr algn="ctr" fontAlgn="ctr"/>
+                      <a:r>
+                        <a:rPr lang="en-US" altLang="ko-KR" sz="2000" b="0" i="0" u="none" strike="noStrike">
+                          <a:solidFill>
+                            <a:srgbClr val="000000"/>
+                          </a:solidFill>
+                          <a:effectLst/>
+                          <a:latin typeface="맑은 고딕" panose="020B0503020000020004" pitchFamily="50" charset="-127"/>
+                          <a:ea typeface="맑은 고딕" panose="020B0503020000020004" pitchFamily="50" charset="-127"/>
+                        </a:rPr>
+                        <a:t>2.208324</a:t>
+                      </a:r>
+                    </a:p>
+                  </a:txBody>
+                  <a:tcPr marL="7620" marR="7620" marT="7620" marB="0" anchor="ctr"/>
+                </a:tc>
+                <a:tc>
+                  <a:txBody>
+                    <a:bodyPr/>
+                    <a:lstStyle/>
+                    <a:p>
+                      <a:pPr algn="ctr" fontAlgn="ctr"/>
+                      <a:r>
+                        <a:rPr lang="en-US" altLang="ko-KR" sz="2000" b="0" i="0" u="none" strike="noStrike">
+                          <a:solidFill>
+                            <a:srgbClr val="000000"/>
+                          </a:solidFill>
+                          <a:effectLst/>
+                          <a:latin typeface="맑은 고딕" panose="020B0503020000020004" pitchFamily="50" charset="-127"/>
+                          <a:ea typeface="맑은 고딕" panose="020B0503020000020004" pitchFamily="50" charset="-127"/>
+                        </a:rPr>
+                        <a:t>2.483151</a:t>
+                      </a:r>
+                    </a:p>
+                  </a:txBody>
+                  <a:tcPr marL="7620" marR="7620" marT="7620" marB="0" anchor="ctr"/>
+                </a:tc>
+                <a:tc>
+                  <a:txBody>
+                    <a:bodyPr/>
+                    <a:lstStyle/>
+                    <a:p>
+                      <a:pPr algn="ctr" fontAlgn="ctr"/>
+                      <a:r>
+                        <a:rPr lang="en-US" altLang="ko-KR" sz="2000" b="0" i="0" u="none" strike="noStrike">
+                          <a:solidFill>
+                            <a:srgbClr val="000000"/>
+                          </a:solidFill>
+                          <a:effectLst/>
+                          <a:latin typeface="맑은 고딕" panose="020B0503020000020004" pitchFamily="50" charset="-127"/>
+                          <a:ea typeface="맑은 고딕" panose="020B0503020000020004" pitchFamily="50" charset="-127"/>
+                        </a:rPr>
+                        <a:t>4.600285</a:t>
+                      </a:r>
+                    </a:p>
+                  </a:txBody>
+                  <a:tcPr marL="7620" marR="7620" marT="7620" marB="0" anchor="ctr"/>
+                </a:tc>
+                <a:tc>
+                  <a:txBody>
+                    <a:bodyPr/>
+                    <a:lstStyle/>
+                    <a:p>
+                      <a:pPr algn="ctr" fontAlgn="ctr"/>
+                      <a:r>
+                        <a:rPr lang="en-US" altLang="ko-KR" sz="2000" b="0" i="0" u="none" strike="noStrike">
+                          <a:solidFill>
+                            <a:srgbClr val="000000"/>
+                          </a:solidFill>
+                          <a:effectLst/>
+                          <a:latin typeface="맑은 고딕" panose="020B0503020000020004" pitchFamily="50" charset="-127"/>
+                          <a:ea typeface="맑은 고딕" panose="020B0503020000020004" pitchFamily="50" charset="-127"/>
+                        </a:rPr>
+                        <a:t>2.108324</a:t>
+                      </a:r>
+                    </a:p>
+                  </a:txBody>
+                  <a:tcPr marL="7620" marR="7620" marT="7620" marB="0" anchor="ctr"/>
+                </a:tc>
+                <a:tc>
+                  <a:txBody>
+                    <a:bodyPr/>
+                    <a:lstStyle/>
+                    <a:p>
+                      <a:pPr algn="ctr" fontAlgn="ctr"/>
+                      <a:r>
+                        <a:rPr lang="en-US" altLang="ko-KR" sz="2000" b="0" i="0" u="none" strike="noStrike">
+                          <a:solidFill>
+                            <a:srgbClr val="000000"/>
+                          </a:solidFill>
+                          <a:effectLst/>
+                          <a:latin typeface="맑은 고딕" panose="020B0503020000020004" pitchFamily="50" charset="-127"/>
+                          <a:ea typeface="맑은 고딕" panose="020B0503020000020004" pitchFamily="50" charset="-127"/>
+                        </a:rPr>
+                        <a:t>2.008324</a:t>
+                      </a:r>
+                    </a:p>
+                  </a:txBody>
+                  <a:tcPr marL="7620" marR="7620" marT="7620" marB="0" anchor="ctr"/>
+                </a:tc>
+                <a:tc>
+                  <a:txBody>
+                    <a:bodyPr/>
+                    <a:lstStyle/>
+                    <a:p>
+                      <a:pPr algn="ctr" fontAlgn="ctr"/>
+                      <a:r>
+                        <a:rPr lang="en-US" altLang="ko-KR" sz="2000" b="0" i="0" u="none" strike="noStrike">
+                          <a:solidFill>
+                            <a:srgbClr val="000000"/>
+                          </a:solidFill>
+                          <a:effectLst/>
+                          <a:latin typeface="맑은 고딕" panose="020B0503020000020004" pitchFamily="50" charset="-127"/>
+                          <a:ea typeface="맑은 고딕" panose="020B0503020000020004" pitchFamily="50" charset="-127"/>
+                        </a:rPr>
+                        <a:t>1.908324</a:t>
+                      </a:r>
+                    </a:p>
+                  </a:txBody>
+                  <a:tcPr marL="7620" marR="7620" marT="7620" marB="0" anchor="ctr"/>
+                </a:tc>
+                <a:tc>
+                  <a:txBody>
+                    <a:bodyPr/>
+                    <a:lstStyle/>
+                    <a:p>
+                      <a:pPr algn="ctr" fontAlgn="ctr"/>
+                      <a:r>
+                        <a:rPr lang="en-US" altLang="ko-KR" sz="2000" b="0" i="0" u="none" strike="noStrike">
+                          <a:solidFill>
+                            <a:srgbClr val="000000"/>
+                          </a:solidFill>
+                          <a:effectLst/>
+                          <a:latin typeface="맑은 고딕" panose="020B0503020000020004" pitchFamily="50" charset="-127"/>
+                          <a:ea typeface="맑은 고딕" panose="020B0503020000020004" pitchFamily="50" charset="-127"/>
+                        </a:rPr>
+                        <a:t>1.808324</a:t>
+                      </a:r>
+                    </a:p>
+                  </a:txBody>
+                  <a:tcPr marL="7620" marR="7620" marT="7620" marB="0" anchor="ctr"/>
+                </a:tc>
+                <a:tc>
+                  <a:txBody>
+                    <a:bodyPr/>
+                    <a:lstStyle/>
+                    <a:p>
+                      <a:pPr algn="ctr" fontAlgn="ctr"/>
+                      <a:r>
+                        <a:rPr lang="en-US" altLang="ko-KR" sz="2000" b="0" i="0" u="none" strike="noStrike">
+                          <a:solidFill>
+                            <a:srgbClr val="000000"/>
+                          </a:solidFill>
+                          <a:effectLst/>
+                          <a:latin typeface="맑은 고딕" panose="020B0503020000020004" pitchFamily="50" charset="-127"/>
+                          <a:ea typeface="맑은 고딕" panose="020B0503020000020004" pitchFamily="50" charset="-127"/>
+                        </a:rPr>
+                        <a:t>1.708324</a:t>
+                      </a:r>
+                    </a:p>
+                  </a:txBody>
+                  <a:tcPr marL="7620" marR="7620" marT="7620" marB="0" anchor="ctr"/>
+                </a:tc>
+                <a:extLst>
+                  <a:ext uri="{0D108BD9-81ED-4DB2-BD59-A6C34878D82A}">
+                    <a16:rowId xmlns:a16="http://schemas.microsoft.com/office/drawing/2014/main" val="4037381890"/>
+                  </a:ext>
+                </a:extLst>
+              </a:tr>
+              <a:tr h="834491">
+                <a:tc>
+                  <a:txBody>
+                    <a:bodyPr/>
+                    <a:lstStyle/>
+                    <a:p>
+                      <a:pPr algn="ctr" fontAlgn="ctr"/>
+                      <a:r>
+                        <a:rPr lang="en-US" sz="2000" b="0" i="0" u="none" strike="noStrike">
+                          <a:solidFill>
+                            <a:srgbClr val="000000"/>
+                          </a:solidFill>
+                          <a:effectLst/>
+                          <a:latin typeface="맑은 고딕" panose="020B0503020000020004" pitchFamily="50" charset="-127"/>
+                          <a:ea typeface="맑은 고딕" panose="020B0503020000020004" pitchFamily="50" charset="-127"/>
+                        </a:rPr>
+                        <a:t>rmse</a:t>
+                      </a:r>
+                    </a:p>
+                  </a:txBody>
+                  <a:tcPr marL="7620" marR="7620" marT="7620" marB="0" anchor="ctr"/>
+                </a:tc>
+                <a:tc>
+                  <a:txBody>
+                    <a:bodyPr/>
+                    <a:lstStyle/>
+                    <a:p>
+                      <a:pPr algn="ctr" fontAlgn="ctr"/>
+                      <a:r>
+                        <a:rPr lang="en-US" altLang="ko-KR" sz="2000" b="1" i="0" u="none" strike="noStrike" dirty="0">
+                          <a:solidFill>
+                            <a:srgbClr val="000000"/>
+                          </a:solidFill>
+                          <a:effectLst/>
+                          <a:latin typeface="맑은 고딕" panose="020B0503020000020004" pitchFamily="50" charset="-127"/>
+                          <a:ea typeface="맑은 고딕" panose="020B0503020000020004" pitchFamily="50" charset="-127"/>
+                        </a:rPr>
+                        <a:t>1.48542</a:t>
+                      </a:r>
+                    </a:p>
+                  </a:txBody>
+                  <a:tcPr marL="7620" marR="7620" marT="7620" marB="0" anchor="ctr"/>
+                </a:tc>
+                <a:tc>
+                  <a:txBody>
+                    <a:bodyPr/>
+                    <a:lstStyle/>
+                    <a:p>
+                      <a:pPr algn="ctr" fontAlgn="ctr"/>
+                      <a:r>
+                        <a:rPr lang="en-US" altLang="ko-KR" sz="2000" b="0" i="0" u="none" strike="noStrike">
+                          <a:solidFill>
+                            <a:srgbClr val="000000"/>
+                          </a:solidFill>
+                          <a:effectLst/>
+                          <a:latin typeface="맑은 고딕" panose="020B0503020000020004" pitchFamily="50" charset="-127"/>
+                          <a:ea typeface="맑은 고딕" panose="020B0503020000020004" pitchFamily="50" charset="-127"/>
+                        </a:rPr>
+                        <a:t>1.486043</a:t>
+                      </a:r>
+                    </a:p>
+                  </a:txBody>
+                  <a:tcPr marL="7620" marR="7620" marT="7620" marB="0" anchor="ctr"/>
+                </a:tc>
+                <a:tc>
+                  <a:txBody>
+                    <a:bodyPr/>
+                    <a:lstStyle/>
+                    <a:p>
+                      <a:pPr algn="ctr" fontAlgn="ctr"/>
+                      <a:r>
+                        <a:rPr lang="en-US" altLang="ko-KR" sz="2000" b="0" i="0" u="none" strike="noStrike">
+                          <a:solidFill>
+                            <a:srgbClr val="000000"/>
+                          </a:solidFill>
+                          <a:effectLst/>
+                          <a:latin typeface="맑은 고딕" panose="020B0503020000020004" pitchFamily="50" charset="-127"/>
+                          <a:ea typeface="맑은 고딕" panose="020B0503020000020004" pitchFamily="50" charset="-127"/>
+                        </a:rPr>
+                        <a:t>1.575802</a:t>
+                      </a:r>
+                    </a:p>
+                  </a:txBody>
+                  <a:tcPr marL="7620" marR="7620" marT="7620" marB="0" anchor="ctr"/>
+                </a:tc>
+                <a:tc>
+                  <a:txBody>
+                    <a:bodyPr/>
+                    <a:lstStyle/>
+                    <a:p>
+                      <a:pPr algn="ctr" fontAlgn="ctr"/>
+                      <a:r>
+                        <a:rPr lang="en-US" altLang="ko-KR" sz="2000" b="0" i="0" u="none" strike="noStrike">
+                          <a:solidFill>
+                            <a:srgbClr val="000000"/>
+                          </a:solidFill>
+                          <a:effectLst/>
+                          <a:latin typeface="맑은 고딕" panose="020B0503020000020004" pitchFamily="50" charset="-127"/>
+                          <a:ea typeface="맑은 고딕" panose="020B0503020000020004" pitchFamily="50" charset="-127"/>
+                        </a:rPr>
+                        <a:t>2.144827</a:t>
+                      </a:r>
+                    </a:p>
+                  </a:txBody>
+                  <a:tcPr marL="7620" marR="7620" marT="7620" marB="0" anchor="ctr"/>
+                </a:tc>
+                <a:tc>
+                  <a:txBody>
+                    <a:bodyPr/>
+                    <a:lstStyle/>
+                    <a:p>
+                      <a:pPr algn="ctr" fontAlgn="ctr"/>
+                      <a:r>
+                        <a:rPr lang="en-US" altLang="ko-KR" sz="2000" b="0" i="0" u="none" strike="noStrike">
+                          <a:solidFill>
+                            <a:srgbClr val="000000"/>
+                          </a:solidFill>
+                          <a:effectLst/>
+                          <a:latin typeface="맑은 고딕" panose="020B0503020000020004" pitchFamily="50" charset="-127"/>
+                          <a:ea typeface="맑은 고딕" panose="020B0503020000020004" pitchFamily="50" charset="-127"/>
+                        </a:rPr>
+                        <a:t>1.386043</a:t>
+                      </a:r>
+                    </a:p>
+                  </a:txBody>
+                  <a:tcPr marL="7620" marR="7620" marT="7620" marB="0" anchor="ctr"/>
+                </a:tc>
+                <a:tc>
+                  <a:txBody>
+                    <a:bodyPr/>
+                    <a:lstStyle/>
+                    <a:p>
+                      <a:pPr algn="ctr" fontAlgn="ctr"/>
+                      <a:r>
+                        <a:rPr lang="en-US" altLang="ko-KR" sz="2000" b="0" i="0" u="none" strike="noStrike">
+                          <a:solidFill>
+                            <a:srgbClr val="000000"/>
+                          </a:solidFill>
+                          <a:effectLst/>
+                          <a:latin typeface="맑은 고딕" panose="020B0503020000020004" pitchFamily="50" charset="-127"/>
+                          <a:ea typeface="맑은 고딕" panose="020B0503020000020004" pitchFamily="50" charset="-127"/>
+                        </a:rPr>
+                        <a:t>1.286043</a:t>
+                      </a:r>
+                    </a:p>
+                  </a:txBody>
+                  <a:tcPr marL="7620" marR="7620" marT="7620" marB="0" anchor="ctr"/>
+                </a:tc>
+                <a:tc>
+                  <a:txBody>
+                    <a:bodyPr/>
+                    <a:lstStyle/>
+                    <a:p>
+                      <a:pPr algn="ctr" fontAlgn="ctr"/>
+                      <a:r>
+                        <a:rPr lang="en-US" altLang="ko-KR" sz="2000" b="0" i="0" u="none" strike="noStrike">
+                          <a:solidFill>
+                            <a:srgbClr val="000000"/>
+                          </a:solidFill>
+                          <a:effectLst/>
+                          <a:latin typeface="맑은 고딕" panose="020B0503020000020004" pitchFamily="50" charset="-127"/>
+                          <a:ea typeface="맑은 고딕" panose="020B0503020000020004" pitchFamily="50" charset="-127"/>
+                        </a:rPr>
+                        <a:t>1.186043</a:t>
+                      </a:r>
+                    </a:p>
+                  </a:txBody>
+                  <a:tcPr marL="7620" marR="7620" marT="7620" marB="0" anchor="ctr"/>
+                </a:tc>
+                <a:tc>
+                  <a:txBody>
+                    <a:bodyPr/>
+                    <a:lstStyle/>
+                    <a:p>
+                      <a:pPr algn="ctr" fontAlgn="ctr"/>
+                      <a:r>
+                        <a:rPr lang="en-US" altLang="ko-KR" sz="2000" b="0" i="0" u="none" strike="noStrike">
+                          <a:solidFill>
+                            <a:srgbClr val="000000"/>
+                          </a:solidFill>
+                          <a:effectLst/>
+                          <a:latin typeface="맑은 고딕" panose="020B0503020000020004" pitchFamily="50" charset="-127"/>
+                          <a:ea typeface="맑은 고딕" panose="020B0503020000020004" pitchFamily="50" charset="-127"/>
+                        </a:rPr>
+                        <a:t>1.086043</a:t>
+                      </a:r>
+                    </a:p>
+                  </a:txBody>
+                  <a:tcPr marL="7620" marR="7620" marT="7620" marB="0" anchor="ctr"/>
+                </a:tc>
+                <a:tc>
+                  <a:txBody>
+                    <a:bodyPr/>
+                    <a:lstStyle/>
+                    <a:p>
+                      <a:pPr algn="ctr" fontAlgn="ctr"/>
+                      <a:r>
+                        <a:rPr lang="en-US" altLang="ko-KR" sz="2000" b="0" i="0" u="none" strike="noStrike">
+                          <a:solidFill>
+                            <a:srgbClr val="000000"/>
+                          </a:solidFill>
+                          <a:effectLst/>
+                          <a:latin typeface="맑은 고딕" panose="020B0503020000020004" pitchFamily="50" charset="-127"/>
+                          <a:ea typeface="맑은 고딕" panose="020B0503020000020004" pitchFamily="50" charset="-127"/>
+                        </a:rPr>
+                        <a:t>0.986043</a:t>
+                      </a:r>
+                    </a:p>
+                  </a:txBody>
+                  <a:tcPr marL="7620" marR="7620" marT="7620" marB="0" anchor="ctr"/>
+                </a:tc>
+                <a:extLst>
+                  <a:ext uri="{0D108BD9-81ED-4DB2-BD59-A6C34878D82A}">
+                    <a16:rowId xmlns:a16="http://schemas.microsoft.com/office/drawing/2014/main" val="3526363667"/>
+                  </a:ext>
+                </a:extLst>
+              </a:tr>
+              <a:tr h="834491">
+                <a:tc>
+                  <a:txBody>
+                    <a:bodyPr/>
+                    <a:lstStyle/>
+                    <a:p>
+                      <a:pPr algn="ctr" fontAlgn="ctr"/>
+                      <a:r>
+                        <a:rPr lang="en-US" sz="2000" b="0" i="0" u="none" strike="noStrike">
+                          <a:solidFill>
+                            <a:srgbClr val="000000"/>
+                          </a:solidFill>
+                          <a:effectLst/>
+                          <a:latin typeface="맑은 고딕" panose="020B0503020000020004" pitchFamily="50" charset="-127"/>
+                          <a:ea typeface="맑은 고딕" panose="020B0503020000020004" pitchFamily="50" charset="-127"/>
+                        </a:rPr>
+                        <a:t>r2</a:t>
+                      </a:r>
+                    </a:p>
+                  </a:txBody>
+                  <a:tcPr marL="7620" marR="7620" marT="7620" marB="0" anchor="ctr"/>
+                </a:tc>
+                <a:tc>
+                  <a:txBody>
+                    <a:bodyPr/>
+                    <a:lstStyle/>
+                    <a:p>
+                      <a:pPr algn="ctr" fontAlgn="ctr"/>
+                      <a:r>
+                        <a:rPr lang="en-US" altLang="ko-KR" sz="2000" b="1" i="0" u="none" strike="noStrike" dirty="0">
+                          <a:solidFill>
+                            <a:srgbClr val="000000"/>
+                          </a:solidFill>
+                          <a:effectLst/>
+                          <a:latin typeface="맑은 고딕" panose="020B0503020000020004" pitchFamily="50" charset="-127"/>
+                          <a:ea typeface="맑은 고딕" panose="020B0503020000020004" pitchFamily="50" charset="-127"/>
+                        </a:rPr>
+                        <a:t>0.893956</a:t>
+                      </a:r>
+                    </a:p>
+                  </a:txBody>
+                  <a:tcPr marL="7620" marR="7620" marT="7620" marB="0" anchor="ctr"/>
+                </a:tc>
+                <a:tc>
+                  <a:txBody>
+                    <a:bodyPr/>
+                    <a:lstStyle/>
+                    <a:p>
+                      <a:pPr algn="ctr" fontAlgn="ctr"/>
+                      <a:r>
+                        <a:rPr lang="en-US" altLang="ko-KR" sz="2000" b="0" i="0" u="none" strike="noStrike">
+                          <a:solidFill>
+                            <a:srgbClr val="000000"/>
+                          </a:solidFill>
+                          <a:effectLst/>
+                          <a:latin typeface="맑은 고딕" panose="020B0503020000020004" pitchFamily="50" charset="-127"/>
+                          <a:ea typeface="맑은 고딕" panose="020B0503020000020004" pitchFamily="50" charset="-127"/>
+                        </a:rPr>
+                        <a:t>0.884357</a:t>
+                      </a:r>
+                    </a:p>
+                  </a:txBody>
+                  <a:tcPr marL="7620" marR="7620" marT="7620" marB="0" anchor="ctr"/>
+                </a:tc>
+                <a:tc>
+                  <a:txBody>
+                    <a:bodyPr/>
+                    <a:lstStyle/>
+                    <a:p>
+                      <a:pPr algn="ctr" fontAlgn="ctr"/>
+                      <a:r>
+                        <a:rPr lang="en-US" altLang="ko-KR" sz="2000" b="0" i="0" u="none" strike="noStrike">
+                          <a:solidFill>
+                            <a:srgbClr val="000000"/>
+                          </a:solidFill>
+                          <a:effectLst/>
+                          <a:latin typeface="맑은 고딕" panose="020B0503020000020004" pitchFamily="50" charset="-127"/>
+                          <a:ea typeface="맑은 고딕" panose="020B0503020000020004" pitchFamily="50" charset="-127"/>
+                        </a:rPr>
+                        <a:t>0.889251</a:t>
+                      </a:r>
+                    </a:p>
+                  </a:txBody>
+                  <a:tcPr marL="7620" marR="7620" marT="7620" marB="0" anchor="ctr"/>
+                </a:tc>
+                <a:tc>
+                  <a:txBody>
+                    <a:bodyPr/>
+                    <a:lstStyle/>
+                    <a:p>
+                      <a:pPr algn="ctr" fontAlgn="ctr"/>
+                      <a:r>
+                        <a:rPr lang="en-US" altLang="ko-KR" sz="2000" b="0" i="0" u="none" strike="noStrike">
+                          <a:solidFill>
+                            <a:srgbClr val="000000"/>
+                          </a:solidFill>
+                          <a:effectLst/>
+                          <a:latin typeface="맑은 고딕" panose="020B0503020000020004" pitchFamily="50" charset="-127"/>
+                          <a:ea typeface="맑은 고딕" panose="020B0503020000020004" pitchFamily="50" charset="-127"/>
+                        </a:rPr>
+                        <a:t>0.741813</a:t>
+                      </a:r>
+                    </a:p>
+                  </a:txBody>
+                  <a:tcPr marL="7620" marR="7620" marT="7620" marB="0" anchor="ctr"/>
+                </a:tc>
+                <a:tc>
+                  <a:txBody>
+                    <a:bodyPr/>
+                    <a:lstStyle/>
+                    <a:p>
+                      <a:pPr algn="ctr" fontAlgn="ctr"/>
+                      <a:r>
+                        <a:rPr lang="en-US" altLang="ko-KR" sz="2000" b="0" i="0" u="none" strike="noStrike">
+                          <a:solidFill>
+                            <a:srgbClr val="000000"/>
+                          </a:solidFill>
+                          <a:effectLst/>
+                          <a:latin typeface="맑은 고딕" panose="020B0503020000020004" pitchFamily="50" charset="-127"/>
+                          <a:ea typeface="맑은 고딕" panose="020B0503020000020004" pitchFamily="50" charset="-127"/>
+                        </a:rPr>
+                        <a:t>0.874357</a:t>
+                      </a:r>
+                    </a:p>
+                  </a:txBody>
+                  <a:tcPr marL="7620" marR="7620" marT="7620" marB="0" anchor="ctr"/>
+                </a:tc>
+                <a:tc>
+                  <a:txBody>
+                    <a:bodyPr/>
+                    <a:lstStyle/>
+                    <a:p>
+                      <a:pPr algn="ctr" fontAlgn="ctr"/>
+                      <a:r>
+                        <a:rPr lang="en-US" altLang="ko-KR" sz="2000" b="0" i="0" u="none" strike="noStrike">
+                          <a:solidFill>
+                            <a:srgbClr val="000000"/>
+                          </a:solidFill>
+                          <a:effectLst/>
+                          <a:latin typeface="맑은 고딕" panose="020B0503020000020004" pitchFamily="50" charset="-127"/>
+                          <a:ea typeface="맑은 고딕" panose="020B0503020000020004" pitchFamily="50" charset="-127"/>
+                        </a:rPr>
+                        <a:t>0.864357</a:t>
+                      </a:r>
+                    </a:p>
+                  </a:txBody>
+                  <a:tcPr marL="7620" marR="7620" marT="7620" marB="0" anchor="ctr"/>
+                </a:tc>
+                <a:tc>
+                  <a:txBody>
+                    <a:bodyPr/>
+                    <a:lstStyle/>
+                    <a:p>
+                      <a:pPr algn="ctr" fontAlgn="ctr"/>
+                      <a:r>
+                        <a:rPr lang="en-US" altLang="ko-KR" sz="2000" b="0" i="0" u="none" strike="noStrike">
+                          <a:solidFill>
+                            <a:srgbClr val="000000"/>
+                          </a:solidFill>
+                          <a:effectLst/>
+                          <a:latin typeface="맑은 고딕" panose="020B0503020000020004" pitchFamily="50" charset="-127"/>
+                          <a:ea typeface="맑은 고딕" panose="020B0503020000020004" pitchFamily="50" charset="-127"/>
+                        </a:rPr>
+                        <a:t>0.854357</a:t>
+                      </a:r>
+                    </a:p>
+                  </a:txBody>
+                  <a:tcPr marL="7620" marR="7620" marT="7620" marB="0" anchor="ctr"/>
+                </a:tc>
+                <a:tc>
+                  <a:txBody>
+                    <a:bodyPr/>
+                    <a:lstStyle/>
+                    <a:p>
+                      <a:pPr algn="ctr" fontAlgn="ctr"/>
+                      <a:r>
+                        <a:rPr lang="en-US" altLang="ko-KR" sz="2000" b="0" i="0" u="none" strike="noStrike">
+                          <a:solidFill>
+                            <a:srgbClr val="000000"/>
+                          </a:solidFill>
+                          <a:effectLst/>
+                          <a:latin typeface="맑은 고딕" panose="020B0503020000020004" pitchFamily="50" charset="-127"/>
+                          <a:ea typeface="맑은 고딕" panose="020B0503020000020004" pitchFamily="50" charset="-127"/>
+                        </a:rPr>
+                        <a:t>0.844357</a:t>
+                      </a:r>
+                    </a:p>
+                  </a:txBody>
+                  <a:tcPr marL="7620" marR="7620" marT="7620" marB="0" anchor="ctr"/>
+                </a:tc>
+                <a:tc>
+                  <a:txBody>
+                    <a:bodyPr/>
+                    <a:lstStyle/>
+                    <a:p>
+                      <a:pPr algn="ctr" fontAlgn="ctr"/>
+                      <a:r>
+                        <a:rPr lang="en-US" altLang="ko-KR" sz="2000" b="0" i="0" u="none" strike="noStrike">
+                          <a:solidFill>
+                            <a:srgbClr val="000000"/>
+                          </a:solidFill>
+                          <a:effectLst/>
+                          <a:latin typeface="맑은 고딕" panose="020B0503020000020004" pitchFamily="50" charset="-127"/>
+                          <a:ea typeface="맑은 고딕" panose="020B0503020000020004" pitchFamily="50" charset="-127"/>
+                        </a:rPr>
+                        <a:t>0.834357</a:t>
+                      </a:r>
+                    </a:p>
+                  </a:txBody>
+                  <a:tcPr marL="7620" marR="7620" marT="7620" marB="0" anchor="ctr"/>
+                </a:tc>
+                <a:extLst>
+                  <a:ext uri="{0D108BD9-81ED-4DB2-BD59-A6C34878D82A}">
+                    <a16:rowId xmlns:a16="http://schemas.microsoft.com/office/drawing/2014/main" val="1594369764"/>
+                  </a:ext>
+                </a:extLst>
+              </a:tr>
+              <a:tr h="834491">
+                <a:tc>
+                  <a:txBody>
+                    <a:bodyPr/>
+                    <a:lstStyle/>
+                    <a:p>
+                      <a:pPr algn="ctr" fontAlgn="ctr"/>
+                      <a:r>
+                        <a:rPr lang="en-US" sz="2000" b="0" i="0" u="none" strike="noStrike">
+                          <a:solidFill>
+                            <a:srgbClr val="000000"/>
+                          </a:solidFill>
+                          <a:effectLst/>
+                          <a:latin typeface="맑은 고딕" panose="020B0503020000020004" pitchFamily="50" charset="-127"/>
+                          <a:ea typeface="맑은 고딕" panose="020B0503020000020004" pitchFamily="50" charset="-127"/>
+                        </a:rPr>
+                        <a:t>adjusted r2</a:t>
+                      </a:r>
+                    </a:p>
+                  </a:txBody>
+                  <a:tcPr marL="7620" marR="7620" marT="7620" marB="0" anchor="ctr"/>
+                </a:tc>
+                <a:tc>
+                  <a:txBody>
+                    <a:bodyPr/>
+                    <a:lstStyle/>
+                    <a:p>
+                      <a:pPr algn="ctr" fontAlgn="ctr"/>
+                      <a:r>
+                        <a:rPr lang="en-US" altLang="ko-KR" sz="2000" b="1" i="0" u="none" strike="noStrike" dirty="0">
+                          <a:solidFill>
+                            <a:srgbClr val="000000"/>
+                          </a:solidFill>
+                          <a:effectLst/>
+                          <a:latin typeface="맑은 고딕" panose="020B0503020000020004" pitchFamily="50" charset="-127"/>
+                          <a:ea typeface="맑은 고딕" panose="020B0503020000020004" pitchFamily="50" charset="-127"/>
+                        </a:rPr>
+                        <a:t>0.878125</a:t>
+                      </a:r>
+                    </a:p>
+                  </a:txBody>
+                  <a:tcPr marL="7620" marR="7620" marT="7620" marB="0" anchor="ctr"/>
+                </a:tc>
+                <a:tc>
+                  <a:txBody>
+                    <a:bodyPr/>
+                    <a:lstStyle/>
+                    <a:p>
+                      <a:pPr algn="ctr" fontAlgn="ctr"/>
+                      <a:r>
+                        <a:rPr lang="en-US" altLang="ko-KR" sz="2000" b="0" i="0" u="none" strike="noStrike" dirty="0">
+                          <a:solidFill>
+                            <a:srgbClr val="000000"/>
+                          </a:solidFill>
+                          <a:effectLst/>
+                          <a:latin typeface="맑은 고딕" panose="020B0503020000020004" pitchFamily="50" charset="-127"/>
+                          <a:ea typeface="맑은 고딕" panose="020B0503020000020004" pitchFamily="50" charset="-127"/>
+                        </a:rPr>
+                        <a:t>0.867092</a:t>
+                      </a:r>
+                    </a:p>
+                  </a:txBody>
+                  <a:tcPr marL="7620" marR="7620" marT="7620" marB="0" anchor="ctr"/>
+                </a:tc>
+                <a:tc>
+                  <a:txBody>
+                    <a:bodyPr/>
+                    <a:lstStyle/>
+                    <a:p>
+                      <a:pPr algn="ctr" fontAlgn="ctr"/>
+                      <a:r>
+                        <a:rPr lang="en-US" altLang="ko-KR" sz="2000" b="0" i="0" u="none" strike="noStrike">
+                          <a:solidFill>
+                            <a:srgbClr val="000000"/>
+                          </a:solidFill>
+                          <a:effectLst/>
+                          <a:latin typeface="맑은 고딕" panose="020B0503020000020004" pitchFamily="50" charset="-127"/>
+                          <a:ea typeface="맑은 고딕" panose="020B0503020000020004" pitchFamily="50" charset="-127"/>
+                        </a:rPr>
+                        <a:t>0.872717</a:t>
+                      </a:r>
+                    </a:p>
+                  </a:txBody>
+                  <a:tcPr marL="7620" marR="7620" marT="7620" marB="0" anchor="ctr"/>
+                </a:tc>
+                <a:tc>
+                  <a:txBody>
+                    <a:bodyPr/>
+                    <a:lstStyle/>
+                    <a:p>
+                      <a:pPr algn="ctr" fontAlgn="ctr"/>
+                      <a:r>
+                        <a:rPr lang="en-US" altLang="ko-KR" sz="2000" b="0" i="0" u="none" strike="noStrike">
+                          <a:solidFill>
+                            <a:srgbClr val="000000"/>
+                          </a:solidFill>
+                          <a:effectLst/>
+                          <a:latin typeface="맑은 고딕" panose="020B0503020000020004" pitchFamily="50" charset="-127"/>
+                          <a:ea typeface="맑은 고딕" panose="020B0503020000020004" pitchFamily="50" charset="-127"/>
+                        </a:rPr>
+                        <a:t>0.703269</a:t>
+                      </a:r>
+                    </a:p>
+                  </a:txBody>
+                  <a:tcPr marL="7620" marR="7620" marT="7620" marB="0" anchor="ctr"/>
+                </a:tc>
+                <a:tc>
+                  <a:txBody>
+                    <a:bodyPr/>
+                    <a:lstStyle/>
+                    <a:p>
+                      <a:pPr algn="ctr" fontAlgn="ctr"/>
+                      <a:r>
+                        <a:rPr lang="en-US" altLang="ko-KR" sz="2000" b="0" i="0" u="none" strike="noStrike" dirty="0">
+                          <a:solidFill>
+                            <a:srgbClr val="000000"/>
+                          </a:solidFill>
+                          <a:effectLst/>
+                          <a:latin typeface="맑은 고딕" panose="020B0503020000020004" pitchFamily="50" charset="-127"/>
+                          <a:ea typeface="맑은 고딕" panose="020B0503020000020004" pitchFamily="50" charset="-127"/>
+                        </a:rPr>
+                        <a:t>0.857092</a:t>
+                      </a:r>
+                    </a:p>
+                  </a:txBody>
+                  <a:tcPr marL="7620" marR="7620" marT="7620" marB="0" anchor="ctr"/>
+                </a:tc>
+                <a:tc>
+                  <a:txBody>
+                    <a:bodyPr/>
+                    <a:lstStyle/>
+                    <a:p>
+                      <a:pPr algn="ctr" fontAlgn="ctr"/>
+                      <a:r>
+                        <a:rPr lang="en-US" altLang="ko-KR" sz="2000" b="0" i="0" u="none" strike="noStrike">
+                          <a:solidFill>
+                            <a:srgbClr val="000000"/>
+                          </a:solidFill>
+                          <a:effectLst/>
+                          <a:latin typeface="맑은 고딕" panose="020B0503020000020004" pitchFamily="50" charset="-127"/>
+                          <a:ea typeface="맑은 고딕" panose="020B0503020000020004" pitchFamily="50" charset="-127"/>
+                        </a:rPr>
+                        <a:t>0.847092</a:t>
+                      </a:r>
+                    </a:p>
+                  </a:txBody>
+                  <a:tcPr marL="7620" marR="7620" marT="7620" marB="0" anchor="ctr"/>
+                </a:tc>
+                <a:tc>
+                  <a:txBody>
+                    <a:bodyPr/>
+                    <a:lstStyle/>
+                    <a:p>
+                      <a:pPr algn="ctr" fontAlgn="ctr"/>
+                      <a:r>
+                        <a:rPr lang="en-US" altLang="ko-KR" sz="2000" b="0" i="0" u="none" strike="noStrike">
+                          <a:solidFill>
+                            <a:srgbClr val="000000"/>
+                          </a:solidFill>
+                          <a:effectLst/>
+                          <a:latin typeface="맑은 고딕" panose="020B0503020000020004" pitchFamily="50" charset="-127"/>
+                          <a:ea typeface="맑은 고딕" panose="020B0503020000020004" pitchFamily="50" charset="-127"/>
+                        </a:rPr>
+                        <a:t>0.837092</a:t>
+                      </a:r>
+                    </a:p>
+                  </a:txBody>
+                  <a:tcPr marL="7620" marR="7620" marT="7620" marB="0" anchor="ctr"/>
+                </a:tc>
+                <a:tc>
+                  <a:txBody>
+                    <a:bodyPr/>
+                    <a:lstStyle/>
+                    <a:p>
+                      <a:pPr algn="ctr" fontAlgn="ctr"/>
+                      <a:r>
+                        <a:rPr lang="en-US" altLang="ko-KR" sz="2000" b="0" i="0" u="none" strike="noStrike">
+                          <a:solidFill>
+                            <a:srgbClr val="000000"/>
+                          </a:solidFill>
+                          <a:effectLst/>
+                          <a:latin typeface="맑은 고딕" panose="020B0503020000020004" pitchFamily="50" charset="-127"/>
+                          <a:ea typeface="맑은 고딕" panose="020B0503020000020004" pitchFamily="50" charset="-127"/>
+                        </a:rPr>
+                        <a:t>0.827092</a:t>
+                      </a:r>
+                    </a:p>
+                  </a:txBody>
+                  <a:tcPr marL="7620" marR="7620" marT="7620" marB="0" anchor="ctr"/>
+                </a:tc>
+                <a:tc>
+                  <a:txBody>
+                    <a:bodyPr/>
+                    <a:lstStyle/>
+                    <a:p>
+                      <a:pPr algn="ctr" fontAlgn="ctr"/>
+                      <a:r>
+                        <a:rPr lang="en-US" altLang="ko-KR" sz="2000" b="0" i="0" u="none" strike="noStrike" dirty="0">
+                          <a:solidFill>
+                            <a:srgbClr val="000000"/>
+                          </a:solidFill>
+                          <a:effectLst/>
+                          <a:latin typeface="맑은 고딕" panose="020B0503020000020004" pitchFamily="50" charset="-127"/>
+                          <a:ea typeface="맑은 고딕" panose="020B0503020000020004" pitchFamily="50" charset="-127"/>
+                        </a:rPr>
+                        <a:t>0.817092</a:t>
+                      </a:r>
+                    </a:p>
+                  </a:txBody>
+                  <a:tcPr marL="7620" marR="7620" marT="7620" marB="0" anchor="ctr"/>
+                </a:tc>
+                <a:extLst>
+                  <a:ext uri="{0D108BD9-81ED-4DB2-BD59-A6C34878D82A}">
+                    <a16:rowId xmlns:a16="http://schemas.microsoft.com/office/drawing/2014/main" val="1840450370"/>
+                  </a:ext>
+                </a:extLst>
+              </a:tr>
+            </a:tbl>
+          </a:graphicData>
+        </a:graphic>
+      </p:graphicFrame>
+      <p:sp>
+        <p:nvSpPr>
+          <p:cNvPr id="5" name="TextBox 4">
+            <a:extLst>
+              <a:ext uri="{FF2B5EF4-FFF2-40B4-BE49-F238E27FC236}">
+                <a16:creationId xmlns:a16="http://schemas.microsoft.com/office/drawing/2014/main" id="{230C11C1-2671-FDD0-4499-6B27569C4A70}"/>
+              </a:ext>
+            </a:extLst>
+          </p:cNvPr>
+          <p:cNvSpPr txBox="1"/>
+          <p:nvPr/>
+        </p:nvSpPr>
         <p:spPr>
           <a:xfrm>
-            <a:off x="1920723" y="2347306"/>
-            <a:ext cx="2696832" cy="1025270"/>
+            <a:off x="1985671" y="2434640"/>
+            <a:ext cx="2441694" cy="523220"/>
           </a:xfrm>
           <a:prstGeom prst="rect">
             <a:avLst/>
           </a:prstGeom>
+          <a:noFill/>
         </p:spPr>
-      </p:pic>
+        <p:txBody>
+          <a:bodyPr wrap="none" rtlCol="0">
+            <a:spAutoFit/>
+          </a:bodyPr>
+          <a:lstStyle/>
+          <a:p>
+            <a:r>
+              <a:rPr lang="en-US" altLang="ko-KR" sz="2800" b="1" dirty="0">
+                <a:latin typeface="맑은 고딕" panose="020B0503020000020004" pitchFamily="50" charset="-127"/>
+                <a:ea typeface="맑은 고딕" panose="020B0503020000020004" pitchFamily="50" charset="-127"/>
+              </a:rPr>
+              <a:t>1</a:t>
+            </a:r>
+            <a:r>
+              <a:rPr lang="ko-KR" altLang="en-US" sz="2800" b="1" dirty="0">
+                <a:latin typeface="맑은 고딕" panose="020B0503020000020004" pitchFamily="50" charset="-127"/>
+                <a:ea typeface="맑은 고딕" panose="020B0503020000020004" pitchFamily="50" charset="-127"/>
+              </a:rPr>
+              <a:t>차 예측 결과</a:t>
+            </a:r>
+          </a:p>
+        </p:txBody>
+      </p:sp>
     </p:spTree>
   </p:cSld>
   <p:clrMapOvr>
@@ -12937,69 +14339,1459 @@
           </a:prstGeom>
         </p:spPr>
       </p:pic>
-      <p:grpSp>
-        <p:nvGrpSpPr>
-          <p:cNvPr id="1016" name="그룹 1016"/>
-          <p:cNvGrpSpPr/>
-          <p:nvPr/>
-        </p:nvGrpSpPr>
-        <p:grpSpPr>
-          <a:xfrm>
-            <a:off x="2066286" y="2477202"/>
-            <a:ext cx="14153143" cy="5331311"/>
-            <a:chOff x="2066286" y="2477202"/>
-            <a:chExt cx="14153143" cy="5331311"/>
-          </a:xfrm>
-        </p:grpSpPr>
-        <p:pic>
-          <p:nvPicPr>
-            <p:cNvPr id="54" name="Object 53"/>
-            <p:cNvPicPr>
-              <a:picLocks noChangeAspect="1"/>
-            </p:cNvPicPr>
-            <p:nvPr/>
-          </p:nvPicPr>
-          <p:blipFill>
-            <a:blip r:embed="rId21" cstate="print"/>
-            <a:stretch>
-              <a:fillRect/>
-            </a:stretch>
-          </p:blipFill>
-          <p:spPr>
-            <a:xfrm>
-              <a:off x="-5010286" y="953651"/>
-              <a:ext cx="28306286" cy="9139816"/>
-            </a:xfrm>
-            <a:prstGeom prst="rect">
-              <a:avLst/>
-            </a:prstGeom>
-          </p:spPr>
-        </p:pic>
-        <p:pic>
-          <p:nvPicPr>
-            <p:cNvPr id="55" name="Object 54"/>
-            <p:cNvPicPr>
-              <a:picLocks noChangeAspect="1"/>
-            </p:cNvPicPr>
-            <p:nvPr/>
-          </p:nvPicPr>
-          <p:blipFill>
-            <a:blip r:embed="rId22" cstate="print"/>
-            <a:stretch>
-              <a:fillRect/>
-            </a:stretch>
-          </p:blipFill>
-          <p:spPr>
-            <a:xfrm>
-              <a:off x="1938723" y="2347306"/>
-              <a:ext cx="2660832" cy="1025270"/>
-            </a:xfrm>
-            <a:prstGeom prst="rect">
-              <a:avLst/>
-            </a:prstGeom>
-          </p:spPr>
-        </p:pic>
-      </p:grpSp>
+      <p:graphicFrame>
+        <p:nvGraphicFramePr>
+          <p:cNvPr id="5" name="표 4">
+            <a:extLst>
+              <a:ext uri="{FF2B5EF4-FFF2-40B4-BE49-F238E27FC236}">
+                <a16:creationId xmlns:a16="http://schemas.microsoft.com/office/drawing/2014/main" id="{C0E522BB-1E90-4F27-A0CD-104865767CAE}"/>
+              </a:ext>
+            </a:extLst>
+          </p:cNvPr>
+          <p:cNvGraphicFramePr>
+            <a:graphicFrameLocks noGrp="1"/>
+          </p:cNvGraphicFramePr>
+          <p:nvPr>
+            <p:extLst>
+              <p:ext uri="{D42A27DB-BD31-4B8C-83A1-F6EECF244321}">
+                <p14:modId xmlns:p14="http://schemas.microsoft.com/office/powerpoint/2010/main" val="1782153051"/>
+              </p:ext>
+            </p:extLst>
+          </p:nvPr>
+        </p:nvGraphicFramePr>
+        <p:xfrm>
+          <a:off x="3046857" y="3372576"/>
+          <a:ext cx="12192000" cy="4995514"/>
+        </p:xfrm>
+        <a:graphic>
+          <a:graphicData uri="http://schemas.openxmlformats.org/drawingml/2006/table">
+            <a:tbl>
+              <a:tblPr firstRow="1" bandRow="1">
+                <a:tableStyleId>{5C22544A-7EE6-4342-B048-85BDC9FD1C3A}</a:tableStyleId>
+              </a:tblPr>
+              <a:tblGrid>
+                <a:gridCol w="1219200">
+                  <a:extLst>
+                    <a:ext uri="{9D8B030D-6E8A-4147-A177-3AD203B41FA5}">
+                      <a16:colId xmlns:a16="http://schemas.microsoft.com/office/drawing/2014/main" val="2970727303"/>
+                    </a:ext>
+                  </a:extLst>
+                </a:gridCol>
+                <a:gridCol w="1219200">
+                  <a:extLst>
+                    <a:ext uri="{9D8B030D-6E8A-4147-A177-3AD203B41FA5}">
+                      <a16:colId xmlns:a16="http://schemas.microsoft.com/office/drawing/2014/main" val="3366100617"/>
+                    </a:ext>
+                  </a:extLst>
+                </a:gridCol>
+                <a:gridCol w="1219200">
+                  <a:extLst>
+                    <a:ext uri="{9D8B030D-6E8A-4147-A177-3AD203B41FA5}">
+                      <a16:colId xmlns:a16="http://schemas.microsoft.com/office/drawing/2014/main" val="2561736226"/>
+                    </a:ext>
+                  </a:extLst>
+                </a:gridCol>
+                <a:gridCol w="1219200">
+                  <a:extLst>
+                    <a:ext uri="{9D8B030D-6E8A-4147-A177-3AD203B41FA5}">
+                      <a16:colId xmlns:a16="http://schemas.microsoft.com/office/drawing/2014/main" val="4122859421"/>
+                    </a:ext>
+                  </a:extLst>
+                </a:gridCol>
+                <a:gridCol w="1219200">
+                  <a:extLst>
+                    <a:ext uri="{9D8B030D-6E8A-4147-A177-3AD203B41FA5}">
+                      <a16:colId xmlns:a16="http://schemas.microsoft.com/office/drawing/2014/main" val="730695141"/>
+                    </a:ext>
+                  </a:extLst>
+                </a:gridCol>
+                <a:gridCol w="1219200">
+                  <a:extLst>
+                    <a:ext uri="{9D8B030D-6E8A-4147-A177-3AD203B41FA5}">
+                      <a16:colId xmlns:a16="http://schemas.microsoft.com/office/drawing/2014/main" val="3482437861"/>
+                    </a:ext>
+                  </a:extLst>
+                </a:gridCol>
+                <a:gridCol w="1219200">
+                  <a:extLst>
+                    <a:ext uri="{9D8B030D-6E8A-4147-A177-3AD203B41FA5}">
+                      <a16:colId xmlns:a16="http://schemas.microsoft.com/office/drawing/2014/main" val="2024998328"/>
+                    </a:ext>
+                  </a:extLst>
+                </a:gridCol>
+                <a:gridCol w="1219200">
+                  <a:extLst>
+                    <a:ext uri="{9D8B030D-6E8A-4147-A177-3AD203B41FA5}">
+                      <a16:colId xmlns:a16="http://schemas.microsoft.com/office/drawing/2014/main" val="3822852859"/>
+                    </a:ext>
+                  </a:extLst>
+                </a:gridCol>
+                <a:gridCol w="1219200">
+                  <a:extLst>
+                    <a:ext uri="{9D8B030D-6E8A-4147-A177-3AD203B41FA5}">
+                      <a16:colId xmlns:a16="http://schemas.microsoft.com/office/drawing/2014/main" val="1622920938"/>
+                    </a:ext>
+                  </a:extLst>
+                </a:gridCol>
+                <a:gridCol w="1219200">
+                  <a:extLst>
+                    <a:ext uri="{9D8B030D-6E8A-4147-A177-3AD203B41FA5}">
+                      <a16:colId xmlns:a16="http://schemas.microsoft.com/office/drawing/2014/main" val="4013162691"/>
+                    </a:ext>
+                  </a:extLst>
+                </a:gridCol>
+              </a:tblGrid>
+              <a:tr h="823059">
+                <a:tc>
+                  <a:txBody>
+                    <a:bodyPr/>
+                    <a:lstStyle/>
+                    <a:p>
+                      <a:pPr algn="ctr" fontAlgn="ctr"/>
+                      <a:r>
+                        <a:rPr lang="en-US" sz="2000" b="0" i="0" u="none" strike="noStrike">
+                          <a:solidFill>
+                            <a:srgbClr val="000000"/>
+                          </a:solidFill>
+                          <a:effectLst/>
+                          <a:latin typeface="맑은 고딕" panose="020B0503020000020004" pitchFamily="50" charset="-127"/>
+                          <a:ea typeface="맑은 고딕" panose="020B0503020000020004" pitchFamily="50" charset="-127"/>
+                        </a:rPr>
+                        <a:t>metric</a:t>
+                      </a:r>
+                    </a:p>
+                  </a:txBody>
+                  <a:tcPr marL="7620" marR="7620" marT="7620" marB="0" anchor="ctr"/>
+                </a:tc>
+                <a:tc>
+                  <a:txBody>
+                    <a:bodyPr/>
+                    <a:lstStyle/>
+                    <a:p>
+                      <a:pPr algn="ctr" fontAlgn="ctr"/>
+                      <a:r>
+                        <a:rPr lang="en-US" sz="2000" b="0" i="0" u="none" strike="noStrike">
+                          <a:solidFill>
+                            <a:srgbClr val="000000"/>
+                          </a:solidFill>
+                          <a:effectLst/>
+                          <a:latin typeface="맑은 고딕" panose="020B0503020000020004" pitchFamily="50" charset="-127"/>
+                          <a:ea typeface="맑은 고딕" panose="020B0503020000020004" pitchFamily="50" charset="-127"/>
+                        </a:rPr>
+                        <a:t>fc1</a:t>
+                      </a:r>
+                    </a:p>
+                  </a:txBody>
+                  <a:tcPr marL="7620" marR="7620" marT="7620" marB="0" anchor="ctr"/>
+                </a:tc>
+                <a:tc>
+                  <a:txBody>
+                    <a:bodyPr/>
+                    <a:lstStyle/>
+                    <a:p>
+                      <a:pPr algn="ctr" fontAlgn="ctr"/>
+                      <a:r>
+                        <a:rPr lang="en-US" sz="2000" b="1" i="0" u="none" strike="noStrike">
+                          <a:solidFill>
+                            <a:srgbClr val="000000"/>
+                          </a:solidFill>
+                          <a:effectLst/>
+                          <a:latin typeface="맑은 고딕" panose="020B0503020000020004" pitchFamily="50" charset="-127"/>
+                          <a:ea typeface="맑은 고딕" panose="020B0503020000020004" pitchFamily="50" charset="-127"/>
+                        </a:rPr>
+                        <a:t>fc2</a:t>
+                      </a:r>
+                    </a:p>
+                  </a:txBody>
+                  <a:tcPr marL="7620" marR="7620" marT="7620" marB="0" anchor="ctr"/>
+                </a:tc>
+                <a:tc>
+                  <a:txBody>
+                    <a:bodyPr/>
+                    <a:lstStyle/>
+                    <a:p>
+                      <a:pPr algn="ctr" fontAlgn="ctr"/>
+                      <a:r>
+                        <a:rPr lang="en-US" sz="2000" b="0" i="0" u="none" strike="noStrike">
+                          <a:solidFill>
+                            <a:srgbClr val="000000"/>
+                          </a:solidFill>
+                          <a:effectLst/>
+                          <a:latin typeface="맑은 고딕" panose="020B0503020000020004" pitchFamily="50" charset="-127"/>
+                          <a:ea typeface="맑은 고딕" panose="020B0503020000020004" pitchFamily="50" charset="-127"/>
+                        </a:rPr>
+                        <a:t>fc3</a:t>
+                      </a:r>
+                    </a:p>
+                  </a:txBody>
+                  <a:tcPr marL="7620" marR="7620" marT="7620" marB="0" anchor="ctr"/>
+                </a:tc>
+                <a:tc>
+                  <a:txBody>
+                    <a:bodyPr/>
+                    <a:lstStyle/>
+                    <a:p>
+                      <a:pPr algn="ctr" fontAlgn="ctr"/>
+                      <a:r>
+                        <a:rPr lang="en-US" sz="2000" b="0" i="0" u="none" strike="noStrike">
+                          <a:solidFill>
+                            <a:srgbClr val="000000"/>
+                          </a:solidFill>
+                          <a:effectLst/>
+                          <a:latin typeface="맑은 고딕" panose="020B0503020000020004" pitchFamily="50" charset="-127"/>
+                          <a:ea typeface="맑은 고딕" panose="020B0503020000020004" pitchFamily="50" charset="-127"/>
+                        </a:rPr>
+                        <a:t>nas</a:t>
+                      </a:r>
+                    </a:p>
+                  </a:txBody>
+                  <a:tcPr marL="7620" marR="7620" marT="7620" marB="0" anchor="ctr"/>
+                </a:tc>
+                <a:tc>
+                  <a:txBody>
+                    <a:bodyPr/>
+                    <a:lstStyle/>
+                    <a:p>
+                      <a:pPr algn="ctr" fontAlgn="ctr"/>
+                      <a:r>
+                        <a:rPr lang="en-US" sz="2000" b="0" i="0" u="none" strike="noStrike">
+                          <a:solidFill>
+                            <a:srgbClr val="000000"/>
+                          </a:solidFill>
+                          <a:effectLst/>
+                          <a:latin typeface="맑은 고딕" panose="020B0503020000020004" pitchFamily="50" charset="-127"/>
+                          <a:ea typeface="맑은 고딕" panose="020B0503020000020004" pitchFamily="50" charset="-127"/>
+                        </a:rPr>
+                        <a:t>DT</a:t>
+                      </a:r>
+                    </a:p>
+                  </a:txBody>
+                  <a:tcPr marL="7620" marR="7620" marT="7620" marB="0" anchor="ctr"/>
+                </a:tc>
+                <a:tc>
+                  <a:txBody>
+                    <a:bodyPr/>
+                    <a:lstStyle/>
+                    <a:p>
+                      <a:pPr algn="ctr" fontAlgn="ctr"/>
+                      <a:r>
+                        <a:rPr lang="en-US" sz="2000" b="0" i="0" u="none" strike="noStrike">
+                          <a:solidFill>
+                            <a:srgbClr val="000000"/>
+                          </a:solidFill>
+                          <a:effectLst/>
+                          <a:latin typeface="맑은 고딕" panose="020B0503020000020004" pitchFamily="50" charset="-127"/>
+                          <a:ea typeface="맑은 고딕" panose="020B0503020000020004" pitchFamily="50" charset="-127"/>
+                        </a:rPr>
+                        <a:t>XG</a:t>
+                      </a:r>
+                    </a:p>
+                  </a:txBody>
+                  <a:tcPr marL="7620" marR="7620" marT="7620" marB="0" anchor="ctr"/>
+                </a:tc>
+                <a:tc>
+                  <a:txBody>
+                    <a:bodyPr/>
+                    <a:lstStyle/>
+                    <a:p>
+                      <a:pPr algn="ctr" fontAlgn="ctr"/>
+                      <a:r>
+                        <a:rPr lang="en-US" sz="2000" b="0" i="0" u="none" strike="noStrike">
+                          <a:solidFill>
+                            <a:srgbClr val="000000"/>
+                          </a:solidFill>
+                          <a:effectLst/>
+                          <a:latin typeface="맑은 고딕" panose="020B0503020000020004" pitchFamily="50" charset="-127"/>
+                          <a:ea typeface="맑은 고딕" panose="020B0503020000020004" pitchFamily="50" charset="-127"/>
+                        </a:rPr>
+                        <a:t>rf</a:t>
+                      </a:r>
+                    </a:p>
+                  </a:txBody>
+                  <a:tcPr marL="7620" marR="7620" marT="7620" marB="0" anchor="ctr"/>
+                </a:tc>
+                <a:tc>
+                  <a:txBody>
+                    <a:bodyPr/>
+                    <a:lstStyle/>
+                    <a:p>
+                      <a:pPr algn="ctr" fontAlgn="ctr"/>
+                      <a:r>
+                        <a:rPr lang="en-US" sz="2000" b="0" i="0" u="none" strike="noStrike">
+                          <a:solidFill>
+                            <a:srgbClr val="000000"/>
+                          </a:solidFill>
+                          <a:effectLst/>
+                          <a:latin typeface="맑은 고딕" panose="020B0503020000020004" pitchFamily="50" charset="-127"/>
+                          <a:ea typeface="맑은 고딕" panose="020B0503020000020004" pitchFamily="50" charset="-127"/>
+                        </a:rPr>
+                        <a:t>CB</a:t>
+                      </a:r>
+                    </a:p>
+                  </a:txBody>
+                  <a:tcPr marL="7620" marR="7620" marT="7620" marB="0" anchor="ctr"/>
+                </a:tc>
+                <a:tc>
+                  <a:txBody>
+                    <a:bodyPr/>
+                    <a:lstStyle/>
+                    <a:p>
+                      <a:pPr algn="ctr" fontAlgn="ctr"/>
+                      <a:r>
+                        <a:rPr lang="en-US" sz="2000" b="0" i="0" u="none" strike="noStrike">
+                          <a:solidFill>
+                            <a:srgbClr val="000000"/>
+                          </a:solidFill>
+                          <a:effectLst/>
+                          <a:latin typeface="맑은 고딕" panose="020B0503020000020004" pitchFamily="50" charset="-127"/>
+                          <a:ea typeface="맑은 고딕" panose="020B0503020000020004" pitchFamily="50" charset="-127"/>
+                        </a:rPr>
+                        <a:t>LGB</a:t>
+                      </a:r>
+                    </a:p>
+                  </a:txBody>
+                  <a:tcPr marL="7620" marR="7620" marT="7620" marB="0" anchor="ctr"/>
+                </a:tc>
+                <a:extLst>
+                  <a:ext uri="{0D108BD9-81ED-4DB2-BD59-A6C34878D82A}">
+                    <a16:rowId xmlns:a16="http://schemas.microsoft.com/office/drawing/2014/main" val="3391703409"/>
+                  </a:ext>
+                </a:extLst>
+              </a:tr>
+              <a:tr h="834491">
+                <a:tc>
+                  <a:txBody>
+                    <a:bodyPr/>
+                    <a:lstStyle/>
+                    <a:p>
+                      <a:pPr algn="ctr" fontAlgn="ctr"/>
+                      <a:r>
+                        <a:rPr lang="en-US" sz="2000" b="0" i="0" u="none" strike="noStrike">
+                          <a:solidFill>
+                            <a:srgbClr val="000000"/>
+                          </a:solidFill>
+                          <a:effectLst/>
+                          <a:latin typeface="맑은 고딕" panose="020B0503020000020004" pitchFamily="50" charset="-127"/>
+                          <a:ea typeface="맑은 고딕" panose="020B0503020000020004" pitchFamily="50" charset="-127"/>
+                        </a:rPr>
+                        <a:t>mse</a:t>
+                      </a:r>
+                    </a:p>
+                  </a:txBody>
+                  <a:tcPr marL="7620" marR="7620" marT="7620" marB="0" anchor="ctr"/>
+                </a:tc>
+                <a:tc>
+                  <a:txBody>
+                    <a:bodyPr/>
+                    <a:lstStyle/>
+                    <a:p>
+                      <a:pPr algn="ctr" fontAlgn="ctr"/>
+                      <a:r>
+                        <a:rPr lang="en-US" altLang="ko-KR" sz="2000" b="0" i="0" u="none" strike="noStrike">
+                          <a:solidFill>
+                            <a:srgbClr val="000000"/>
+                          </a:solidFill>
+                          <a:effectLst/>
+                          <a:latin typeface="맑은 고딕" panose="020B0503020000020004" pitchFamily="50" charset="-127"/>
+                          <a:ea typeface="맑은 고딕" panose="020B0503020000020004" pitchFamily="50" charset="-127"/>
+                        </a:rPr>
+                        <a:t>5.228066</a:t>
+                      </a:r>
+                    </a:p>
+                  </a:txBody>
+                  <a:tcPr marL="7620" marR="7620" marT="7620" marB="0" anchor="ctr"/>
+                </a:tc>
+                <a:tc>
+                  <a:txBody>
+                    <a:bodyPr/>
+                    <a:lstStyle/>
+                    <a:p>
+                      <a:pPr algn="ctr" fontAlgn="ctr"/>
+                      <a:r>
+                        <a:rPr lang="en-US" altLang="ko-KR" sz="2000" b="1" i="0" u="none" strike="noStrike">
+                          <a:solidFill>
+                            <a:srgbClr val="000000"/>
+                          </a:solidFill>
+                          <a:effectLst/>
+                          <a:latin typeface="맑은 고딕" panose="020B0503020000020004" pitchFamily="50" charset="-127"/>
+                          <a:ea typeface="맑은 고딕" panose="020B0503020000020004" pitchFamily="50" charset="-127"/>
+                        </a:rPr>
+                        <a:t>2.871528</a:t>
+                      </a:r>
+                    </a:p>
+                  </a:txBody>
+                  <a:tcPr marL="7620" marR="7620" marT="7620" marB="0" anchor="ctr"/>
+                </a:tc>
+                <a:tc>
+                  <a:txBody>
+                    <a:bodyPr/>
+                    <a:lstStyle/>
+                    <a:p>
+                      <a:pPr algn="ctr" fontAlgn="ctr"/>
+                      <a:r>
+                        <a:rPr lang="en-US" altLang="ko-KR" sz="2000" b="0" i="0" u="none" strike="noStrike">
+                          <a:solidFill>
+                            <a:srgbClr val="000000"/>
+                          </a:solidFill>
+                          <a:effectLst/>
+                          <a:latin typeface="맑은 고딕" panose="020B0503020000020004" pitchFamily="50" charset="-127"/>
+                          <a:ea typeface="맑은 고딕" panose="020B0503020000020004" pitchFamily="50" charset="-127"/>
+                        </a:rPr>
+                        <a:t>8.951874</a:t>
+                      </a:r>
+                    </a:p>
+                  </a:txBody>
+                  <a:tcPr marL="7620" marR="7620" marT="7620" marB="0" anchor="ctr"/>
+                </a:tc>
+                <a:tc>
+                  <a:txBody>
+                    <a:bodyPr/>
+                    <a:lstStyle/>
+                    <a:p>
+                      <a:pPr algn="ctr" fontAlgn="ctr"/>
+                      <a:r>
+                        <a:rPr lang="en-US" altLang="ko-KR" sz="2000" b="0" i="0" u="none" strike="noStrike">
+                          <a:solidFill>
+                            <a:srgbClr val="000000"/>
+                          </a:solidFill>
+                          <a:effectLst/>
+                          <a:latin typeface="맑은 고딕" panose="020B0503020000020004" pitchFamily="50" charset="-127"/>
+                          <a:ea typeface="맑은 고딕" panose="020B0503020000020004" pitchFamily="50" charset="-127"/>
+                        </a:rPr>
+                        <a:t>30.87644</a:t>
+                      </a:r>
+                    </a:p>
+                  </a:txBody>
+                  <a:tcPr marL="7620" marR="7620" marT="7620" marB="0" anchor="ctr"/>
+                </a:tc>
+                <a:tc>
+                  <a:txBody>
+                    <a:bodyPr/>
+                    <a:lstStyle/>
+                    <a:p>
+                      <a:pPr algn="ctr" fontAlgn="ctr"/>
+                      <a:r>
+                        <a:rPr lang="en-US" altLang="ko-KR" sz="2000" b="0" i="0" u="none" strike="noStrike">
+                          <a:solidFill>
+                            <a:srgbClr val="000000"/>
+                          </a:solidFill>
+                          <a:effectLst/>
+                          <a:latin typeface="맑은 고딕" panose="020B0503020000020004" pitchFamily="50" charset="-127"/>
+                          <a:ea typeface="맑은 고딕" panose="020B0503020000020004" pitchFamily="50" charset="-127"/>
+                        </a:rPr>
+                        <a:t>2.771528</a:t>
+                      </a:r>
+                    </a:p>
+                  </a:txBody>
+                  <a:tcPr marL="7620" marR="7620" marT="7620" marB="0" anchor="ctr"/>
+                </a:tc>
+                <a:tc>
+                  <a:txBody>
+                    <a:bodyPr/>
+                    <a:lstStyle/>
+                    <a:p>
+                      <a:pPr algn="ctr" fontAlgn="ctr"/>
+                      <a:r>
+                        <a:rPr lang="en-US" altLang="ko-KR" sz="2000" b="0" i="0" u="none" strike="noStrike">
+                          <a:solidFill>
+                            <a:srgbClr val="000000"/>
+                          </a:solidFill>
+                          <a:effectLst/>
+                          <a:latin typeface="맑은 고딕" panose="020B0503020000020004" pitchFamily="50" charset="-127"/>
+                          <a:ea typeface="맑은 고딕" panose="020B0503020000020004" pitchFamily="50" charset="-127"/>
+                        </a:rPr>
+                        <a:t>2.671528</a:t>
+                      </a:r>
+                    </a:p>
+                  </a:txBody>
+                  <a:tcPr marL="7620" marR="7620" marT="7620" marB="0" anchor="ctr"/>
+                </a:tc>
+                <a:tc>
+                  <a:txBody>
+                    <a:bodyPr/>
+                    <a:lstStyle/>
+                    <a:p>
+                      <a:pPr algn="ctr" fontAlgn="ctr"/>
+                      <a:r>
+                        <a:rPr lang="en-US" altLang="ko-KR" sz="2000" b="0" i="0" u="none" strike="noStrike">
+                          <a:solidFill>
+                            <a:srgbClr val="000000"/>
+                          </a:solidFill>
+                          <a:effectLst/>
+                          <a:latin typeface="맑은 고딕" panose="020B0503020000020004" pitchFamily="50" charset="-127"/>
+                          <a:ea typeface="맑은 고딕" panose="020B0503020000020004" pitchFamily="50" charset="-127"/>
+                        </a:rPr>
+                        <a:t>2.571528</a:t>
+                      </a:r>
+                    </a:p>
+                  </a:txBody>
+                  <a:tcPr marL="7620" marR="7620" marT="7620" marB="0" anchor="ctr"/>
+                </a:tc>
+                <a:tc>
+                  <a:txBody>
+                    <a:bodyPr/>
+                    <a:lstStyle/>
+                    <a:p>
+                      <a:pPr algn="ctr" fontAlgn="ctr"/>
+                      <a:r>
+                        <a:rPr lang="en-US" altLang="ko-KR" sz="2000" b="0" i="0" u="none" strike="noStrike">
+                          <a:solidFill>
+                            <a:srgbClr val="000000"/>
+                          </a:solidFill>
+                          <a:effectLst/>
+                          <a:latin typeface="맑은 고딕" panose="020B0503020000020004" pitchFamily="50" charset="-127"/>
+                          <a:ea typeface="맑은 고딕" panose="020B0503020000020004" pitchFamily="50" charset="-127"/>
+                        </a:rPr>
+                        <a:t>2.471528</a:t>
+                      </a:r>
+                    </a:p>
+                  </a:txBody>
+                  <a:tcPr marL="7620" marR="7620" marT="7620" marB="0" anchor="ctr"/>
+                </a:tc>
+                <a:tc>
+                  <a:txBody>
+                    <a:bodyPr/>
+                    <a:lstStyle/>
+                    <a:p>
+                      <a:pPr algn="ctr" fontAlgn="ctr"/>
+                      <a:r>
+                        <a:rPr lang="en-US" altLang="ko-KR" sz="2000" b="0" i="0" u="none" strike="noStrike">
+                          <a:solidFill>
+                            <a:srgbClr val="000000"/>
+                          </a:solidFill>
+                          <a:effectLst/>
+                          <a:latin typeface="맑은 고딕" panose="020B0503020000020004" pitchFamily="50" charset="-127"/>
+                          <a:ea typeface="맑은 고딕" panose="020B0503020000020004" pitchFamily="50" charset="-127"/>
+                        </a:rPr>
+                        <a:t>2.371528</a:t>
+                      </a:r>
+                    </a:p>
+                  </a:txBody>
+                  <a:tcPr marL="7620" marR="7620" marT="7620" marB="0" anchor="ctr"/>
+                </a:tc>
+                <a:extLst>
+                  <a:ext uri="{0D108BD9-81ED-4DB2-BD59-A6C34878D82A}">
+                    <a16:rowId xmlns:a16="http://schemas.microsoft.com/office/drawing/2014/main" val="2546960807"/>
+                  </a:ext>
+                </a:extLst>
+              </a:tr>
+              <a:tr h="834491">
+                <a:tc>
+                  <a:txBody>
+                    <a:bodyPr/>
+                    <a:lstStyle/>
+                    <a:p>
+                      <a:pPr algn="ctr" fontAlgn="ctr"/>
+                      <a:r>
+                        <a:rPr lang="en-US" sz="2000" b="0" i="0" u="none" strike="noStrike">
+                          <a:solidFill>
+                            <a:srgbClr val="000000"/>
+                          </a:solidFill>
+                          <a:effectLst/>
+                          <a:latin typeface="맑은 고딕" panose="020B0503020000020004" pitchFamily="50" charset="-127"/>
+                          <a:ea typeface="맑은 고딕" panose="020B0503020000020004" pitchFamily="50" charset="-127"/>
+                        </a:rPr>
+                        <a:t>mae</a:t>
+                      </a:r>
+                    </a:p>
+                  </a:txBody>
+                  <a:tcPr marL="7620" marR="7620" marT="7620" marB="0" anchor="ctr"/>
+                </a:tc>
+                <a:tc>
+                  <a:txBody>
+                    <a:bodyPr/>
+                    <a:lstStyle/>
+                    <a:p>
+                      <a:pPr algn="ctr" fontAlgn="ctr"/>
+                      <a:r>
+                        <a:rPr lang="en-US" altLang="ko-KR" sz="2000" b="0" i="0" u="none" strike="noStrike">
+                          <a:solidFill>
+                            <a:srgbClr val="000000"/>
+                          </a:solidFill>
+                          <a:effectLst/>
+                          <a:latin typeface="맑은 고딕" panose="020B0503020000020004" pitchFamily="50" charset="-127"/>
+                          <a:ea typeface="맑은 고딕" panose="020B0503020000020004" pitchFamily="50" charset="-127"/>
+                        </a:rPr>
+                        <a:t>1.12091</a:t>
+                      </a:r>
+                    </a:p>
+                  </a:txBody>
+                  <a:tcPr marL="7620" marR="7620" marT="7620" marB="0" anchor="ctr"/>
+                </a:tc>
+                <a:tc>
+                  <a:txBody>
+                    <a:bodyPr/>
+                    <a:lstStyle/>
+                    <a:p>
+                      <a:pPr algn="ctr" fontAlgn="ctr"/>
+                      <a:r>
+                        <a:rPr lang="en-US" altLang="ko-KR" sz="2000" b="1" i="0" u="none" strike="noStrike">
+                          <a:solidFill>
+                            <a:srgbClr val="000000"/>
+                          </a:solidFill>
+                          <a:effectLst/>
+                          <a:latin typeface="맑은 고딕" panose="020B0503020000020004" pitchFamily="50" charset="-127"/>
+                          <a:ea typeface="맑은 고딕" panose="020B0503020000020004" pitchFamily="50" charset="-127"/>
+                        </a:rPr>
+                        <a:t>1.092209</a:t>
+                      </a:r>
+                    </a:p>
+                  </a:txBody>
+                  <a:tcPr marL="7620" marR="7620" marT="7620" marB="0" anchor="ctr"/>
+                </a:tc>
+                <a:tc>
+                  <a:txBody>
+                    <a:bodyPr/>
+                    <a:lstStyle/>
+                    <a:p>
+                      <a:pPr algn="ctr" fontAlgn="ctr"/>
+                      <a:r>
+                        <a:rPr lang="en-US" altLang="ko-KR" sz="2000" b="0" i="0" u="none" strike="noStrike">
+                          <a:solidFill>
+                            <a:srgbClr val="000000"/>
+                          </a:solidFill>
+                          <a:effectLst/>
+                          <a:latin typeface="맑은 고딕" panose="020B0503020000020004" pitchFamily="50" charset="-127"/>
+                          <a:ea typeface="맑은 고딕" panose="020B0503020000020004" pitchFamily="50" charset="-127"/>
+                        </a:rPr>
+                        <a:t>1.697075</a:t>
+                      </a:r>
+                    </a:p>
+                  </a:txBody>
+                  <a:tcPr marL="7620" marR="7620" marT="7620" marB="0" anchor="ctr"/>
+                </a:tc>
+                <a:tc>
+                  <a:txBody>
+                    <a:bodyPr/>
+                    <a:lstStyle/>
+                    <a:p>
+                      <a:pPr algn="ctr" fontAlgn="ctr"/>
+                      <a:r>
+                        <a:rPr lang="en-US" altLang="ko-KR" sz="2000" b="0" i="0" u="none" strike="noStrike">
+                          <a:solidFill>
+                            <a:srgbClr val="000000"/>
+                          </a:solidFill>
+                          <a:effectLst/>
+                          <a:latin typeface="맑은 고딕" panose="020B0503020000020004" pitchFamily="50" charset="-127"/>
+                          <a:ea typeface="맑은 고딕" panose="020B0503020000020004" pitchFamily="50" charset="-127"/>
+                        </a:rPr>
+                        <a:t>2.752445</a:t>
+                      </a:r>
+                    </a:p>
+                  </a:txBody>
+                  <a:tcPr marL="7620" marR="7620" marT="7620" marB="0" anchor="ctr"/>
+                </a:tc>
+                <a:tc>
+                  <a:txBody>
+                    <a:bodyPr/>
+                    <a:lstStyle/>
+                    <a:p>
+                      <a:pPr algn="ctr" fontAlgn="ctr"/>
+                      <a:r>
+                        <a:rPr lang="en-US" altLang="ko-KR" sz="2000" b="0" i="0" u="none" strike="noStrike">
+                          <a:solidFill>
+                            <a:srgbClr val="000000"/>
+                          </a:solidFill>
+                          <a:effectLst/>
+                          <a:latin typeface="맑은 고딕" panose="020B0503020000020004" pitchFamily="50" charset="-127"/>
+                          <a:ea typeface="맑은 고딕" panose="020B0503020000020004" pitchFamily="50" charset="-127"/>
+                        </a:rPr>
+                        <a:t>0.992209</a:t>
+                      </a:r>
+                    </a:p>
+                  </a:txBody>
+                  <a:tcPr marL="7620" marR="7620" marT="7620" marB="0" anchor="ctr"/>
+                </a:tc>
+                <a:tc>
+                  <a:txBody>
+                    <a:bodyPr/>
+                    <a:lstStyle/>
+                    <a:p>
+                      <a:pPr algn="ctr" fontAlgn="ctr"/>
+                      <a:r>
+                        <a:rPr lang="en-US" altLang="ko-KR" sz="2000" b="0" i="0" u="none" strike="noStrike">
+                          <a:solidFill>
+                            <a:srgbClr val="000000"/>
+                          </a:solidFill>
+                          <a:effectLst/>
+                          <a:latin typeface="맑은 고딕" panose="020B0503020000020004" pitchFamily="50" charset="-127"/>
+                          <a:ea typeface="맑은 고딕" panose="020B0503020000020004" pitchFamily="50" charset="-127"/>
+                        </a:rPr>
+                        <a:t>0.892209</a:t>
+                      </a:r>
+                    </a:p>
+                  </a:txBody>
+                  <a:tcPr marL="7620" marR="7620" marT="7620" marB="0" anchor="ctr"/>
+                </a:tc>
+                <a:tc>
+                  <a:txBody>
+                    <a:bodyPr/>
+                    <a:lstStyle/>
+                    <a:p>
+                      <a:pPr algn="ctr" fontAlgn="ctr"/>
+                      <a:r>
+                        <a:rPr lang="en-US" altLang="ko-KR" sz="2000" b="0" i="0" u="none" strike="noStrike">
+                          <a:solidFill>
+                            <a:srgbClr val="000000"/>
+                          </a:solidFill>
+                          <a:effectLst/>
+                          <a:latin typeface="맑은 고딕" panose="020B0503020000020004" pitchFamily="50" charset="-127"/>
+                          <a:ea typeface="맑은 고딕" panose="020B0503020000020004" pitchFamily="50" charset="-127"/>
+                        </a:rPr>
+                        <a:t>0.792209</a:t>
+                      </a:r>
+                    </a:p>
+                  </a:txBody>
+                  <a:tcPr marL="7620" marR="7620" marT="7620" marB="0" anchor="ctr"/>
+                </a:tc>
+                <a:tc>
+                  <a:txBody>
+                    <a:bodyPr/>
+                    <a:lstStyle/>
+                    <a:p>
+                      <a:pPr algn="ctr" fontAlgn="ctr"/>
+                      <a:r>
+                        <a:rPr lang="en-US" altLang="ko-KR" sz="2000" b="0" i="0" u="none" strike="noStrike">
+                          <a:solidFill>
+                            <a:srgbClr val="000000"/>
+                          </a:solidFill>
+                          <a:effectLst/>
+                          <a:latin typeface="맑은 고딕" panose="020B0503020000020004" pitchFamily="50" charset="-127"/>
+                          <a:ea typeface="맑은 고딕" panose="020B0503020000020004" pitchFamily="50" charset="-127"/>
+                        </a:rPr>
+                        <a:t>0.692209</a:t>
+                      </a:r>
+                    </a:p>
+                  </a:txBody>
+                  <a:tcPr marL="7620" marR="7620" marT="7620" marB="0" anchor="ctr"/>
+                </a:tc>
+                <a:tc>
+                  <a:txBody>
+                    <a:bodyPr/>
+                    <a:lstStyle/>
+                    <a:p>
+                      <a:pPr algn="ctr" fontAlgn="ctr"/>
+                      <a:r>
+                        <a:rPr lang="en-US" altLang="ko-KR" sz="2000" b="0" i="0" u="none" strike="noStrike">
+                          <a:solidFill>
+                            <a:srgbClr val="000000"/>
+                          </a:solidFill>
+                          <a:effectLst/>
+                          <a:latin typeface="맑은 고딕" panose="020B0503020000020004" pitchFamily="50" charset="-127"/>
+                          <a:ea typeface="맑은 고딕" panose="020B0503020000020004" pitchFamily="50" charset="-127"/>
+                        </a:rPr>
+                        <a:t>0.592209</a:t>
+                      </a:r>
+                    </a:p>
+                  </a:txBody>
+                  <a:tcPr marL="7620" marR="7620" marT="7620" marB="0" anchor="ctr"/>
+                </a:tc>
+                <a:extLst>
+                  <a:ext uri="{0D108BD9-81ED-4DB2-BD59-A6C34878D82A}">
+                    <a16:rowId xmlns:a16="http://schemas.microsoft.com/office/drawing/2014/main" val="4037381890"/>
+                  </a:ext>
+                </a:extLst>
+              </a:tr>
+              <a:tr h="834491">
+                <a:tc>
+                  <a:txBody>
+                    <a:bodyPr/>
+                    <a:lstStyle/>
+                    <a:p>
+                      <a:pPr algn="ctr" fontAlgn="ctr"/>
+                      <a:r>
+                        <a:rPr lang="en-US" sz="2000" b="0" i="0" u="none" strike="noStrike">
+                          <a:solidFill>
+                            <a:srgbClr val="000000"/>
+                          </a:solidFill>
+                          <a:effectLst/>
+                          <a:latin typeface="맑은 고딕" panose="020B0503020000020004" pitchFamily="50" charset="-127"/>
+                          <a:ea typeface="맑은 고딕" panose="020B0503020000020004" pitchFamily="50" charset="-127"/>
+                        </a:rPr>
+                        <a:t>rmse</a:t>
+                      </a:r>
+                    </a:p>
+                  </a:txBody>
+                  <a:tcPr marL="7620" marR="7620" marT="7620" marB="0" anchor="ctr"/>
+                </a:tc>
+                <a:tc>
+                  <a:txBody>
+                    <a:bodyPr/>
+                    <a:lstStyle/>
+                    <a:p>
+                      <a:pPr algn="ctr" fontAlgn="ctr"/>
+                      <a:r>
+                        <a:rPr lang="en-US" altLang="ko-KR" sz="2000" b="0" i="0" u="none" strike="noStrike">
+                          <a:solidFill>
+                            <a:srgbClr val="000000"/>
+                          </a:solidFill>
+                          <a:effectLst/>
+                          <a:latin typeface="맑은 고딕" panose="020B0503020000020004" pitchFamily="50" charset="-127"/>
+                          <a:ea typeface="맑은 고딕" panose="020B0503020000020004" pitchFamily="50" charset="-127"/>
+                        </a:rPr>
+                        <a:t>1.05873</a:t>
+                      </a:r>
+                    </a:p>
+                  </a:txBody>
+                  <a:tcPr marL="7620" marR="7620" marT="7620" marB="0" anchor="ctr"/>
+                </a:tc>
+                <a:tc>
+                  <a:txBody>
+                    <a:bodyPr/>
+                    <a:lstStyle/>
+                    <a:p>
+                      <a:pPr algn="ctr" fontAlgn="ctr"/>
+                      <a:r>
+                        <a:rPr lang="en-US" altLang="ko-KR" sz="2000" b="1" i="0" u="none" strike="noStrike">
+                          <a:solidFill>
+                            <a:srgbClr val="000000"/>
+                          </a:solidFill>
+                          <a:effectLst/>
+                          <a:latin typeface="맑은 고딕" panose="020B0503020000020004" pitchFamily="50" charset="-127"/>
+                          <a:ea typeface="맑은 고딕" panose="020B0503020000020004" pitchFamily="50" charset="-127"/>
+                        </a:rPr>
+                        <a:t>1.045088</a:t>
+                      </a:r>
+                    </a:p>
+                  </a:txBody>
+                  <a:tcPr marL="7620" marR="7620" marT="7620" marB="0" anchor="ctr"/>
+                </a:tc>
+                <a:tc>
+                  <a:txBody>
+                    <a:bodyPr/>
+                    <a:lstStyle/>
+                    <a:p>
+                      <a:pPr algn="ctr" fontAlgn="ctr"/>
+                      <a:r>
+                        <a:rPr lang="en-US" altLang="ko-KR" sz="2000" b="0" i="0" u="none" strike="noStrike" dirty="0">
+                          <a:solidFill>
+                            <a:srgbClr val="000000"/>
+                          </a:solidFill>
+                          <a:effectLst/>
+                          <a:latin typeface="맑은 고딕" panose="020B0503020000020004" pitchFamily="50" charset="-127"/>
+                          <a:ea typeface="맑은 고딕" panose="020B0503020000020004" pitchFamily="50" charset="-127"/>
+                        </a:rPr>
+                        <a:t>1.302718</a:t>
+                      </a:r>
+                    </a:p>
+                  </a:txBody>
+                  <a:tcPr marL="7620" marR="7620" marT="7620" marB="0" anchor="ctr"/>
+                </a:tc>
+                <a:tc>
+                  <a:txBody>
+                    <a:bodyPr/>
+                    <a:lstStyle/>
+                    <a:p>
+                      <a:pPr algn="ctr" fontAlgn="ctr"/>
+                      <a:r>
+                        <a:rPr lang="en-US" altLang="ko-KR" sz="2000" b="0" i="0" u="none" strike="noStrike">
+                          <a:solidFill>
+                            <a:srgbClr val="000000"/>
+                          </a:solidFill>
+                          <a:effectLst/>
+                          <a:latin typeface="맑은 고딕" panose="020B0503020000020004" pitchFamily="50" charset="-127"/>
+                          <a:ea typeface="맑은 고딕" panose="020B0503020000020004" pitchFamily="50" charset="-127"/>
+                        </a:rPr>
+                        <a:t>1.659049</a:t>
+                      </a:r>
+                    </a:p>
+                  </a:txBody>
+                  <a:tcPr marL="7620" marR="7620" marT="7620" marB="0" anchor="ctr"/>
+                </a:tc>
+                <a:tc>
+                  <a:txBody>
+                    <a:bodyPr/>
+                    <a:lstStyle/>
+                    <a:p>
+                      <a:pPr algn="ctr" fontAlgn="ctr"/>
+                      <a:r>
+                        <a:rPr lang="en-US" altLang="ko-KR" sz="2000" b="0" i="0" u="none" strike="noStrike">
+                          <a:solidFill>
+                            <a:srgbClr val="000000"/>
+                          </a:solidFill>
+                          <a:effectLst/>
+                          <a:latin typeface="맑은 고딕" panose="020B0503020000020004" pitchFamily="50" charset="-127"/>
+                          <a:ea typeface="맑은 고딕" panose="020B0503020000020004" pitchFamily="50" charset="-127"/>
+                        </a:rPr>
+                        <a:t>0.945088</a:t>
+                      </a:r>
+                    </a:p>
+                  </a:txBody>
+                  <a:tcPr marL="7620" marR="7620" marT="7620" marB="0" anchor="ctr"/>
+                </a:tc>
+                <a:tc>
+                  <a:txBody>
+                    <a:bodyPr/>
+                    <a:lstStyle/>
+                    <a:p>
+                      <a:pPr algn="ctr" fontAlgn="ctr"/>
+                      <a:r>
+                        <a:rPr lang="en-US" altLang="ko-KR" sz="2000" b="0" i="0" u="none" strike="noStrike">
+                          <a:solidFill>
+                            <a:srgbClr val="000000"/>
+                          </a:solidFill>
+                          <a:effectLst/>
+                          <a:latin typeface="맑은 고딕" panose="020B0503020000020004" pitchFamily="50" charset="-127"/>
+                          <a:ea typeface="맑은 고딕" panose="020B0503020000020004" pitchFamily="50" charset="-127"/>
+                        </a:rPr>
+                        <a:t>0.845088</a:t>
+                      </a:r>
+                    </a:p>
+                  </a:txBody>
+                  <a:tcPr marL="7620" marR="7620" marT="7620" marB="0" anchor="ctr"/>
+                </a:tc>
+                <a:tc>
+                  <a:txBody>
+                    <a:bodyPr/>
+                    <a:lstStyle/>
+                    <a:p>
+                      <a:pPr algn="ctr" fontAlgn="ctr"/>
+                      <a:r>
+                        <a:rPr lang="en-US" altLang="ko-KR" sz="2000" b="0" i="0" u="none" strike="noStrike">
+                          <a:solidFill>
+                            <a:srgbClr val="000000"/>
+                          </a:solidFill>
+                          <a:effectLst/>
+                          <a:latin typeface="맑은 고딕" panose="020B0503020000020004" pitchFamily="50" charset="-127"/>
+                          <a:ea typeface="맑은 고딕" panose="020B0503020000020004" pitchFamily="50" charset="-127"/>
+                        </a:rPr>
+                        <a:t>0.745088</a:t>
+                      </a:r>
+                    </a:p>
+                  </a:txBody>
+                  <a:tcPr marL="7620" marR="7620" marT="7620" marB="0" anchor="ctr"/>
+                </a:tc>
+                <a:tc>
+                  <a:txBody>
+                    <a:bodyPr/>
+                    <a:lstStyle/>
+                    <a:p>
+                      <a:pPr algn="ctr" fontAlgn="ctr"/>
+                      <a:r>
+                        <a:rPr lang="en-US" altLang="ko-KR" sz="2000" b="0" i="0" u="none" strike="noStrike">
+                          <a:solidFill>
+                            <a:srgbClr val="000000"/>
+                          </a:solidFill>
+                          <a:effectLst/>
+                          <a:latin typeface="맑은 고딕" panose="020B0503020000020004" pitchFamily="50" charset="-127"/>
+                          <a:ea typeface="맑은 고딕" panose="020B0503020000020004" pitchFamily="50" charset="-127"/>
+                        </a:rPr>
+                        <a:t>0.645088</a:t>
+                      </a:r>
+                    </a:p>
+                  </a:txBody>
+                  <a:tcPr marL="7620" marR="7620" marT="7620" marB="0" anchor="ctr"/>
+                </a:tc>
+                <a:tc>
+                  <a:txBody>
+                    <a:bodyPr/>
+                    <a:lstStyle/>
+                    <a:p>
+                      <a:pPr algn="ctr" fontAlgn="ctr"/>
+                      <a:r>
+                        <a:rPr lang="en-US" altLang="ko-KR" sz="2000" b="0" i="0" u="none" strike="noStrike">
+                          <a:solidFill>
+                            <a:srgbClr val="000000"/>
+                          </a:solidFill>
+                          <a:effectLst/>
+                          <a:latin typeface="맑은 고딕" panose="020B0503020000020004" pitchFamily="50" charset="-127"/>
+                          <a:ea typeface="맑은 고딕" panose="020B0503020000020004" pitchFamily="50" charset="-127"/>
+                        </a:rPr>
+                        <a:t>0.545088</a:t>
+                      </a:r>
+                    </a:p>
+                  </a:txBody>
+                  <a:tcPr marL="7620" marR="7620" marT="7620" marB="0" anchor="ctr"/>
+                </a:tc>
+                <a:extLst>
+                  <a:ext uri="{0D108BD9-81ED-4DB2-BD59-A6C34878D82A}">
+                    <a16:rowId xmlns:a16="http://schemas.microsoft.com/office/drawing/2014/main" val="3526363667"/>
+                  </a:ext>
+                </a:extLst>
+              </a:tr>
+              <a:tr h="834491">
+                <a:tc>
+                  <a:txBody>
+                    <a:bodyPr/>
+                    <a:lstStyle/>
+                    <a:p>
+                      <a:pPr algn="ctr" fontAlgn="ctr"/>
+                      <a:r>
+                        <a:rPr lang="en-US" sz="2000" b="0" i="0" u="none" strike="noStrike">
+                          <a:solidFill>
+                            <a:srgbClr val="000000"/>
+                          </a:solidFill>
+                          <a:effectLst/>
+                          <a:latin typeface="맑은 고딕" panose="020B0503020000020004" pitchFamily="50" charset="-127"/>
+                          <a:ea typeface="맑은 고딕" panose="020B0503020000020004" pitchFamily="50" charset="-127"/>
+                        </a:rPr>
+                        <a:t>r2</a:t>
+                      </a:r>
+                    </a:p>
+                  </a:txBody>
+                  <a:tcPr marL="7620" marR="7620" marT="7620" marB="0" anchor="ctr"/>
+                </a:tc>
+                <a:tc>
+                  <a:txBody>
+                    <a:bodyPr/>
+                    <a:lstStyle/>
+                    <a:p>
+                      <a:pPr algn="ctr" fontAlgn="ctr"/>
+                      <a:r>
+                        <a:rPr lang="en-US" altLang="ko-KR" sz="2000" b="0" i="0" u="none" strike="noStrike">
+                          <a:solidFill>
+                            <a:srgbClr val="000000"/>
+                          </a:solidFill>
+                          <a:effectLst/>
+                          <a:latin typeface="맑은 고딕" panose="020B0503020000020004" pitchFamily="50" charset="-127"/>
+                          <a:ea typeface="맑은 고딕" panose="020B0503020000020004" pitchFamily="50" charset="-127"/>
+                        </a:rPr>
+                        <a:t>0.971401</a:t>
+                      </a:r>
+                    </a:p>
+                  </a:txBody>
+                  <a:tcPr marL="7620" marR="7620" marT="7620" marB="0" anchor="ctr"/>
+                </a:tc>
+                <a:tc>
+                  <a:txBody>
+                    <a:bodyPr/>
+                    <a:lstStyle/>
+                    <a:p>
+                      <a:pPr algn="ctr" fontAlgn="ctr"/>
+                      <a:r>
+                        <a:rPr lang="en-US" altLang="ko-KR" sz="2000" b="1" i="0" u="none" strike="noStrike">
+                          <a:solidFill>
+                            <a:srgbClr val="000000"/>
+                          </a:solidFill>
+                          <a:effectLst/>
+                          <a:latin typeface="맑은 고딕" panose="020B0503020000020004" pitchFamily="50" charset="-127"/>
+                          <a:ea typeface="맑은 고딕" panose="020B0503020000020004" pitchFamily="50" charset="-127"/>
+                        </a:rPr>
+                        <a:t>0.984292</a:t>
+                      </a:r>
+                    </a:p>
+                  </a:txBody>
+                  <a:tcPr marL="7620" marR="7620" marT="7620" marB="0" anchor="ctr"/>
+                </a:tc>
+                <a:tc>
+                  <a:txBody>
+                    <a:bodyPr/>
+                    <a:lstStyle/>
+                    <a:p>
+                      <a:pPr algn="ctr" fontAlgn="ctr"/>
+                      <a:r>
+                        <a:rPr lang="en-US" altLang="ko-KR" sz="2000" b="0" i="0" u="none" strike="noStrike">
+                          <a:solidFill>
+                            <a:srgbClr val="000000"/>
+                          </a:solidFill>
+                          <a:effectLst/>
+                          <a:latin typeface="맑은 고딕" panose="020B0503020000020004" pitchFamily="50" charset="-127"/>
+                          <a:ea typeface="맑은 고딕" panose="020B0503020000020004" pitchFamily="50" charset="-127"/>
+                        </a:rPr>
+                        <a:t>0.951031</a:t>
+                      </a:r>
+                    </a:p>
+                  </a:txBody>
+                  <a:tcPr marL="7620" marR="7620" marT="7620" marB="0" anchor="ctr"/>
+                </a:tc>
+                <a:tc>
+                  <a:txBody>
+                    <a:bodyPr/>
+                    <a:lstStyle/>
+                    <a:p>
+                      <a:pPr algn="ctr" fontAlgn="ctr"/>
+                      <a:r>
+                        <a:rPr lang="en-US" altLang="ko-KR" sz="2000" b="0" i="0" u="none" strike="noStrike">
+                          <a:solidFill>
+                            <a:srgbClr val="000000"/>
+                          </a:solidFill>
+                          <a:effectLst/>
+                          <a:latin typeface="맑은 고딕" panose="020B0503020000020004" pitchFamily="50" charset="-127"/>
+                          <a:ea typeface="맑은 고딕" panose="020B0503020000020004" pitchFamily="50" charset="-127"/>
+                        </a:rPr>
+                        <a:t>0.831099</a:t>
+                      </a:r>
+                    </a:p>
+                  </a:txBody>
+                  <a:tcPr marL="7620" marR="7620" marT="7620" marB="0" anchor="ctr"/>
+                </a:tc>
+                <a:tc>
+                  <a:txBody>
+                    <a:bodyPr/>
+                    <a:lstStyle/>
+                    <a:p>
+                      <a:pPr algn="ctr" fontAlgn="ctr"/>
+                      <a:r>
+                        <a:rPr lang="en-US" altLang="ko-KR" sz="2000" b="0" i="0" u="none" strike="noStrike">
+                          <a:solidFill>
+                            <a:srgbClr val="000000"/>
+                          </a:solidFill>
+                          <a:effectLst/>
+                          <a:latin typeface="맑은 고딕" panose="020B0503020000020004" pitchFamily="50" charset="-127"/>
+                          <a:ea typeface="맑은 고딕" panose="020B0503020000020004" pitchFamily="50" charset="-127"/>
+                        </a:rPr>
+                        <a:t>0.974292</a:t>
+                      </a:r>
+                    </a:p>
+                  </a:txBody>
+                  <a:tcPr marL="7620" marR="7620" marT="7620" marB="0" anchor="ctr"/>
+                </a:tc>
+                <a:tc>
+                  <a:txBody>
+                    <a:bodyPr/>
+                    <a:lstStyle/>
+                    <a:p>
+                      <a:pPr algn="ctr" fontAlgn="ctr"/>
+                      <a:r>
+                        <a:rPr lang="en-US" altLang="ko-KR" sz="2000" b="0" i="0" u="none" strike="noStrike">
+                          <a:solidFill>
+                            <a:srgbClr val="000000"/>
+                          </a:solidFill>
+                          <a:effectLst/>
+                          <a:latin typeface="맑은 고딕" panose="020B0503020000020004" pitchFamily="50" charset="-127"/>
+                          <a:ea typeface="맑은 고딕" panose="020B0503020000020004" pitchFamily="50" charset="-127"/>
+                        </a:rPr>
+                        <a:t>0.964292</a:t>
+                      </a:r>
+                    </a:p>
+                  </a:txBody>
+                  <a:tcPr marL="7620" marR="7620" marT="7620" marB="0" anchor="ctr"/>
+                </a:tc>
+                <a:tc>
+                  <a:txBody>
+                    <a:bodyPr/>
+                    <a:lstStyle/>
+                    <a:p>
+                      <a:pPr algn="ctr" fontAlgn="ctr"/>
+                      <a:r>
+                        <a:rPr lang="en-US" altLang="ko-KR" sz="2000" b="0" i="0" u="none" strike="noStrike">
+                          <a:solidFill>
+                            <a:srgbClr val="000000"/>
+                          </a:solidFill>
+                          <a:effectLst/>
+                          <a:latin typeface="맑은 고딕" panose="020B0503020000020004" pitchFamily="50" charset="-127"/>
+                          <a:ea typeface="맑은 고딕" panose="020B0503020000020004" pitchFamily="50" charset="-127"/>
+                        </a:rPr>
+                        <a:t>0.954292</a:t>
+                      </a:r>
+                    </a:p>
+                  </a:txBody>
+                  <a:tcPr marL="7620" marR="7620" marT="7620" marB="0" anchor="ctr"/>
+                </a:tc>
+                <a:tc>
+                  <a:txBody>
+                    <a:bodyPr/>
+                    <a:lstStyle/>
+                    <a:p>
+                      <a:pPr algn="ctr" fontAlgn="ctr"/>
+                      <a:r>
+                        <a:rPr lang="en-US" altLang="ko-KR" sz="2000" b="0" i="0" u="none" strike="noStrike">
+                          <a:solidFill>
+                            <a:srgbClr val="000000"/>
+                          </a:solidFill>
+                          <a:effectLst/>
+                          <a:latin typeface="맑은 고딕" panose="020B0503020000020004" pitchFamily="50" charset="-127"/>
+                          <a:ea typeface="맑은 고딕" panose="020B0503020000020004" pitchFamily="50" charset="-127"/>
+                        </a:rPr>
+                        <a:t>0.944292</a:t>
+                      </a:r>
+                    </a:p>
+                  </a:txBody>
+                  <a:tcPr marL="7620" marR="7620" marT="7620" marB="0" anchor="ctr"/>
+                </a:tc>
+                <a:tc>
+                  <a:txBody>
+                    <a:bodyPr/>
+                    <a:lstStyle/>
+                    <a:p>
+                      <a:pPr algn="ctr" fontAlgn="ctr"/>
+                      <a:r>
+                        <a:rPr lang="en-US" altLang="ko-KR" sz="2000" b="0" i="0" u="none" strike="noStrike">
+                          <a:solidFill>
+                            <a:srgbClr val="000000"/>
+                          </a:solidFill>
+                          <a:effectLst/>
+                          <a:latin typeface="맑은 고딕" panose="020B0503020000020004" pitchFamily="50" charset="-127"/>
+                          <a:ea typeface="맑은 고딕" panose="020B0503020000020004" pitchFamily="50" charset="-127"/>
+                        </a:rPr>
+                        <a:t>0.934292</a:t>
+                      </a:r>
+                    </a:p>
+                  </a:txBody>
+                  <a:tcPr marL="7620" marR="7620" marT="7620" marB="0" anchor="ctr"/>
+                </a:tc>
+                <a:extLst>
+                  <a:ext uri="{0D108BD9-81ED-4DB2-BD59-A6C34878D82A}">
+                    <a16:rowId xmlns:a16="http://schemas.microsoft.com/office/drawing/2014/main" val="1594369764"/>
+                  </a:ext>
+                </a:extLst>
+              </a:tr>
+              <a:tr h="834491">
+                <a:tc>
+                  <a:txBody>
+                    <a:bodyPr/>
+                    <a:lstStyle/>
+                    <a:p>
+                      <a:pPr algn="ctr" fontAlgn="ctr"/>
+                      <a:r>
+                        <a:rPr lang="en-US" sz="2000" b="0" i="0" u="none" strike="noStrike">
+                          <a:solidFill>
+                            <a:srgbClr val="000000"/>
+                          </a:solidFill>
+                          <a:effectLst/>
+                          <a:latin typeface="맑은 고딕" panose="020B0503020000020004" pitchFamily="50" charset="-127"/>
+                          <a:ea typeface="맑은 고딕" panose="020B0503020000020004" pitchFamily="50" charset="-127"/>
+                        </a:rPr>
+                        <a:t>adjusted r2</a:t>
+                      </a:r>
+                    </a:p>
+                  </a:txBody>
+                  <a:tcPr marL="7620" marR="7620" marT="7620" marB="0" anchor="ctr"/>
+                </a:tc>
+                <a:tc>
+                  <a:txBody>
+                    <a:bodyPr/>
+                    <a:lstStyle/>
+                    <a:p>
+                      <a:pPr algn="ctr" fontAlgn="ctr"/>
+                      <a:r>
+                        <a:rPr lang="en-US" altLang="ko-KR" sz="2000" b="0" i="0" u="none" strike="noStrike">
+                          <a:solidFill>
+                            <a:srgbClr val="000000"/>
+                          </a:solidFill>
+                          <a:effectLst/>
+                          <a:latin typeface="맑은 고딕" panose="020B0503020000020004" pitchFamily="50" charset="-127"/>
+                          <a:ea typeface="맑은 고딕" panose="020B0503020000020004" pitchFamily="50" charset="-127"/>
+                        </a:rPr>
+                        <a:t>0.965855</a:t>
+                      </a:r>
+                    </a:p>
+                  </a:txBody>
+                  <a:tcPr marL="7620" marR="7620" marT="7620" marB="0" anchor="ctr"/>
+                </a:tc>
+                <a:tc>
+                  <a:txBody>
+                    <a:bodyPr/>
+                    <a:lstStyle/>
+                    <a:p>
+                      <a:pPr algn="ctr" fontAlgn="ctr"/>
+                      <a:r>
+                        <a:rPr lang="en-US" altLang="ko-KR" sz="2000" b="1" i="0" u="none" strike="noStrike" dirty="0">
+                          <a:solidFill>
+                            <a:srgbClr val="000000"/>
+                          </a:solidFill>
+                          <a:effectLst/>
+                          <a:latin typeface="맑은 고딕" panose="020B0503020000020004" pitchFamily="50" charset="-127"/>
+                          <a:ea typeface="맑은 고딕" panose="020B0503020000020004" pitchFamily="50" charset="-127"/>
+                        </a:rPr>
+                        <a:t>0.981246</a:t>
+                      </a:r>
+                    </a:p>
+                  </a:txBody>
+                  <a:tcPr marL="7620" marR="7620" marT="7620" marB="0" anchor="ctr"/>
+                </a:tc>
+                <a:tc>
+                  <a:txBody>
+                    <a:bodyPr/>
+                    <a:lstStyle/>
+                    <a:p>
+                      <a:pPr algn="ctr" fontAlgn="ctr"/>
+                      <a:r>
+                        <a:rPr lang="en-US" altLang="ko-KR" sz="2000" b="0" i="0" u="none" strike="noStrike">
+                          <a:solidFill>
+                            <a:srgbClr val="000000"/>
+                          </a:solidFill>
+                          <a:effectLst/>
+                          <a:latin typeface="맑은 고딕" panose="020B0503020000020004" pitchFamily="50" charset="-127"/>
+                          <a:ea typeface="맑은 고딕" panose="020B0503020000020004" pitchFamily="50" charset="-127"/>
+                        </a:rPr>
+                        <a:t>0.941534</a:t>
+                      </a:r>
+                    </a:p>
+                  </a:txBody>
+                  <a:tcPr marL="7620" marR="7620" marT="7620" marB="0" anchor="ctr"/>
+                </a:tc>
+                <a:tc>
+                  <a:txBody>
+                    <a:bodyPr/>
+                    <a:lstStyle/>
+                    <a:p>
+                      <a:pPr algn="ctr" fontAlgn="ctr"/>
+                      <a:r>
+                        <a:rPr lang="en-US" altLang="ko-KR" sz="2000" b="0" i="0" u="none" strike="noStrike">
+                          <a:solidFill>
+                            <a:srgbClr val="000000"/>
+                          </a:solidFill>
+                          <a:effectLst/>
+                          <a:latin typeface="맑은 고딕" panose="020B0503020000020004" pitchFamily="50" charset="-127"/>
+                          <a:ea typeface="맑은 고딕" panose="020B0503020000020004" pitchFamily="50" charset="-127"/>
+                        </a:rPr>
+                        <a:t>0.798342</a:t>
+                      </a:r>
+                    </a:p>
+                  </a:txBody>
+                  <a:tcPr marL="7620" marR="7620" marT="7620" marB="0" anchor="ctr"/>
+                </a:tc>
+                <a:tc>
+                  <a:txBody>
+                    <a:bodyPr/>
+                    <a:lstStyle/>
+                    <a:p>
+                      <a:pPr algn="ctr" fontAlgn="ctr"/>
+                      <a:r>
+                        <a:rPr lang="en-US" altLang="ko-KR" sz="2000" b="0" i="0" u="none" strike="noStrike">
+                          <a:solidFill>
+                            <a:srgbClr val="000000"/>
+                          </a:solidFill>
+                          <a:effectLst/>
+                          <a:latin typeface="맑은 고딕" panose="020B0503020000020004" pitchFamily="50" charset="-127"/>
+                          <a:ea typeface="맑은 고딕" panose="020B0503020000020004" pitchFamily="50" charset="-127"/>
+                        </a:rPr>
+                        <a:t>0.971246</a:t>
+                      </a:r>
+                    </a:p>
+                  </a:txBody>
+                  <a:tcPr marL="7620" marR="7620" marT="7620" marB="0" anchor="ctr"/>
+                </a:tc>
+                <a:tc>
+                  <a:txBody>
+                    <a:bodyPr/>
+                    <a:lstStyle/>
+                    <a:p>
+                      <a:pPr algn="ctr" fontAlgn="ctr"/>
+                      <a:r>
+                        <a:rPr lang="en-US" altLang="ko-KR" sz="2000" b="0" i="0" u="none" strike="noStrike">
+                          <a:solidFill>
+                            <a:srgbClr val="000000"/>
+                          </a:solidFill>
+                          <a:effectLst/>
+                          <a:latin typeface="맑은 고딕" panose="020B0503020000020004" pitchFamily="50" charset="-127"/>
+                          <a:ea typeface="맑은 고딕" panose="020B0503020000020004" pitchFamily="50" charset="-127"/>
+                        </a:rPr>
+                        <a:t>0.961246</a:t>
+                      </a:r>
+                    </a:p>
+                  </a:txBody>
+                  <a:tcPr marL="7620" marR="7620" marT="7620" marB="0" anchor="ctr"/>
+                </a:tc>
+                <a:tc>
+                  <a:txBody>
+                    <a:bodyPr/>
+                    <a:lstStyle/>
+                    <a:p>
+                      <a:pPr algn="ctr" fontAlgn="ctr"/>
+                      <a:r>
+                        <a:rPr lang="en-US" altLang="ko-KR" sz="2000" b="0" i="0" u="none" strike="noStrike">
+                          <a:solidFill>
+                            <a:srgbClr val="000000"/>
+                          </a:solidFill>
+                          <a:effectLst/>
+                          <a:latin typeface="맑은 고딕" panose="020B0503020000020004" pitchFamily="50" charset="-127"/>
+                          <a:ea typeface="맑은 고딕" panose="020B0503020000020004" pitchFamily="50" charset="-127"/>
+                        </a:rPr>
+                        <a:t>0.951246</a:t>
+                      </a:r>
+                    </a:p>
+                  </a:txBody>
+                  <a:tcPr marL="7620" marR="7620" marT="7620" marB="0" anchor="ctr"/>
+                </a:tc>
+                <a:tc>
+                  <a:txBody>
+                    <a:bodyPr/>
+                    <a:lstStyle/>
+                    <a:p>
+                      <a:pPr algn="ctr" fontAlgn="ctr"/>
+                      <a:r>
+                        <a:rPr lang="en-US" altLang="ko-KR" sz="2000" b="0" i="0" u="none" strike="noStrike">
+                          <a:solidFill>
+                            <a:srgbClr val="000000"/>
+                          </a:solidFill>
+                          <a:effectLst/>
+                          <a:latin typeface="맑은 고딕" panose="020B0503020000020004" pitchFamily="50" charset="-127"/>
+                          <a:ea typeface="맑은 고딕" panose="020B0503020000020004" pitchFamily="50" charset="-127"/>
+                        </a:rPr>
+                        <a:t>0.941246</a:t>
+                      </a:r>
+                    </a:p>
+                  </a:txBody>
+                  <a:tcPr marL="7620" marR="7620" marT="7620" marB="0" anchor="ctr"/>
+                </a:tc>
+                <a:tc>
+                  <a:txBody>
+                    <a:bodyPr/>
+                    <a:lstStyle/>
+                    <a:p>
+                      <a:pPr algn="ctr" fontAlgn="ctr"/>
+                      <a:r>
+                        <a:rPr lang="en-US" altLang="ko-KR" sz="2000" b="0" i="0" u="none" strike="noStrike" dirty="0">
+                          <a:solidFill>
+                            <a:srgbClr val="000000"/>
+                          </a:solidFill>
+                          <a:effectLst/>
+                          <a:latin typeface="맑은 고딕" panose="020B0503020000020004" pitchFamily="50" charset="-127"/>
+                          <a:ea typeface="맑은 고딕" panose="020B0503020000020004" pitchFamily="50" charset="-127"/>
+                        </a:rPr>
+                        <a:t>0.931246</a:t>
+                      </a:r>
+                    </a:p>
+                  </a:txBody>
+                  <a:tcPr marL="7620" marR="7620" marT="7620" marB="0" anchor="ctr"/>
+                </a:tc>
+                <a:extLst>
+                  <a:ext uri="{0D108BD9-81ED-4DB2-BD59-A6C34878D82A}">
+                    <a16:rowId xmlns:a16="http://schemas.microsoft.com/office/drawing/2014/main" val="1840450370"/>
+                  </a:ext>
+                </a:extLst>
+              </a:tr>
+            </a:tbl>
+          </a:graphicData>
+        </a:graphic>
+      </p:graphicFrame>
+      <p:sp>
+        <p:nvSpPr>
+          <p:cNvPr id="10" name="TextBox 9">
+            <a:extLst>
+              <a:ext uri="{FF2B5EF4-FFF2-40B4-BE49-F238E27FC236}">
+                <a16:creationId xmlns:a16="http://schemas.microsoft.com/office/drawing/2014/main" id="{589CD95C-82D7-AFEC-38A0-4508C602AAEE}"/>
+              </a:ext>
+            </a:extLst>
+          </p:cNvPr>
+          <p:cNvSpPr txBox="1"/>
+          <p:nvPr/>
+        </p:nvSpPr>
+        <p:spPr>
+          <a:xfrm>
+            <a:off x="1985671" y="2434640"/>
+            <a:ext cx="2441694" cy="523220"/>
+          </a:xfrm>
+          <a:prstGeom prst="rect">
+            <a:avLst/>
+          </a:prstGeom>
+          <a:noFill/>
+        </p:spPr>
+        <p:txBody>
+          <a:bodyPr wrap="none" rtlCol="0">
+            <a:spAutoFit/>
+          </a:bodyPr>
+          <a:lstStyle/>
+          <a:p>
+            <a:r>
+              <a:rPr lang="en-US" altLang="ko-KR" sz="2800" b="1" dirty="0">
+                <a:latin typeface="맑은 고딕" panose="020B0503020000020004" pitchFamily="50" charset="-127"/>
+                <a:ea typeface="맑은 고딕" panose="020B0503020000020004" pitchFamily="50" charset="-127"/>
+              </a:rPr>
+              <a:t>2</a:t>
+            </a:r>
+            <a:r>
+              <a:rPr lang="ko-KR" altLang="en-US" sz="2800" b="1" dirty="0">
+                <a:latin typeface="맑은 고딕" panose="020B0503020000020004" pitchFamily="50" charset="-127"/>
+                <a:ea typeface="맑은 고딕" panose="020B0503020000020004" pitchFamily="50" charset="-127"/>
+              </a:rPr>
+              <a:t>차 예측 결과</a:t>
+            </a:r>
+          </a:p>
+        </p:txBody>
+      </p:sp>
     </p:spTree>
   </p:cSld>
   <p:clrMapOvr>

--- a/Team_3_데이터애널리틱스.pptx
+++ b/Team_3_데이터애널리틱스.pptx
@@ -31,11 +31,9 @@
     <p:sldId id="279" r:id="rId25"/>
     <p:sldId id="280" r:id="rId26"/>
     <p:sldId id="281" r:id="rId27"/>
-    <p:sldId id="282" r:id="rId28"/>
-    <p:sldId id="283" r:id="rId29"/>
-    <p:sldId id="284" r:id="rId30"/>
-    <p:sldId id="285" r:id="rId31"/>
-    <p:sldId id="286" r:id="rId32"/>
+    <p:sldId id="283" r:id="rId28"/>
+    <p:sldId id="284" r:id="rId29"/>
+    <p:sldId id="285" r:id="rId30"/>
   </p:sldIdLst>
   <p:sldSz cx="18288000" cy="10287000"/>
   <p:notesSz cx="10287000" cy="18288000"/>
@@ -24442,7 +24440,7 @@
 
 <file path=ppt/slides/slide27.xml><?xml version="1.0" encoding="utf-8"?>
 <p:sld xmlns:a="http://schemas.openxmlformats.org/drawingml/2006/main" xmlns:r="http://schemas.openxmlformats.org/officeDocument/2006/relationships" xmlns:p="http://schemas.openxmlformats.org/presentationml/2006/main">
-  <p:cSld name="Slide 27">
+  <p:cSld name="Slide 28">
     <p:bg>
       <p:bgPr>
         <a:solidFill>
@@ -25236,9 +25234,48 @@
           </p:spPr>
         </p:pic>
       </p:grpSp>
+      <p:grpSp>
+        <p:nvGrpSpPr>
+          <p:cNvPr id="1022" name="그룹 1022"/>
+          <p:cNvGrpSpPr/>
+          <p:nvPr/>
+        </p:nvGrpSpPr>
+        <p:grpSpPr>
+          <a:xfrm>
+            <a:off x="2247181" y="3508571"/>
+            <a:ext cx="15357755" cy="5414455"/>
+            <a:chOff x="2247181" y="3508571"/>
+            <a:chExt cx="15357755" cy="5414455"/>
+          </a:xfrm>
+        </p:grpSpPr>
+        <p:pic>
+          <p:nvPicPr>
+            <p:cNvPr id="64" name="Object 63"/>
+            <p:cNvPicPr>
+              <a:picLocks noChangeAspect="1"/>
+            </p:cNvPicPr>
+            <p:nvPr/>
+          </p:nvPicPr>
+          <p:blipFill>
+            <a:blip r:embed="rId17" cstate="print"/>
+            <a:stretch>
+              <a:fillRect/>
+            </a:stretch>
+          </p:blipFill>
+          <p:spPr>
+            <a:xfrm>
+              <a:off x="2247181" y="3508571"/>
+              <a:ext cx="15357755" cy="5414455"/>
+            </a:xfrm>
+            <a:prstGeom prst="rect">
+              <a:avLst/>
+            </a:prstGeom>
+          </p:spPr>
+        </p:pic>
+      </p:grpSp>
       <p:pic>
         <p:nvPicPr>
-          <p:cNvPr id="63" name="Object 62"/>
+          <p:cNvPr id="66" name="Object 65"/>
           <p:cNvPicPr>
             <a:picLocks noChangeAspect="1"/>
           </p:cNvPicPr>
@@ -25262,7 +25299,7 @@
       </p:pic>
       <p:pic>
         <p:nvPicPr>
-          <p:cNvPr id="64" name="Object 63"/>
+          <p:cNvPr id="67" name="Object 66"/>
           <p:cNvPicPr>
             <a:picLocks noChangeAspect="1"/>
           </p:cNvPicPr>
@@ -25276,8 +25313,8 @@
         </p:blipFill>
         <p:spPr>
           <a:xfrm>
-            <a:off x="2316574" y="1251469"/>
-            <a:ext cx="15040466" cy="1969989"/>
+            <a:off x="2316574" y="1405031"/>
+            <a:ext cx="15216637" cy="1717723"/>
           </a:xfrm>
           <a:prstGeom prst="rect">
             <a:avLst/>
@@ -25286,7 +25323,7 @@
       </p:pic>
       <p:pic>
         <p:nvPicPr>
-          <p:cNvPr id="65" name="Object 64"/>
+          <p:cNvPr id="68" name="Object 67"/>
           <p:cNvPicPr>
             <a:picLocks noChangeAspect="1"/>
           </p:cNvPicPr>
@@ -25301,7 +25338,7 @@
         <p:spPr>
           <a:xfrm>
             <a:off x="2446574" y="3198231"/>
-            <a:ext cx="15121075" cy="6026713"/>
+            <a:ext cx="15108789" cy="3280047"/>
           </a:xfrm>
           <a:prstGeom prst="rect">
             <a:avLst/>
@@ -25318,7 +25355,7 @@
 
 <file path=ppt/slides/slide28.xml><?xml version="1.0" encoding="utf-8"?>
 <p:sld xmlns:a="http://schemas.openxmlformats.org/drawingml/2006/main" xmlns:r="http://schemas.openxmlformats.org/officeDocument/2006/relationships" xmlns:p="http://schemas.openxmlformats.org/presentationml/2006/main">
-  <p:cSld name="Slide 28">
+  <p:cSld name="Slide 29">
     <p:bg>
       <p:bgPr>
         <a:solidFill>
@@ -26192,7 +26229,7 @@
         <p:spPr>
           <a:xfrm>
             <a:off x="2316574" y="1405031"/>
-            <a:ext cx="15216637" cy="1717723"/>
+            <a:ext cx="12893561" cy="1717723"/>
           </a:xfrm>
           <a:prstGeom prst="rect">
             <a:avLst/>
@@ -26216,7 +26253,7 @@
         <p:spPr>
           <a:xfrm>
             <a:off x="2446574" y="3198231"/>
-            <a:ext cx="15108789" cy="3280047"/>
+            <a:ext cx="14933361" cy="3280047"/>
           </a:xfrm>
           <a:prstGeom prst="rect">
             <a:avLst/>
@@ -26233,7 +26270,7 @@
 
 <file path=ppt/slides/slide29.xml><?xml version="1.0" encoding="utf-8"?>
 <p:sld xmlns:a="http://schemas.openxmlformats.org/drawingml/2006/main" xmlns:r="http://schemas.openxmlformats.org/officeDocument/2006/relationships" xmlns:p="http://schemas.openxmlformats.org/presentationml/2006/main">
-  <p:cSld name="Slide 29">
+  <p:cSld name="Slide 30">
     <p:bg>
       <p:bgPr>
         <a:solidFill>
@@ -27106,8 +27143,8 @@
         </p:blipFill>
         <p:spPr>
           <a:xfrm>
-            <a:off x="2316574" y="1405031"/>
-            <a:ext cx="12893561" cy="1717723"/>
+            <a:off x="2316574" y="1233184"/>
+            <a:ext cx="15147237" cy="1997418"/>
           </a:xfrm>
           <a:prstGeom prst="rect">
             <a:avLst/>
@@ -27131,7 +27168,7 @@
         <p:spPr>
           <a:xfrm>
             <a:off x="2446574" y="3198231"/>
-            <a:ext cx="14933361" cy="3280047"/>
+            <a:ext cx="15108789" cy="6132618"/>
           </a:xfrm>
           <a:prstGeom prst="rect">
             <a:avLst/>
@@ -28188,1836 +28225,6 @@
           </p:spPr>
         </p:pic>
       </p:grpSp>
-    </p:spTree>
-  </p:cSld>
-  <p:clrMapOvr>
-    <a:masterClrMapping/>
-  </p:clrMapOvr>
-</p:sld>
-</file>
-
-<file path=ppt/slides/slide30.xml><?xml version="1.0" encoding="utf-8"?>
-<p:sld xmlns:a="http://schemas.openxmlformats.org/drawingml/2006/main" xmlns:r="http://schemas.openxmlformats.org/officeDocument/2006/relationships" xmlns:p="http://schemas.openxmlformats.org/presentationml/2006/main">
-  <p:cSld name="Slide 30">
-    <p:bg>
-      <p:bgPr>
-        <a:solidFill>
-          <a:srgbClr val="F1F6FF"/>
-        </a:solidFill>
-        <a:effectLst/>
-      </p:bgPr>
-    </p:bg>
-    <p:spTree>
-      <p:nvGrpSpPr>
-        <p:cNvPr id="1" name=""/>
-        <p:cNvGrpSpPr/>
-        <p:nvPr/>
-      </p:nvGrpSpPr>
-      <p:grpSpPr>
-        <a:xfrm>
-          <a:off x="0" y="0"/>
-          <a:ext cx="0" cy="0"/>
-          <a:chOff x="0" y="0"/>
-          <a:chExt cx="0" cy="0"/>
-        </a:xfrm>
-      </p:grpSpPr>
-      <p:grpSp>
-        <p:nvGrpSpPr>
-          <p:cNvPr id="1001" name="그룹 1001"/>
-          <p:cNvGrpSpPr/>
-          <p:nvPr/>
-        </p:nvGrpSpPr>
-        <p:grpSpPr>
-          <a:xfrm>
-            <a:off x="373178" y="353741"/>
-            <a:ext cx="17539359" cy="9578231"/>
-            <a:chOff x="373178" y="353741"/>
-            <a:chExt cx="17539359" cy="9578231"/>
-          </a:xfrm>
-        </p:grpSpPr>
-        <p:pic>
-          <p:nvPicPr>
-            <p:cNvPr id="3" name="Object 2"/>
-            <p:cNvPicPr>
-              <a:picLocks noChangeAspect="1"/>
-            </p:cNvPicPr>
-            <p:nvPr/>
-          </p:nvPicPr>
-          <p:blipFill>
-            <a:blip r:embed="rId2" cstate="print"/>
-            <a:stretch>
-              <a:fillRect/>
-            </a:stretch>
-          </p:blipFill>
-          <p:spPr>
-            <a:xfrm>
-              <a:off x="-8396501" y="-4435374"/>
-              <a:ext cx="35078717" cy="19156463"/>
-            </a:xfrm>
-            <a:prstGeom prst="rect">
-              <a:avLst/>
-            </a:prstGeom>
-          </p:spPr>
-        </p:pic>
-        <p:pic>
-          <p:nvPicPr>
-            <p:cNvPr id="4" name="Object 3"/>
-            <p:cNvPicPr>
-              <a:picLocks noChangeAspect="1"/>
-            </p:cNvPicPr>
-            <p:nvPr/>
-          </p:nvPicPr>
-          <p:blipFill>
-            <a:blip r:embed="rId3" cstate="print"/>
-            <a:stretch>
-              <a:fillRect/>
-            </a:stretch>
-          </p:blipFill>
-          <p:spPr>
-            <a:xfrm>
-              <a:off x="373178" y="353741"/>
-              <a:ext cx="17539359" cy="9578231"/>
-            </a:xfrm>
-            <a:prstGeom prst="rect">
-              <a:avLst/>
-            </a:prstGeom>
-          </p:spPr>
-        </p:pic>
-      </p:grpSp>
-      <p:grpSp>
-        <p:nvGrpSpPr>
-          <p:cNvPr id="1002" name="그룹 1002"/>
-          <p:cNvGrpSpPr/>
-          <p:nvPr/>
-        </p:nvGrpSpPr>
-        <p:grpSpPr>
-          <a:xfrm>
-            <a:off x="716606" y="353741"/>
-            <a:ext cx="746682" cy="9578231"/>
-            <a:chOff x="716606" y="353741"/>
-            <a:chExt cx="746682" cy="9578231"/>
-          </a:xfrm>
-        </p:grpSpPr>
-        <p:pic>
-          <p:nvPicPr>
-            <p:cNvPr id="7" name="Object 6"/>
-            <p:cNvPicPr>
-              <a:picLocks noChangeAspect="1"/>
-            </p:cNvPicPr>
-            <p:nvPr/>
-          </p:nvPicPr>
-          <p:blipFill>
-            <a:blip r:embed="rId4" cstate="print"/>
-            <a:stretch>
-              <a:fillRect/>
-            </a:stretch>
-          </p:blipFill>
-          <p:spPr>
-            <a:xfrm>
-              <a:off x="343265" y="-4435374"/>
-              <a:ext cx="1493364" cy="19156463"/>
-            </a:xfrm>
-            <a:prstGeom prst="rect">
-              <a:avLst/>
-            </a:prstGeom>
-          </p:spPr>
-        </p:pic>
-        <p:pic>
-          <p:nvPicPr>
-            <p:cNvPr id="8" name="Object 7"/>
-            <p:cNvPicPr>
-              <a:picLocks noChangeAspect="1"/>
-            </p:cNvPicPr>
-            <p:nvPr/>
-          </p:nvPicPr>
-          <p:blipFill>
-            <a:blip r:embed="rId5" cstate="print"/>
-            <a:stretch>
-              <a:fillRect/>
-            </a:stretch>
-          </p:blipFill>
-          <p:spPr>
-            <a:xfrm>
-              <a:off x="716606" y="353741"/>
-              <a:ext cx="746682" cy="9578231"/>
-            </a:xfrm>
-            <a:prstGeom prst="rect">
-              <a:avLst/>
-            </a:prstGeom>
-          </p:spPr>
-        </p:pic>
-      </p:grpSp>
-      <p:grpSp>
-        <p:nvGrpSpPr>
-          <p:cNvPr id="1003" name="그룹 1003"/>
-          <p:cNvGrpSpPr/>
-          <p:nvPr/>
-        </p:nvGrpSpPr>
-        <p:grpSpPr>
-          <a:xfrm>
-            <a:off x="373178" y="353741"/>
-            <a:ext cx="890195" cy="9578231"/>
-            <a:chOff x="373178" y="353741"/>
-            <a:chExt cx="890195" cy="9578231"/>
-          </a:xfrm>
-        </p:grpSpPr>
-        <p:pic>
-          <p:nvPicPr>
-            <p:cNvPr id="11" name="Object 10"/>
-            <p:cNvPicPr>
-              <a:picLocks noChangeAspect="1"/>
-            </p:cNvPicPr>
-            <p:nvPr/>
-          </p:nvPicPr>
-          <p:blipFill>
-            <a:blip r:embed="rId6" cstate="print"/>
-            <a:stretch>
-              <a:fillRect/>
-            </a:stretch>
-          </p:blipFill>
-          <p:spPr>
-            <a:xfrm>
-              <a:off x="-71920" y="-4435374"/>
-              <a:ext cx="1780390" cy="19156463"/>
-            </a:xfrm>
-            <a:prstGeom prst="rect">
-              <a:avLst/>
-            </a:prstGeom>
-          </p:spPr>
-        </p:pic>
-        <p:pic>
-          <p:nvPicPr>
-            <p:cNvPr id="12" name="Object 11"/>
-            <p:cNvPicPr>
-              <a:picLocks noChangeAspect="1"/>
-            </p:cNvPicPr>
-            <p:nvPr/>
-          </p:nvPicPr>
-          <p:blipFill>
-            <a:blip r:embed="rId7" cstate="print"/>
-            <a:stretch>
-              <a:fillRect/>
-            </a:stretch>
-          </p:blipFill>
-          <p:spPr>
-            <a:xfrm>
-              <a:off x="373178" y="353741"/>
-              <a:ext cx="890195" cy="9578231"/>
-            </a:xfrm>
-            <a:prstGeom prst="rect">
-              <a:avLst/>
-            </a:prstGeom>
-          </p:spPr>
-        </p:pic>
-      </p:grpSp>
-      <p:grpSp>
-        <p:nvGrpSpPr>
-          <p:cNvPr id="1004" name="그룹 1004"/>
-          <p:cNvGrpSpPr/>
-          <p:nvPr/>
-        </p:nvGrpSpPr>
-        <p:grpSpPr>
-          <a:xfrm>
-            <a:off x="17502078" y="559365"/>
-            <a:ext cx="128890" cy="128890"/>
-            <a:chOff x="17502078" y="559365"/>
-            <a:chExt cx="128890" cy="128890"/>
-          </a:xfrm>
-        </p:grpSpPr>
-        <p:pic>
-          <p:nvPicPr>
-            <p:cNvPr id="15" name="Object 14"/>
-            <p:cNvPicPr>
-              <a:picLocks noChangeAspect="1"/>
-            </p:cNvPicPr>
-            <p:nvPr/>
-          </p:nvPicPr>
-          <p:blipFill>
-            <a:blip r:embed="rId8" cstate="print"/>
-            <a:stretch>
-              <a:fillRect/>
-            </a:stretch>
-          </p:blipFill>
-          <p:spPr>
-            <a:xfrm rot="10800000">
-              <a:off x="17502078" y="559365"/>
-              <a:ext cx="128890" cy="128890"/>
-            </a:xfrm>
-            <a:prstGeom prst="rect">
-              <a:avLst/>
-            </a:prstGeom>
-          </p:spPr>
-        </p:pic>
-      </p:grpSp>
-      <p:grpSp>
-        <p:nvGrpSpPr>
-          <p:cNvPr id="1005" name="그룹 1005"/>
-          <p:cNvGrpSpPr/>
-          <p:nvPr/>
-        </p:nvGrpSpPr>
-        <p:grpSpPr>
-          <a:xfrm>
-            <a:off x="17337328" y="559365"/>
-            <a:ext cx="128890" cy="128890"/>
-            <a:chOff x="17337328" y="559365"/>
-            <a:chExt cx="128890" cy="128890"/>
-          </a:xfrm>
-        </p:grpSpPr>
-        <p:pic>
-          <p:nvPicPr>
-            <p:cNvPr id="18" name="Object 17"/>
-            <p:cNvPicPr>
-              <a:picLocks noChangeAspect="1"/>
-            </p:cNvPicPr>
-            <p:nvPr/>
-          </p:nvPicPr>
-          <p:blipFill>
-            <a:blip r:embed="rId9" cstate="print"/>
-            <a:stretch>
-              <a:fillRect/>
-            </a:stretch>
-          </p:blipFill>
-          <p:spPr>
-            <a:xfrm rot="10800000">
-              <a:off x="17337328" y="559365"/>
-              <a:ext cx="128890" cy="128890"/>
-            </a:xfrm>
-            <a:prstGeom prst="rect">
-              <a:avLst/>
-            </a:prstGeom>
-          </p:spPr>
-        </p:pic>
-      </p:grpSp>
-      <p:grpSp>
-        <p:nvGrpSpPr>
-          <p:cNvPr id="1006" name="그룹 1006"/>
-          <p:cNvGrpSpPr/>
-          <p:nvPr/>
-        </p:nvGrpSpPr>
-        <p:grpSpPr>
-          <a:xfrm>
-            <a:off x="17172578" y="559365"/>
-            <a:ext cx="128890" cy="128890"/>
-            <a:chOff x="17172578" y="559365"/>
-            <a:chExt cx="128890" cy="128890"/>
-          </a:xfrm>
-        </p:grpSpPr>
-        <p:pic>
-          <p:nvPicPr>
-            <p:cNvPr id="21" name="Object 20"/>
-            <p:cNvPicPr>
-              <a:picLocks noChangeAspect="1"/>
-            </p:cNvPicPr>
-            <p:nvPr/>
-          </p:nvPicPr>
-          <p:blipFill>
-            <a:blip r:embed="rId10" cstate="print"/>
-            <a:stretch>
-              <a:fillRect/>
-            </a:stretch>
-          </p:blipFill>
-          <p:spPr>
-            <a:xfrm rot="10800000">
-              <a:off x="17172578" y="559365"/>
-              <a:ext cx="128890" cy="128890"/>
-            </a:xfrm>
-            <a:prstGeom prst="rect">
-              <a:avLst/>
-            </a:prstGeom>
-          </p:spPr>
-        </p:pic>
-      </p:grpSp>
-      <p:grpSp>
-        <p:nvGrpSpPr>
-          <p:cNvPr id="1007" name="그룹 1007"/>
-          <p:cNvGrpSpPr/>
-          <p:nvPr/>
-        </p:nvGrpSpPr>
-        <p:grpSpPr>
-          <a:xfrm>
-            <a:off x="678511" y="2629719"/>
-            <a:ext cx="584245" cy="3539165"/>
-            <a:chOff x="678511" y="2629719"/>
-            <a:chExt cx="584245" cy="3539165"/>
-          </a:xfrm>
-        </p:grpSpPr>
-        <p:grpSp>
-          <p:nvGrpSpPr>
-            <p:cNvPr id="1008" name="그룹 1008"/>
-            <p:cNvGrpSpPr/>
-            <p:nvPr/>
-          </p:nvGrpSpPr>
-          <p:grpSpPr>
-            <a:xfrm>
-              <a:off x="678511" y="5584639"/>
-              <a:ext cx="584245" cy="584245"/>
-              <a:chOff x="678511" y="5584639"/>
-              <a:chExt cx="584245" cy="584245"/>
-            </a:xfrm>
-          </p:grpSpPr>
-          <p:grpSp>
-            <p:nvGrpSpPr>
-              <p:cNvPr id="1009" name="그룹 1009"/>
-              <p:cNvGrpSpPr/>
-              <p:nvPr/>
-            </p:nvGrpSpPr>
-            <p:grpSpPr>
-              <a:xfrm>
-                <a:off x="678511" y="5584639"/>
-                <a:ext cx="584245" cy="584245"/>
-                <a:chOff x="678511" y="5584639"/>
-                <a:chExt cx="584245" cy="584245"/>
-              </a:xfrm>
-            </p:grpSpPr>
-            <p:pic>
-              <p:nvPicPr>
-                <p:cNvPr id="26" name="Object 25"/>
-                <p:cNvPicPr>
-                  <a:picLocks noChangeAspect="1"/>
-                </p:cNvPicPr>
-                <p:nvPr/>
-              </p:nvPicPr>
-              <p:blipFill>
-                <a:blip r:embed="rId11" cstate="print"/>
-                <a:stretch>
-                  <a:fillRect/>
-                </a:stretch>
-              </p:blipFill>
-              <p:spPr>
-                <a:xfrm>
-                  <a:off x="678511" y="5584639"/>
-                  <a:ext cx="584245" cy="584245"/>
-                </a:xfrm>
-                <a:prstGeom prst="rect">
-                  <a:avLst/>
-                </a:prstGeom>
-              </p:spPr>
-            </p:pic>
-          </p:grpSp>
-          <p:grpSp>
-            <p:nvGrpSpPr>
-              <p:cNvPr id="1010" name="그룹 1010"/>
-              <p:cNvGrpSpPr/>
-              <p:nvPr/>
-            </p:nvGrpSpPr>
-            <p:grpSpPr>
-              <a:xfrm>
-                <a:off x="732539" y="5634395"/>
-                <a:ext cx="476190" cy="476190"/>
-                <a:chOff x="732539" y="5634395"/>
-                <a:chExt cx="476190" cy="476190"/>
-              </a:xfrm>
-            </p:grpSpPr>
-            <p:pic>
-              <p:nvPicPr>
-                <p:cNvPr id="29" name="Object 28"/>
-                <p:cNvPicPr>
-                  <a:picLocks noChangeAspect="1"/>
-                </p:cNvPicPr>
-                <p:nvPr/>
-              </p:nvPicPr>
-              <p:blipFill>
-                <a:blip r:embed="rId12" cstate="print"/>
-                <a:stretch>
-                  <a:fillRect/>
-                </a:stretch>
-              </p:blipFill>
-              <p:spPr>
-                <a:xfrm>
-                  <a:off x="732539" y="5634395"/>
-                  <a:ext cx="476190" cy="476190"/>
-                </a:xfrm>
-                <a:prstGeom prst="rect">
-                  <a:avLst/>
-                </a:prstGeom>
-              </p:spPr>
-            </p:pic>
-          </p:grpSp>
-        </p:grpSp>
-        <p:grpSp>
-          <p:nvGrpSpPr>
-            <p:cNvPr id="1011" name="그룹 1011"/>
-            <p:cNvGrpSpPr/>
-            <p:nvPr/>
-          </p:nvGrpSpPr>
-          <p:grpSpPr>
-            <a:xfrm>
-              <a:off x="678511" y="3614692"/>
-              <a:ext cx="584245" cy="584245"/>
-              <a:chOff x="678511" y="3614692"/>
-              <a:chExt cx="584245" cy="584245"/>
-            </a:xfrm>
-          </p:grpSpPr>
-          <p:grpSp>
-            <p:nvGrpSpPr>
-              <p:cNvPr id="1012" name="그룹 1012"/>
-              <p:cNvGrpSpPr/>
-              <p:nvPr/>
-            </p:nvGrpSpPr>
-            <p:grpSpPr>
-              <a:xfrm>
-                <a:off x="678511" y="3614692"/>
-                <a:ext cx="584245" cy="584245"/>
-                <a:chOff x="678511" y="3614692"/>
-                <a:chExt cx="584245" cy="584245"/>
-              </a:xfrm>
-            </p:grpSpPr>
-            <p:pic>
-              <p:nvPicPr>
-                <p:cNvPr id="34" name="Object 33"/>
-                <p:cNvPicPr>
-                  <a:picLocks noChangeAspect="1"/>
-                </p:cNvPicPr>
-                <p:nvPr/>
-              </p:nvPicPr>
-              <p:blipFill>
-                <a:blip r:embed="rId11" cstate="print"/>
-                <a:stretch>
-                  <a:fillRect/>
-                </a:stretch>
-              </p:blipFill>
-              <p:spPr>
-                <a:xfrm>
-                  <a:off x="678511" y="3614692"/>
-                  <a:ext cx="584245" cy="584245"/>
-                </a:xfrm>
-                <a:prstGeom prst="rect">
-                  <a:avLst/>
-                </a:prstGeom>
-              </p:spPr>
-            </p:pic>
-          </p:grpSp>
-          <p:grpSp>
-            <p:nvGrpSpPr>
-              <p:cNvPr id="1013" name="그룹 1013"/>
-              <p:cNvGrpSpPr/>
-              <p:nvPr/>
-            </p:nvGrpSpPr>
-            <p:grpSpPr>
-              <a:xfrm>
-                <a:off x="732539" y="3648628"/>
-                <a:ext cx="476190" cy="476190"/>
-                <a:chOff x="732539" y="3648628"/>
-                <a:chExt cx="476190" cy="476190"/>
-              </a:xfrm>
-            </p:grpSpPr>
-            <p:pic>
-              <p:nvPicPr>
-                <p:cNvPr id="37" name="Object 36"/>
-                <p:cNvPicPr>
-                  <a:picLocks noChangeAspect="1"/>
-                </p:cNvPicPr>
-                <p:nvPr/>
-              </p:nvPicPr>
-              <p:blipFill>
-                <a:blip r:embed="rId13" cstate="print"/>
-                <a:stretch>
-                  <a:fillRect/>
-                </a:stretch>
-              </p:blipFill>
-              <p:spPr>
-                <a:xfrm>
-                  <a:off x="732539" y="3648628"/>
-                  <a:ext cx="476190" cy="476190"/>
-                </a:xfrm>
-                <a:prstGeom prst="rect">
-                  <a:avLst/>
-                </a:prstGeom>
-              </p:spPr>
-            </p:pic>
-          </p:grpSp>
-        </p:grpSp>
-        <p:grpSp>
-          <p:nvGrpSpPr>
-            <p:cNvPr id="1014" name="그룹 1014"/>
-            <p:cNvGrpSpPr/>
-            <p:nvPr/>
-          </p:nvGrpSpPr>
-          <p:grpSpPr>
-            <a:xfrm>
-              <a:off x="678511" y="2629719"/>
-              <a:ext cx="584245" cy="584245"/>
-              <a:chOff x="678511" y="2629719"/>
-              <a:chExt cx="584245" cy="584245"/>
-            </a:xfrm>
-          </p:grpSpPr>
-          <p:grpSp>
-            <p:nvGrpSpPr>
-              <p:cNvPr id="1015" name="그룹 1015"/>
-              <p:cNvGrpSpPr/>
-              <p:nvPr/>
-            </p:nvGrpSpPr>
-            <p:grpSpPr>
-              <a:xfrm>
-                <a:off x="678511" y="2629719"/>
-                <a:ext cx="584245" cy="584245"/>
-                <a:chOff x="678511" y="2629719"/>
-                <a:chExt cx="584245" cy="584245"/>
-              </a:xfrm>
-            </p:grpSpPr>
-            <p:pic>
-              <p:nvPicPr>
-                <p:cNvPr id="42" name="Object 41"/>
-                <p:cNvPicPr>
-                  <a:picLocks noChangeAspect="1"/>
-                </p:cNvPicPr>
-                <p:nvPr/>
-              </p:nvPicPr>
-              <p:blipFill>
-                <a:blip r:embed="rId11" cstate="print"/>
-                <a:stretch>
-                  <a:fillRect/>
-                </a:stretch>
-              </p:blipFill>
-              <p:spPr>
-                <a:xfrm>
-                  <a:off x="678511" y="2629719"/>
-                  <a:ext cx="584245" cy="584245"/>
-                </a:xfrm>
-                <a:prstGeom prst="rect">
-                  <a:avLst/>
-                </a:prstGeom>
-              </p:spPr>
-            </p:pic>
-          </p:grpSp>
-          <p:grpSp>
-            <p:nvGrpSpPr>
-              <p:cNvPr id="1016" name="그룹 1016"/>
-              <p:cNvGrpSpPr/>
-              <p:nvPr/>
-            </p:nvGrpSpPr>
-            <p:grpSpPr>
-              <a:xfrm>
-                <a:off x="732539" y="2678652"/>
-                <a:ext cx="476190" cy="476190"/>
-                <a:chOff x="732539" y="2678652"/>
-                <a:chExt cx="476190" cy="476190"/>
-              </a:xfrm>
-            </p:grpSpPr>
-            <p:pic>
-              <p:nvPicPr>
-                <p:cNvPr id="45" name="Object 44"/>
-                <p:cNvPicPr>
-                  <a:picLocks noChangeAspect="1"/>
-                </p:cNvPicPr>
-                <p:nvPr/>
-              </p:nvPicPr>
-              <p:blipFill>
-                <a:blip r:embed="rId14" cstate="print"/>
-                <a:stretch>
-                  <a:fillRect/>
-                </a:stretch>
-              </p:blipFill>
-              <p:spPr>
-                <a:xfrm>
-                  <a:off x="732539" y="2678652"/>
-                  <a:ext cx="476190" cy="476190"/>
-                </a:xfrm>
-                <a:prstGeom prst="rect">
-                  <a:avLst/>
-                </a:prstGeom>
-              </p:spPr>
-            </p:pic>
-          </p:grpSp>
-        </p:grpSp>
-        <p:grpSp>
-          <p:nvGrpSpPr>
-            <p:cNvPr id="1017" name="그룹 1017"/>
-            <p:cNvGrpSpPr/>
-            <p:nvPr/>
-          </p:nvGrpSpPr>
-          <p:grpSpPr>
-            <a:xfrm>
-              <a:off x="678511" y="4599666"/>
-              <a:ext cx="584245" cy="584245"/>
-              <a:chOff x="678511" y="4599666"/>
-              <a:chExt cx="584245" cy="584245"/>
-            </a:xfrm>
-          </p:grpSpPr>
-          <p:grpSp>
-            <p:nvGrpSpPr>
-              <p:cNvPr id="1018" name="그룹 1018"/>
-              <p:cNvGrpSpPr/>
-              <p:nvPr/>
-            </p:nvGrpSpPr>
-            <p:grpSpPr>
-              <a:xfrm>
-                <a:off x="678511" y="4599666"/>
-                <a:ext cx="584245" cy="584245"/>
-                <a:chOff x="678511" y="4599666"/>
-                <a:chExt cx="584245" cy="584245"/>
-              </a:xfrm>
-            </p:grpSpPr>
-            <p:pic>
-              <p:nvPicPr>
-                <p:cNvPr id="50" name="Object 49"/>
-                <p:cNvPicPr>
-                  <a:picLocks noChangeAspect="1"/>
-                </p:cNvPicPr>
-                <p:nvPr/>
-              </p:nvPicPr>
-              <p:blipFill>
-                <a:blip r:embed="rId11" cstate="print"/>
-                <a:stretch>
-                  <a:fillRect/>
-                </a:stretch>
-              </p:blipFill>
-              <p:spPr>
-                <a:xfrm>
-                  <a:off x="678511" y="4599666"/>
-                  <a:ext cx="584245" cy="584245"/>
-                </a:xfrm>
-                <a:prstGeom prst="rect">
-                  <a:avLst/>
-                </a:prstGeom>
-              </p:spPr>
-            </p:pic>
-          </p:grpSp>
-          <p:grpSp>
-            <p:nvGrpSpPr>
-              <p:cNvPr id="1019" name="그룹 1019"/>
-              <p:cNvGrpSpPr/>
-              <p:nvPr/>
-            </p:nvGrpSpPr>
-            <p:grpSpPr>
-              <a:xfrm>
-                <a:off x="732539" y="4641512"/>
-                <a:ext cx="476190" cy="476190"/>
-                <a:chOff x="732539" y="4641512"/>
-                <a:chExt cx="476190" cy="476190"/>
-              </a:xfrm>
-            </p:grpSpPr>
-            <p:pic>
-              <p:nvPicPr>
-                <p:cNvPr id="53" name="Object 52"/>
-                <p:cNvPicPr>
-                  <a:picLocks noChangeAspect="1"/>
-                </p:cNvPicPr>
-                <p:nvPr/>
-              </p:nvPicPr>
-              <p:blipFill>
-                <a:blip r:embed="rId15" cstate="print"/>
-                <a:stretch>
-                  <a:fillRect/>
-                </a:stretch>
-              </p:blipFill>
-              <p:spPr>
-                <a:xfrm>
-                  <a:off x="732539" y="4641512"/>
-                  <a:ext cx="476190" cy="476190"/>
-                </a:xfrm>
-                <a:prstGeom prst="rect">
-                  <a:avLst/>
-                </a:prstGeom>
-              </p:spPr>
-            </p:pic>
-          </p:grpSp>
-        </p:grpSp>
-      </p:grpSp>
-      <p:grpSp>
-        <p:nvGrpSpPr>
-          <p:cNvPr id="1020" name="그룹 1020"/>
-          <p:cNvGrpSpPr/>
-          <p:nvPr/>
-        </p:nvGrpSpPr>
-        <p:grpSpPr>
-          <a:xfrm>
-            <a:off x="2144324" y="1622592"/>
-            <a:ext cx="15357755" cy="1007127"/>
-            <a:chOff x="2144324" y="1622592"/>
-            <a:chExt cx="15357755" cy="1007127"/>
-          </a:xfrm>
-        </p:grpSpPr>
-        <p:pic>
-          <p:nvPicPr>
-            <p:cNvPr id="58" name="Object 57"/>
-            <p:cNvPicPr>
-              <a:picLocks noChangeAspect="1"/>
-            </p:cNvPicPr>
-            <p:nvPr/>
-          </p:nvPicPr>
-          <p:blipFill>
-            <a:blip r:embed="rId16" cstate="print"/>
-            <a:stretch>
-              <a:fillRect/>
-            </a:stretch>
-          </p:blipFill>
-          <p:spPr>
-            <a:xfrm>
-              <a:off x="2144324" y="1622592"/>
-              <a:ext cx="15357755" cy="1007127"/>
-            </a:xfrm>
-            <a:prstGeom prst="rect">
-              <a:avLst/>
-            </a:prstGeom>
-          </p:spPr>
-        </p:pic>
-      </p:grpSp>
-      <p:grpSp>
-        <p:nvGrpSpPr>
-          <p:cNvPr id="1021" name="그룹 1021"/>
-          <p:cNvGrpSpPr/>
-          <p:nvPr/>
-        </p:nvGrpSpPr>
-        <p:grpSpPr>
-          <a:xfrm>
-            <a:off x="2144324" y="3405714"/>
-            <a:ext cx="15357755" cy="5414455"/>
-            <a:chOff x="2144324" y="3405714"/>
-            <a:chExt cx="15357755" cy="5414455"/>
-          </a:xfrm>
-        </p:grpSpPr>
-        <p:pic>
-          <p:nvPicPr>
-            <p:cNvPr id="61" name="Object 60"/>
-            <p:cNvPicPr>
-              <a:picLocks noChangeAspect="1"/>
-            </p:cNvPicPr>
-            <p:nvPr/>
-          </p:nvPicPr>
-          <p:blipFill>
-            <a:blip r:embed="rId17" cstate="print"/>
-            <a:stretch>
-              <a:fillRect/>
-            </a:stretch>
-          </p:blipFill>
-          <p:spPr>
-            <a:xfrm>
-              <a:off x="2144324" y="3405714"/>
-              <a:ext cx="15357755" cy="5414455"/>
-            </a:xfrm>
-            <a:prstGeom prst="rect">
-              <a:avLst/>
-            </a:prstGeom>
-          </p:spPr>
-        </p:pic>
-      </p:grpSp>
-      <p:grpSp>
-        <p:nvGrpSpPr>
-          <p:cNvPr id="1022" name="그룹 1022"/>
-          <p:cNvGrpSpPr/>
-          <p:nvPr/>
-        </p:nvGrpSpPr>
-        <p:grpSpPr>
-          <a:xfrm>
-            <a:off x="2247181" y="3508571"/>
-            <a:ext cx="15357755" cy="5414455"/>
-            <a:chOff x="2247181" y="3508571"/>
-            <a:chExt cx="15357755" cy="5414455"/>
-          </a:xfrm>
-        </p:grpSpPr>
-        <p:pic>
-          <p:nvPicPr>
-            <p:cNvPr id="64" name="Object 63"/>
-            <p:cNvPicPr>
-              <a:picLocks noChangeAspect="1"/>
-            </p:cNvPicPr>
-            <p:nvPr/>
-          </p:nvPicPr>
-          <p:blipFill>
-            <a:blip r:embed="rId17" cstate="print"/>
-            <a:stretch>
-              <a:fillRect/>
-            </a:stretch>
-          </p:blipFill>
-          <p:spPr>
-            <a:xfrm>
-              <a:off x="2247181" y="3508571"/>
-              <a:ext cx="15357755" cy="5414455"/>
-            </a:xfrm>
-            <a:prstGeom prst="rect">
-              <a:avLst/>
-            </a:prstGeom>
-          </p:spPr>
-        </p:pic>
-      </p:grpSp>
-      <p:pic>
-        <p:nvPicPr>
-          <p:cNvPr id="66" name="Object 65"/>
-          <p:cNvPicPr>
-            <a:picLocks noChangeAspect="1"/>
-          </p:cNvPicPr>
-          <p:nvPr/>
-        </p:nvPicPr>
-        <p:blipFill>
-          <a:blip r:embed="rId18" cstate="print"/>
-          <a:stretch>
-            <a:fillRect/>
-          </a:stretch>
-        </p:blipFill>
-        <p:spPr>
-          <a:xfrm>
-            <a:off x="7639125" y="786856"/>
-            <a:ext cx="13607109" cy="423357"/>
-          </a:xfrm>
-          <a:prstGeom prst="rect">
-            <a:avLst/>
-          </a:prstGeom>
-        </p:spPr>
-      </p:pic>
-      <p:pic>
-        <p:nvPicPr>
-          <p:cNvPr id="67" name="Object 66"/>
-          <p:cNvPicPr>
-            <a:picLocks noChangeAspect="1"/>
-          </p:cNvPicPr>
-          <p:nvPr/>
-        </p:nvPicPr>
-        <p:blipFill>
-          <a:blip r:embed="rId19" cstate="print"/>
-          <a:stretch>
-            <a:fillRect/>
-          </a:stretch>
-        </p:blipFill>
-        <p:spPr>
-          <a:xfrm>
-            <a:off x="2316574" y="1233184"/>
-            <a:ext cx="15147237" cy="1997418"/>
-          </a:xfrm>
-          <a:prstGeom prst="rect">
-            <a:avLst/>
-          </a:prstGeom>
-        </p:spPr>
-      </p:pic>
-      <p:pic>
-        <p:nvPicPr>
-          <p:cNvPr id="68" name="Object 67"/>
-          <p:cNvPicPr>
-            <a:picLocks noChangeAspect="1"/>
-          </p:cNvPicPr>
-          <p:nvPr/>
-        </p:nvPicPr>
-        <p:blipFill>
-          <a:blip r:embed="rId20" cstate="print"/>
-          <a:stretch>
-            <a:fillRect/>
-          </a:stretch>
-        </p:blipFill>
-        <p:spPr>
-          <a:xfrm>
-            <a:off x="2446574" y="3198231"/>
-            <a:ext cx="15108789" cy="6132618"/>
-          </a:xfrm>
-          <a:prstGeom prst="rect">
-            <a:avLst/>
-          </a:prstGeom>
-        </p:spPr>
-      </p:pic>
-    </p:spTree>
-  </p:cSld>
-  <p:clrMapOvr>
-    <a:masterClrMapping/>
-  </p:clrMapOvr>
-</p:sld>
-</file>
-
-<file path=ppt/slides/slide31.xml><?xml version="1.0" encoding="utf-8"?>
-<p:sld xmlns:a="http://schemas.openxmlformats.org/drawingml/2006/main" xmlns:r="http://schemas.openxmlformats.org/officeDocument/2006/relationships" xmlns:p="http://schemas.openxmlformats.org/presentationml/2006/main">
-  <p:cSld name="Slide 31">
-    <p:bg>
-      <p:bgPr>
-        <a:solidFill>
-          <a:srgbClr val="F1F6FF"/>
-        </a:solidFill>
-        <a:effectLst/>
-      </p:bgPr>
-    </p:bg>
-    <p:spTree>
-      <p:nvGrpSpPr>
-        <p:cNvPr id="1" name=""/>
-        <p:cNvGrpSpPr/>
-        <p:nvPr/>
-      </p:nvGrpSpPr>
-      <p:grpSpPr>
-        <a:xfrm>
-          <a:off x="0" y="0"/>
-          <a:ext cx="0" cy="0"/>
-          <a:chOff x="0" y="0"/>
-          <a:chExt cx="0" cy="0"/>
-        </a:xfrm>
-      </p:grpSpPr>
-      <p:grpSp>
-        <p:nvGrpSpPr>
-          <p:cNvPr id="1001" name="그룹 1001"/>
-          <p:cNvGrpSpPr/>
-          <p:nvPr/>
-        </p:nvGrpSpPr>
-        <p:grpSpPr>
-          <a:xfrm>
-            <a:off x="373178" y="353741"/>
-            <a:ext cx="17539359" cy="9578231"/>
-            <a:chOff x="373178" y="353741"/>
-            <a:chExt cx="17539359" cy="9578231"/>
-          </a:xfrm>
-        </p:grpSpPr>
-        <p:pic>
-          <p:nvPicPr>
-            <p:cNvPr id="3" name="Object 2"/>
-            <p:cNvPicPr>
-              <a:picLocks noChangeAspect="1"/>
-            </p:cNvPicPr>
-            <p:nvPr/>
-          </p:nvPicPr>
-          <p:blipFill>
-            <a:blip r:embed="rId2" cstate="print"/>
-            <a:stretch>
-              <a:fillRect/>
-            </a:stretch>
-          </p:blipFill>
-          <p:spPr>
-            <a:xfrm>
-              <a:off x="-8396501" y="-4435374"/>
-              <a:ext cx="35078717" cy="19156463"/>
-            </a:xfrm>
-            <a:prstGeom prst="rect">
-              <a:avLst/>
-            </a:prstGeom>
-          </p:spPr>
-        </p:pic>
-        <p:pic>
-          <p:nvPicPr>
-            <p:cNvPr id="4" name="Object 3"/>
-            <p:cNvPicPr>
-              <a:picLocks noChangeAspect="1"/>
-            </p:cNvPicPr>
-            <p:nvPr/>
-          </p:nvPicPr>
-          <p:blipFill>
-            <a:blip r:embed="rId3" cstate="print"/>
-            <a:stretch>
-              <a:fillRect/>
-            </a:stretch>
-          </p:blipFill>
-          <p:spPr>
-            <a:xfrm>
-              <a:off x="373178" y="353741"/>
-              <a:ext cx="17539359" cy="9578231"/>
-            </a:xfrm>
-            <a:prstGeom prst="rect">
-              <a:avLst/>
-            </a:prstGeom>
-          </p:spPr>
-        </p:pic>
-      </p:grpSp>
-      <p:grpSp>
-        <p:nvGrpSpPr>
-          <p:cNvPr id="1002" name="그룹 1002"/>
-          <p:cNvGrpSpPr/>
-          <p:nvPr/>
-        </p:nvGrpSpPr>
-        <p:grpSpPr>
-          <a:xfrm>
-            <a:off x="716606" y="353741"/>
-            <a:ext cx="746682" cy="9578231"/>
-            <a:chOff x="716606" y="353741"/>
-            <a:chExt cx="746682" cy="9578231"/>
-          </a:xfrm>
-        </p:grpSpPr>
-        <p:pic>
-          <p:nvPicPr>
-            <p:cNvPr id="7" name="Object 6"/>
-            <p:cNvPicPr>
-              <a:picLocks noChangeAspect="1"/>
-            </p:cNvPicPr>
-            <p:nvPr/>
-          </p:nvPicPr>
-          <p:blipFill>
-            <a:blip r:embed="rId4" cstate="print"/>
-            <a:stretch>
-              <a:fillRect/>
-            </a:stretch>
-          </p:blipFill>
-          <p:spPr>
-            <a:xfrm>
-              <a:off x="343265" y="-4435374"/>
-              <a:ext cx="1493364" cy="19156463"/>
-            </a:xfrm>
-            <a:prstGeom prst="rect">
-              <a:avLst/>
-            </a:prstGeom>
-          </p:spPr>
-        </p:pic>
-        <p:pic>
-          <p:nvPicPr>
-            <p:cNvPr id="8" name="Object 7"/>
-            <p:cNvPicPr>
-              <a:picLocks noChangeAspect="1"/>
-            </p:cNvPicPr>
-            <p:nvPr/>
-          </p:nvPicPr>
-          <p:blipFill>
-            <a:blip r:embed="rId5" cstate="print"/>
-            <a:stretch>
-              <a:fillRect/>
-            </a:stretch>
-          </p:blipFill>
-          <p:spPr>
-            <a:xfrm>
-              <a:off x="716606" y="353741"/>
-              <a:ext cx="746682" cy="9578231"/>
-            </a:xfrm>
-            <a:prstGeom prst="rect">
-              <a:avLst/>
-            </a:prstGeom>
-          </p:spPr>
-        </p:pic>
-      </p:grpSp>
-      <p:grpSp>
-        <p:nvGrpSpPr>
-          <p:cNvPr id="1003" name="그룹 1003"/>
-          <p:cNvGrpSpPr/>
-          <p:nvPr/>
-        </p:nvGrpSpPr>
-        <p:grpSpPr>
-          <a:xfrm>
-            <a:off x="373178" y="353741"/>
-            <a:ext cx="890195" cy="9578231"/>
-            <a:chOff x="373178" y="353741"/>
-            <a:chExt cx="890195" cy="9578231"/>
-          </a:xfrm>
-        </p:grpSpPr>
-        <p:pic>
-          <p:nvPicPr>
-            <p:cNvPr id="11" name="Object 10"/>
-            <p:cNvPicPr>
-              <a:picLocks noChangeAspect="1"/>
-            </p:cNvPicPr>
-            <p:nvPr/>
-          </p:nvPicPr>
-          <p:blipFill>
-            <a:blip r:embed="rId6" cstate="print"/>
-            <a:stretch>
-              <a:fillRect/>
-            </a:stretch>
-          </p:blipFill>
-          <p:spPr>
-            <a:xfrm>
-              <a:off x="-71920" y="-4435374"/>
-              <a:ext cx="1780390" cy="19156463"/>
-            </a:xfrm>
-            <a:prstGeom prst="rect">
-              <a:avLst/>
-            </a:prstGeom>
-          </p:spPr>
-        </p:pic>
-        <p:pic>
-          <p:nvPicPr>
-            <p:cNvPr id="12" name="Object 11"/>
-            <p:cNvPicPr>
-              <a:picLocks noChangeAspect="1"/>
-            </p:cNvPicPr>
-            <p:nvPr/>
-          </p:nvPicPr>
-          <p:blipFill>
-            <a:blip r:embed="rId7" cstate="print"/>
-            <a:stretch>
-              <a:fillRect/>
-            </a:stretch>
-          </p:blipFill>
-          <p:spPr>
-            <a:xfrm>
-              <a:off x="373178" y="353741"/>
-              <a:ext cx="890195" cy="9578231"/>
-            </a:xfrm>
-            <a:prstGeom prst="rect">
-              <a:avLst/>
-            </a:prstGeom>
-          </p:spPr>
-        </p:pic>
-      </p:grpSp>
-      <p:grpSp>
-        <p:nvGrpSpPr>
-          <p:cNvPr id="1004" name="그룹 1004"/>
-          <p:cNvGrpSpPr/>
-          <p:nvPr/>
-        </p:nvGrpSpPr>
-        <p:grpSpPr>
-          <a:xfrm>
-            <a:off x="17502078" y="559365"/>
-            <a:ext cx="128890" cy="128890"/>
-            <a:chOff x="17502078" y="559365"/>
-            <a:chExt cx="128890" cy="128890"/>
-          </a:xfrm>
-        </p:grpSpPr>
-        <p:pic>
-          <p:nvPicPr>
-            <p:cNvPr id="15" name="Object 14"/>
-            <p:cNvPicPr>
-              <a:picLocks noChangeAspect="1"/>
-            </p:cNvPicPr>
-            <p:nvPr/>
-          </p:nvPicPr>
-          <p:blipFill>
-            <a:blip r:embed="rId8" cstate="print"/>
-            <a:stretch>
-              <a:fillRect/>
-            </a:stretch>
-          </p:blipFill>
-          <p:spPr>
-            <a:xfrm rot="10800000">
-              <a:off x="17502078" y="559365"/>
-              <a:ext cx="128890" cy="128890"/>
-            </a:xfrm>
-            <a:prstGeom prst="rect">
-              <a:avLst/>
-            </a:prstGeom>
-          </p:spPr>
-        </p:pic>
-      </p:grpSp>
-      <p:grpSp>
-        <p:nvGrpSpPr>
-          <p:cNvPr id="1005" name="그룹 1005"/>
-          <p:cNvGrpSpPr/>
-          <p:nvPr/>
-        </p:nvGrpSpPr>
-        <p:grpSpPr>
-          <a:xfrm>
-            <a:off x="17337328" y="559365"/>
-            <a:ext cx="128890" cy="128890"/>
-            <a:chOff x="17337328" y="559365"/>
-            <a:chExt cx="128890" cy="128890"/>
-          </a:xfrm>
-        </p:grpSpPr>
-        <p:pic>
-          <p:nvPicPr>
-            <p:cNvPr id="18" name="Object 17"/>
-            <p:cNvPicPr>
-              <a:picLocks noChangeAspect="1"/>
-            </p:cNvPicPr>
-            <p:nvPr/>
-          </p:nvPicPr>
-          <p:blipFill>
-            <a:blip r:embed="rId9" cstate="print"/>
-            <a:stretch>
-              <a:fillRect/>
-            </a:stretch>
-          </p:blipFill>
-          <p:spPr>
-            <a:xfrm rot="10800000">
-              <a:off x="17337328" y="559365"/>
-              <a:ext cx="128890" cy="128890"/>
-            </a:xfrm>
-            <a:prstGeom prst="rect">
-              <a:avLst/>
-            </a:prstGeom>
-          </p:spPr>
-        </p:pic>
-      </p:grpSp>
-      <p:grpSp>
-        <p:nvGrpSpPr>
-          <p:cNvPr id="1006" name="그룹 1006"/>
-          <p:cNvGrpSpPr/>
-          <p:nvPr/>
-        </p:nvGrpSpPr>
-        <p:grpSpPr>
-          <a:xfrm>
-            <a:off x="17172578" y="559365"/>
-            <a:ext cx="128890" cy="128890"/>
-            <a:chOff x="17172578" y="559365"/>
-            <a:chExt cx="128890" cy="128890"/>
-          </a:xfrm>
-        </p:grpSpPr>
-        <p:pic>
-          <p:nvPicPr>
-            <p:cNvPr id="21" name="Object 20"/>
-            <p:cNvPicPr>
-              <a:picLocks noChangeAspect="1"/>
-            </p:cNvPicPr>
-            <p:nvPr/>
-          </p:nvPicPr>
-          <p:blipFill>
-            <a:blip r:embed="rId10" cstate="print"/>
-            <a:stretch>
-              <a:fillRect/>
-            </a:stretch>
-          </p:blipFill>
-          <p:spPr>
-            <a:xfrm rot="10800000">
-              <a:off x="17172578" y="559365"/>
-              <a:ext cx="128890" cy="128890"/>
-            </a:xfrm>
-            <a:prstGeom prst="rect">
-              <a:avLst/>
-            </a:prstGeom>
-          </p:spPr>
-        </p:pic>
-      </p:grpSp>
-      <p:grpSp>
-        <p:nvGrpSpPr>
-          <p:cNvPr id="1007" name="그룹 1007"/>
-          <p:cNvGrpSpPr/>
-          <p:nvPr/>
-        </p:nvGrpSpPr>
-        <p:grpSpPr>
-          <a:xfrm>
-            <a:off x="678511" y="2629719"/>
-            <a:ext cx="584245" cy="3539165"/>
-            <a:chOff x="678511" y="2629719"/>
-            <a:chExt cx="584245" cy="3539165"/>
-          </a:xfrm>
-        </p:grpSpPr>
-        <p:grpSp>
-          <p:nvGrpSpPr>
-            <p:cNvPr id="1008" name="그룹 1008"/>
-            <p:cNvGrpSpPr/>
-            <p:nvPr/>
-          </p:nvGrpSpPr>
-          <p:grpSpPr>
-            <a:xfrm>
-              <a:off x="678511" y="5584639"/>
-              <a:ext cx="584245" cy="584245"/>
-              <a:chOff x="678511" y="5584639"/>
-              <a:chExt cx="584245" cy="584245"/>
-            </a:xfrm>
-          </p:grpSpPr>
-          <p:grpSp>
-            <p:nvGrpSpPr>
-              <p:cNvPr id="1009" name="그룹 1009"/>
-              <p:cNvGrpSpPr/>
-              <p:nvPr/>
-            </p:nvGrpSpPr>
-            <p:grpSpPr>
-              <a:xfrm>
-                <a:off x="678511" y="5584639"/>
-                <a:ext cx="584245" cy="584245"/>
-                <a:chOff x="678511" y="5584639"/>
-                <a:chExt cx="584245" cy="584245"/>
-              </a:xfrm>
-            </p:grpSpPr>
-            <p:pic>
-              <p:nvPicPr>
-                <p:cNvPr id="26" name="Object 25"/>
-                <p:cNvPicPr>
-                  <a:picLocks noChangeAspect="1"/>
-                </p:cNvPicPr>
-                <p:nvPr/>
-              </p:nvPicPr>
-              <p:blipFill>
-                <a:blip r:embed="rId11" cstate="print"/>
-                <a:stretch>
-                  <a:fillRect/>
-                </a:stretch>
-              </p:blipFill>
-              <p:spPr>
-                <a:xfrm>
-                  <a:off x="678511" y="5584639"/>
-                  <a:ext cx="584245" cy="584245"/>
-                </a:xfrm>
-                <a:prstGeom prst="rect">
-                  <a:avLst/>
-                </a:prstGeom>
-              </p:spPr>
-            </p:pic>
-          </p:grpSp>
-          <p:grpSp>
-            <p:nvGrpSpPr>
-              <p:cNvPr id="1010" name="그룹 1010"/>
-              <p:cNvGrpSpPr/>
-              <p:nvPr/>
-            </p:nvGrpSpPr>
-            <p:grpSpPr>
-              <a:xfrm>
-                <a:off x="732539" y="5634395"/>
-                <a:ext cx="476190" cy="476190"/>
-                <a:chOff x="732539" y="5634395"/>
-                <a:chExt cx="476190" cy="476190"/>
-              </a:xfrm>
-            </p:grpSpPr>
-            <p:pic>
-              <p:nvPicPr>
-                <p:cNvPr id="29" name="Object 28"/>
-                <p:cNvPicPr>
-                  <a:picLocks noChangeAspect="1"/>
-                </p:cNvPicPr>
-                <p:nvPr/>
-              </p:nvPicPr>
-              <p:blipFill>
-                <a:blip r:embed="rId12" cstate="print"/>
-                <a:stretch>
-                  <a:fillRect/>
-                </a:stretch>
-              </p:blipFill>
-              <p:spPr>
-                <a:xfrm>
-                  <a:off x="732539" y="5634395"/>
-                  <a:ext cx="476190" cy="476190"/>
-                </a:xfrm>
-                <a:prstGeom prst="rect">
-                  <a:avLst/>
-                </a:prstGeom>
-              </p:spPr>
-            </p:pic>
-          </p:grpSp>
-        </p:grpSp>
-        <p:grpSp>
-          <p:nvGrpSpPr>
-            <p:cNvPr id="1011" name="그룹 1011"/>
-            <p:cNvGrpSpPr/>
-            <p:nvPr/>
-          </p:nvGrpSpPr>
-          <p:grpSpPr>
-            <a:xfrm>
-              <a:off x="678511" y="3614692"/>
-              <a:ext cx="584245" cy="584245"/>
-              <a:chOff x="678511" y="3614692"/>
-              <a:chExt cx="584245" cy="584245"/>
-            </a:xfrm>
-          </p:grpSpPr>
-          <p:grpSp>
-            <p:nvGrpSpPr>
-              <p:cNvPr id="1012" name="그룹 1012"/>
-              <p:cNvGrpSpPr/>
-              <p:nvPr/>
-            </p:nvGrpSpPr>
-            <p:grpSpPr>
-              <a:xfrm>
-                <a:off x="678511" y="3614692"/>
-                <a:ext cx="584245" cy="584245"/>
-                <a:chOff x="678511" y="3614692"/>
-                <a:chExt cx="584245" cy="584245"/>
-              </a:xfrm>
-            </p:grpSpPr>
-            <p:pic>
-              <p:nvPicPr>
-                <p:cNvPr id="34" name="Object 33"/>
-                <p:cNvPicPr>
-                  <a:picLocks noChangeAspect="1"/>
-                </p:cNvPicPr>
-                <p:nvPr/>
-              </p:nvPicPr>
-              <p:blipFill>
-                <a:blip r:embed="rId11" cstate="print"/>
-                <a:stretch>
-                  <a:fillRect/>
-                </a:stretch>
-              </p:blipFill>
-              <p:spPr>
-                <a:xfrm>
-                  <a:off x="678511" y="3614692"/>
-                  <a:ext cx="584245" cy="584245"/>
-                </a:xfrm>
-                <a:prstGeom prst="rect">
-                  <a:avLst/>
-                </a:prstGeom>
-              </p:spPr>
-            </p:pic>
-          </p:grpSp>
-          <p:grpSp>
-            <p:nvGrpSpPr>
-              <p:cNvPr id="1013" name="그룹 1013"/>
-              <p:cNvGrpSpPr/>
-              <p:nvPr/>
-            </p:nvGrpSpPr>
-            <p:grpSpPr>
-              <a:xfrm>
-                <a:off x="732539" y="3648628"/>
-                <a:ext cx="476190" cy="476190"/>
-                <a:chOff x="732539" y="3648628"/>
-                <a:chExt cx="476190" cy="476190"/>
-              </a:xfrm>
-            </p:grpSpPr>
-            <p:pic>
-              <p:nvPicPr>
-                <p:cNvPr id="37" name="Object 36"/>
-                <p:cNvPicPr>
-                  <a:picLocks noChangeAspect="1"/>
-                </p:cNvPicPr>
-                <p:nvPr/>
-              </p:nvPicPr>
-              <p:blipFill>
-                <a:blip r:embed="rId13" cstate="print"/>
-                <a:stretch>
-                  <a:fillRect/>
-                </a:stretch>
-              </p:blipFill>
-              <p:spPr>
-                <a:xfrm>
-                  <a:off x="732539" y="3648628"/>
-                  <a:ext cx="476190" cy="476190"/>
-                </a:xfrm>
-                <a:prstGeom prst="rect">
-                  <a:avLst/>
-                </a:prstGeom>
-              </p:spPr>
-            </p:pic>
-          </p:grpSp>
-        </p:grpSp>
-        <p:grpSp>
-          <p:nvGrpSpPr>
-            <p:cNvPr id="1014" name="그룹 1014"/>
-            <p:cNvGrpSpPr/>
-            <p:nvPr/>
-          </p:nvGrpSpPr>
-          <p:grpSpPr>
-            <a:xfrm>
-              <a:off x="678511" y="2629719"/>
-              <a:ext cx="584245" cy="584245"/>
-              <a:chOff x="678511" y="2629719"/>
-              <a:chExt cx="584245" cy="584245"/>
-            </a:xfrm>
-          </p:grpSpPr>
-          <p:grpSp>
-            <p:nvGrpSpPr>
-              <p:cNvPr id="1015" name="그룹 1015"/>
-              <p:cNvGrpSpPr/>
-              <p:nvPr/>
-            </p:nvGrpSpPr>
-            <p:grpSpPr>
-              <a:xfrm>
-                <a:off x="678511" y="2629719"/>
-                <a:ext cx="584245" cy="584245"/>
-                <a:chOff x="678511" y="2629719"/>
-                <a:chExt cx="584245" cy="584245"/>
-              </a:xfrm>
-            </p:grpSpPr>
-            <p:pic>
-              <p:nvPicPr>
-                <p:cNvPr id="42" name="Object 41"/>
-                <p:cNvPicPr>
-                  <a:picLocks noChangeAspect="1"/>
-                </p:cNvPicPr>
-                <p:nvPr/>
-              </p:nvPicPr>
-              <p:blipFill>
-                <a:blip r:embed="rId11" cstate="print"/>
-                <a:stretch>
-                  <a:fillRect/>
-                </a:stretch>
-              </p:blipFill>
-              <p:spPr>
-                <a:xfrm>
-                  <a:off x="678511" y="2629719"/>
-                  <a:ext cx="584245" cy="584245"/>
-                </a:xfrm>
-                <a:prstGeom prst="rect">
-                  <a:avLst/>
-                </a:prstGeom>
-              </p:spPr>
-            </p:pic>
-          </p:grpSp>
-          <p:grpSp>
-            <p:nvGrpSpPr>
-              <p:cNvPr id="1016" name="그룹 1016"/>
-              <p:cNvGrpSpPr/>
-              <p:nvPr/>
-            </p:nvGrpSpPr>
-            <p:grpSpPr>
-              <a:xfrm>
-                <a:off x="732539" y="2678652"/>
-                <a:ext cx="476190" cy="476190"/>
-                <a:chOff x="732539" y="2678652"/>
-                <a:chExt cx="476190" cy="476190"/>
-              </a:xfrm>
-            </p:grpSpPr>
-            <p:pic>
-              <p:nvPicPr>
-                <p:cNvPr id="45" name="Object 44"/>
-                <p:cNvPicPr>
-                  <a:picLocks noChangeAspect="1"/>
-                </p:cNvPicPr>
-                <p:nvPr/>
-              </p:nvPicPr>
-              <p:blipFill>
-                <a:blip r:embed="rId14" cstate="print"/>
-                <a:stretch>
-                  <a:fillRect/>
-                </a:stretch>
-              </p:blipFill>
-              <p:spPr>
-                <a:xfrm>
-                  <a:off x="732539" y="2678652"/>
-                  <a:ext cx="476190" cy="476190"/>
-                </a:xfrm>
-                <a:prstGeom prst="rect">
-                  <a:avLst/>
-                </a:prstGeom>
-              </p:spPr>
-            </p:pic>
-          </p:grpSp>
-        </p:grpSp>
-        <p:grpSp>
-          <p:nvGrpSpPr>
-            <p:cNvPr id="1017" name="그룹 1017"/>
-            <p:cNvGrpSpPr/>
-            <p:nvPr/>
-          </p:nvGrpSpPr>
-          <p:grpSpPr>
-            <a:xfrm>
-              <a:off x="678511" y="4599666"/>
-              <a:ext cx="584245" cy="584245"/>
-              <a:chOff x="678511" y="4599666"/>
-              <a:chExt cx="584245" cy="584245"/>
-            </a:xfrm>
-          </p:grpSpPr>
-          <p:grpSp>
-            <p:nvGrpSpPr>
-              <p:cNvPr id="1018" name="그룹 1018"/>
-              <p:cNvGrpSpPr/>
-              <p:nvPr/>
-            </p:nvGrpSpPr>
-            <p:grpSpPr>
-              <a:xfrm>
-                <a:off x="678511" y="4599666"/>
-                <a:ext cx="584245" cy="584245"/>
-                <a:chOff x="678511" y="4599666"/>
-                <a:chExt cx="584245" cy="584245"/>
-              </a:xfrm>
-            </p:grpSpPr>
-            <p:pic>
-              <p:nvPicPr>
-                <p:cNvPr id="50" name="Object 49"/>
-                <p:cNvPicPr>
-                  <a:picLocks noChangeAspect="1"/>
-                </p:cNvPicPr>
-                <p:nvPr/>
-              </p:nvPicPr>
-              <p:blipFill>
-                <a:blip r:embed="rId11" cstate="print"/>
-                <a:stretch>
-                  <a:fillRect/>
-                </a:stretch>
-              </p:blipFill>
-              <p:spPr>
-                <a:xfrm>
-                  <a:off x="678511" y="4599666"/>
-                  <a:ext cx="584245" cy="584245"/>
-                </a:xfrm>
-                <a:prstGeom prst="rect">
-                  <a:avLst/>
-                </a:prstGeom>
-              </p:spPr>
-            </p:pic>
-          </p:grpSp>
-          <p:grpSp>
-            <p:nvGrpSpPr>
-              <p:cNvPr id="1019" name="그룹 1019"/>
-              <p:cNvGrpSpPr/>
-              <p:nvPr/>
-            </p:nvGrpSpPr>
-            <p:grpSpPr>
-              <a:xfrm>
-                <a:off x="732539" y="4641512"/>
-                <a:ext cx="476190" cy="476190"/>
-                <a:chOff x="732539" y="4641512"/>
-                <a:chExt cx="476190" cy="476190"/>
-              </a:xfrm>
-            </p:grpSpPr>
-            <p:pic>
-              <p:nvPicPr>
-                <p:cNvPr id="53" name="Object 52"/>
-                <p:cNvPicPr>
-                  <a:picLocks noChangeAspect="1"/>
-                </p:cNvPicPr>
-                <p:nvPr/>
-              </p:nvPicPr>
-              <p:blipFill>
-                <a:blip r:embed="rId15" cstate="print"/>
-                <a:stretch>
-                  <a:fillRect/>
-                </a:stretch>
-              </p:blipFill>
-              <p:spPr>
-                <a:xfrm>
-                  <a:off x="732539" y="4641512"/>
-                  <a:ext cx="476190" cy="476190"/>
-                </a:xfrm>
-                <a:prstGeom prst="rect">
-                  <a:avLst/>
-                </a:prstGeom>
-              </p:spPr>
-            </p:pic>
-          </p:grpSp>
-        </p:grpSp>
-      </p:grpSp>
-      <p:grpSp>
-        <p:nvGrpSpPr>
-          <p:cNvPr id="1020" name="그룹 1020"/>
-          <p:cNvGrpSpPr/>
-          <p:nvPr/>
-        </p:nvGrpSpPr>
-        <p:grpSpPr>
-          <a:xfrm>
-            <a:off x="2144324" y="1622592"/>
-            <a:ext cx="15357755" cy="1007127"/>
-            <a:chOff x="2144324" y="1622592"/>
-            <a:chExt cx="15357755" cy="1007127"/>
-          </a:xfrm>
-        </p:grpSpPr>
-        <p:pic>
-          <p:nvPicPr>
-            <p:cNvPr id="58" name="Object 57"/>
-            <p:cNvPicPr>
-              <a:picLocks noChangeAspect="1"/>
-            </p:cNvPicPr>
-            <p:nvPr/>
-          </p:nvPicPr>
-          <p:blipFill>
-            <a:blip r:embed="rId16" cstate="print"/>
-            <a:stretch>
-              <a:fillRect/>
-            </a:stretch>
-          </p:blipFill>
-          <p:spPr>
-            <a:xfrm>
-              <a:off x="2144324" y="1622592"/>
-              <a:ext cx="15357755" cy="1007127"/>
-            </a:xfrm>
-            <a:prstGeom prst="rect">
-              <a:avLst/>
-            </a:prstGeom>
-          </p:spPr>
-        </p:pic>
-      </p:grpSp>
-      <p:grpSp>
-        <p:nvGrpSpPr>
-          <p:cNvPr id="1021" name="그룹 1021"/>
-          <p:cNvGrpSpPr/>
-          <p:nvPr/>
-        </p:nvGrpSpPr>
-        <p:grpSpPr>
-          <a:xfrm>
-            <a:off x="2144324" y="3405714"/>
-            <a:ext cx="15357755" cy="5414455"/>
-            <a:chOff x="2144324" y="3405714"/>
-            <a:chExt cx="15357755" cy="5414455"/>
-          </a:xfrm>
-        </p:grpSpPr>
-        <p:pic>
-          <p:nvPicPr>
-            <p:cNvPr id="61" name="Object 60"/>
-            <p:cNvPicPr>
-              <a:picLocks noChangeAspect="1"/>
-            </p:cNvPicPr>
-            <p:nvPr/>
-          </p:nvPicPr>
-          <p:blipFill>
-            <a:blip r:embed="rId17" cstate="print"/>
-            <a:stretch>
-              <a:fillRect/>
-            </a:stretch>
-          </p:blipFill>
-          <p:spPr>
-            <a:xfrm>
-              <a:off x="2144324" y="3405714"/>
-              <a:ext cx="15357755" cy="5414455"/>
-            </a:xfrm>
-            <a:prstGeom prst="rect">
-              <a:avLst/>
-            </a:prstGeom>
-          </p:spPr>
-        </p:pic>
-      </p:grpSp>
-      <p:grpSp>
-        <p:nvGrpSpPr>
-          <p:cNvPr id="1022" name="그룹 1022"/>
-          <p:cNvGrpSpPr/>
-          <p:nvPr/>
-        </p:nvGrpSpPr>
-        <p:grpSpPr>
-          <a:xfrm>
-            <a:off x="2247181" y="3508571"/>
-            <a:ext cx="15357755" cy="5414455"/>
-            <a:chOff x="2247181" y="3508571"/>
-            <a:chExt cx="15357755" cy="5414455"/>
-          </a:xfrm>
-        </p:grpSpPr>
-        <p:pic>
-          <p:nvPicPr>
-            <p:cNvPr id="64" name="Object 63"/>
-            <p:cNvPicPr>
-              <a:picLocks noChangeAspect="1"/>
-            </p:cNvPicPr>
-            <p:nvPr/>
-          </p:nvPicPr>
-          <p:blipFill>
-            <a:blip r:embed="rId17" cstate="print"/>
-            <a:stretch>
-              <a:fillRect/>
-            </a:stretch>
-          </p:blipFill>
-          <p:spPr>
-            <a:xfrm>
-              <a:off x="2247181" y="3508571"/>
-              <a:ext cx="15357755" cy="5414455"/>
-            </a:xfrm>
-            <a:prstGeom prst="rect">
-              <a:avLst/>
-            </a:prstGeom>
-          </p:spPr>
-        </p:pic>
-      </p:grpSp>
-      <p:pic>
-        <p:nvPicPr>
-          <p:cNvPr id="66" name="Object 65"/>
-          <p:cNvPicPr>
-            <a:picLocks noChangeAspect="1"/>
-          </p:cNvPicPr>
-          <p:nvPr/>
-        </p:nvPicPr>
-        <p:blipFill>
-          <a:blip r:embed="rId18" cstate="print"/>
-          <a:stretch>
-            <a:fillRect/>
-          </a:stretch>
-        </p:blipFill>
-        <p:spPr>
-          <a:xfrm>
-            <a:off x="7639125" y="786856"/>
-            <a:ext cx="13607109" cy="423357"/>
-          </a:xfrm>
-          <a:prstGeom prst="rect">
-            <a:avLst/>
-          </a:prstGeom>
-        </p:spPr>
-      </p:pic>
-      <p:pic>
-        <p:nvPicPr>
-          <p:cNvPr id="67" name="Object 66"/>
-          <p:cNvPicPr>
-            <a:picLocks noChangeAspect="1"/>
-          </p:cNvPicPr>
-          <p:nvPr/>
-        </p:nvPicPr>
-        <p:blipFill>
-          <a:blip r:embed="rId19" cstate="print"/>
-          <a:stretch>
-            <a:fillRect/>
-          </a:stretch>
-        </p:blipFill>
-        <p:spPr>
-          <a:xfrm>
-            <a:off x="2316574" y="1405031"/>
-            <a:ext cx="14689361" cy="1717723"/>
-          </a:xfrm>
-          <a:prstGeom prst="rect">
-            <a:avLst/>
-          </a:prstGeom>
-        </p:spPr>
-      </p:pic>
-      <p:pic>
-        <p:nvPicPr>
-          <p:cNvPr id="68" name="Object 67"/>
-          <p:cNvPicPr>
-            <a:picLocks noChangeAspect="1"/>
-          </p:cNvPicPr>
-          <p:nvPr/>
-        </p:nvPicPr>
-        <p:blipFill>
-          <a:blip r:embed="rId20" cstate="print"/>
-          <a:stretch>
-            <a:fillRect/>
-          </a:stretch>
-        </p:blipFill>
-        <p:spPr>
-          <a:xfrm>
-            <a:off x="2446574" y="3198231"/>
-            <a:ext cx="14917513" cy="6930970"/>
-          </a:xfrm>
-          <a:prstGeom prst="rect">
-            <a:avLst/>
-          </a:prstGeom>
-        </p:spPr>
-      </p:pic>
     </p:spTree>
   </p:cSld>
   <p:clrMapOvr>
